--- a/cluster_20210911/논문그림.pptx
+++ b/cluster_20210911/논문그림.pptx
@@ -11,7 +11,11 @@
     <p:sldId id="258" r:id="rId5"/>
     <p:sldId id="260" r:id="rId6"/>
     <p:sldId id="261" r:id="rId7"/>
-    <p:sldId id="262" r:id="rId8"/>
+    <p:sldId id="264" r:id="rId8"/>
+    <p:sldId id="265" r:id="rId9"/>
+    <p:sldId id="262" r:id="rId10"/>
+    <p:sldId id="263" r:id="rId11"/>
+    <p:sldId id="266" r:id="rId12"/>
   </p:sldIdLst>
   <p:sldSz cx="12192000" cy="6858000"/>
   <p:notesSz cx="6858000" cy="9144000"/>
@@ -110,7 +114,4127 @@
       </a:defRPr>
     </a:lvl9pPr>
   </p:defaultTextStyle>
+  <p:extLst>
+    <p:ext uri="{EFAFB233-063F-42B5-8137-9DF3F51BA10A}">
+      <p15:sldGuideLst xmlns:p15="http://schemas.microsoft.com/office/powerpoint/2012/main"/>
+    </p:ext>
+  </p:extLst>
 </p:presentation>
+</file>
+
+<file path=ppt/charts/chart1.xml><?xml version="1.0" encoding="utf-8"?>
+<c:chartSpace xmlns:c="http://schemas.openxmlformats.org/drawingml/2006/chart" xmlns:a="http://schemas.openxmlformats.org/drawingml/2006/main" xmlns:r="http://schemas.openxmlformats.org/officeDocument/2006/relationships" xmlns:c16r2="http://schemas.microsoft.com/office/drawing/2015/06/chart">
+  <c:date1904 val="0"/>
+  <c:lang val="ko-KR"/>
+  <c:roundedCorners val="0"/>
+  <mc:AlternateContent xmlns:mc="http://schemas.openxmlformats.org/markup-compatibility/2006">
+    <mc:Choice xmlns:c14="http://schemas.microsoft.com/office/drawing/2007/8/2/chart" Requires="c14">
+      <c14:style val="102"/>
+    </mc:Choice>
+    <mc:Fallback>
+      <c:style val="2"/>
+    </mc:Fallback>
+  </mc:AlternateContent>
+  <c:chart>
+    <c:title>
+      <c:tx>
+        <c:rich>
+          <a:bodyPr rot="0" spcFirstLastPara="1" vertOverflow="ellipsis" vert="horz" wrap="square" anchor="ctr" anchorCtr="1"/>
+          <a:lstStyle/>
+          <a:p>
+            <a:pPr>
+              <a:defRPr sz="1400" b="0" i="0" u="none" strike="noStrike" kern="1200" spc="0" baseline="0">
+                <a:solidFill>
+                  <a:schemeClr val="tx1">
+                    <a:lumMod val="65000"/>
+                    <a:lumOff val="35000"/>
+                  </a:schemeClr>
+                </a:solidFill>
+                <a:latin typeface="+mn-lt"/>
+                <a:ea typeface="+mn-ea"/>
+                <a:cs typeface="+mn-cs"/>
+              </a:defRPr>
+            </a:pPr>
+            <a:r>
+              <a:rPr lang="en-US" altLang="ko-KR" dirty="0"/>
+              <a:t>Attributes for clusters in </a:t>
+            </a:r>
+            <a:r>
+              <a:rPr lang="en-US" altLang="ko-KR" dirty="0" err="1" smtClean="0"/>
+              <a:t>Sep_focused</a:t>
+            </a:r>
+            <a:r>
+              <a:rPr lang="en-US" altLang="ko-KR" dirty="0" smtClean="0"/>
+              <a:t> </a:t>
+            </a:r>
+            <a:r>
+              <a:rPr lang="en-US" altLang="ko-KR" dirty="0"/>
+              <a:t>type</a:t>
+            </a:r>
+            <a:endParaRPr lang="ko-KR" altLang="en-US" dirty="0"/>
+          </a:p>
+        </c:rich>
+      </c:tx>
+      <c:overlay val="0"/>
+      <c:spPr>
+        <a:noFill/>
+        <a:ln>
+          <a:noFill/>
+        </a:ln>
+        <a:effectLst/>
+      </c:spPr>
+      <c:txPr>
+        <a:bodyPr rot="0" spcFirstLastPara="1" vertOverflow="ellipsis" vert="horz" wrap="square" anchor="ctr" anchorCtr="1"/>
+        <a:lstStyle/>
+        <a:p>
+          <a:pPr>
+            <a:defRPr sz="1400" b="0" i="0" u="none" strike="noStrike" kern="1200" spc="0" baseline="0">
+              <a:solidFill>
+                <a:schemeClr val="tx1">
+                  <a:lumMod val="65000"/>
+                  <a:lumOff val="35000"/>
+                </a:schemeClr>
+              </a:solidFill>
+              <a:latin typeface="+mn-lt"/>
+              <a:ea typeface="+mn-ea"/>
+              <a:cs typeface="+mn-cs"/>
+            </a:defRPr>
+          </a:pPr>
+          <a:endParaRPr lang="ko-KR"/>
+        </a:p>
+      </c:txPr>
+    </c:title>
+    <c:autoTitleDeleted val="0"/>
+    <c:plotArea>
+      <c:layout/>
+      <c:barChart>
+        <c:barDir val="col"/>
+        <c:grouping val="clustered"/>
+        <c:varyColors val="0"/>
+        <c:ser>
+          <c:idx val="0"/>
+          <c:order val="0"/>
+          <c:tx>
+            <c:strRef>
+              <c:f>Sheet1!$J$33</c:f>
+              <c:strCache>
+                <c:ptCount val="1"/>
+                <c:pt idx="0">
+                  <c:v>2</c:v>
+                </c:pt>
+              </c:strCache>
+            </c:strRef>
+          </c:tx>
+          <c:spPr>
+            <a:solidFill>
+              <a:schemeClr val="accent1"/>
+            </a:solidFill>
+            <a:ln>
+              <a:noFill/>
+            </a:ln>
+            <a:effectLst/>
+          </c:spPr>
+          <c:invertIfNegative val="0"/>
+          <c:cat>
+            <c:strRef>
+              <c:f>Sheet1!$K$32:$P$32</c:f>
+              <c:strCache>
+                <c:ptCount val="6"/>
+                <c:pt idx="0">
+                  <c:v>Avg EUI</c:v>
+                </c:pt>
+                <c:pt idx="1">
+                  <c:v>LandPrice</c:v>
+                </c:pt>
+                <c:pt idx="2">
+                  <c:v>age</c:v>
+                </c:pt>
+                <c:pt idx="3">
+                  <c:v>hoCnt</c:v>
+                </c:pt>
+                <c:pt idx="4">
+                  <c:v>priv/Ho</c:v>
+                </c:pt>
+                <c:pt idx="5">
+                  <c:v>Electricity Consumption</c:v>
+                </c:pt>
+              </c:strCache>
+            </c:strRef>
+          </c:cat>
+          <c:val>
+            <c:numRef>
+              <c:f>Sheet1!$K$33:$P$33</c:f>
+              <c:numCache>
+                <c:formatCode>General</c:formatCode>
+                <c:ptCount val="6"/>
+                <c:pt idx="0">
+                  <c:v>0.32333280663981762</c:v>
+                </c:pt>
+                <c:pt idx="1">
+                  <c:v>0.24774988332228073</c:v>
+                </c:pt>
+                <c:pt idx="2">
+                  <c:v>0.35017186468885453</c:v>
+                </c:pt>
+                <c:pt idx="3">
+                  <c:v>0.33467461053508285</c:v>
+                </c:pt>
+                <c:pt idx="4">
+                  <c:v>0.34080851802517659</c:v>
+                </c:pt>
+                <c:pt idx="5">
+                  <c:v>0.32333280664120406</c:v>
+                </c:pt>
+              </c:numCache>
+            </c:numRef>
+          </c:val>
+          <c:extLst>
+            <c:ext xmlns:c16="http://schemas.microsoft.com/office/drawing/2014/chart" uri="{C3380CC4-5D6E-409C-BE32-E72D297353CC}">
+              <c16:uniqueId val="{00000000-6106-4DB5-B9B1-65727328220C}"/>
+            </c:ext>
+          </c:extLst>
+        </c:ser>
+        <c:ser>
+          <c:idx val="1"/>
+          <c:order val="1"/>
+          <c:tx>
+            <c:strRef>
+              <c:f>Sheet1!$J$34</c:f>
+              <c:strCache>
+                <c:ptCount val="1"/>
+                <c:pt idx="0">
+                  <c:v>5</c:v>
+                </c:pt>
+              </c:strCache>
+            </c:strRef>
+          </c:tx>
+          <c:spPr>
+            <a:solidFill>
+              <a:schemeClr val="accent2"/>
+            </a:solidFill>
+            <a:ln>
+              <a:noFill/>
+            </a:ln>
+            <a:effectLst/>
+          </c:spPr>
+          <c:invertIfNegative val="0"/>
+          <c:cat>
+            <c:strRef>
+              <c:f>Sheet1!$K$32:$P$32</c:f>
+              <c:strCache>
+                <c:ptCount val="6"/>
+                <c:pt idx="0">
+                  <c:v>Avg EUI</c:v>
+                </c:pt>
+                <c:pt idx="1">
+                  <c:v>LandPrice</c:v>
+                </c:pt>
+                <c:pt idx="2">
+                  <c:v>age</c:v>
+                </c:pt>
+                <c:pt idx="3">
+                  <c:v>hoCnt</c:v>
+                </c:pt>
+                <c:pt idx="4">
+                  <c:v>priv/Ho</c:v>
+                </c:pt>
+                <c:pt idx="5">
+                  <c:v>Electricity Consumption</c:v>
+                </c:pt>
+              </c:strCache>
+            </c:strRef>
+          </c:cat>
+          <c:val>
+            <c:numRef>
+              <c:f>Sheet1!$K$34:$P$34</c:f>
+              <c:numCache>
+                <c:formatCode>General</c:formatCode>
+                <c:ptCount val="6"/>
+                <c:pt idx="0">
+                  <c:v>0.26027851748459774</c:v>
+                </c:pt>
+                <c:pt idx="1">
+                  <c:v>0.1986077337919491</c:v>
+                </c:pt>
+                <c:pt idx="2">
+                  <c:v>0.38799451226478976</c:v>
+                </c:pt>
+                <c:pt idx="3">
+                  <c:v>0.3288767632135926</c:v>
+                </c:pt>
+                <c:pt idx="4">
+                  <c:v>0.33592744686873666</c:v>
+                </c:pt>
+                <c:pt idx="5">
+                  <c:v>0.26027851748583158</c:v>
+                </c:pt>
+              </c:numCache>
+            </c:numRef>
+          </c:val>
+          <c:extLst>
+            <c:ext xmlns:c16="http://schemas.microsoft.com/office/drawing/2014/chart" uri="{C3380CC4-5D6E-409C-BE32-E72D297353CC}">
+              <c16:uniqueId val="{00000001-6106-4DB5-B9B1-65727328220C}"/>
+            </c:ext>
+          </c:extLst>
+        </c:ser>
+        <c:ser>
+          <c:idx val="2"/>
+          <c:order val="2"/>
+          <c:tx>
+            <c:strRef>
+              <c:f>Sheet1!$J$35</c:f>
+              <c:strCache>
+                <c:ptCount val="1"/>
+                <c:pt idx="0">
+                  <c:v>8</c:v>
+                </c:pt>
+              </c:strCache>
+            </c:strRef>
+          </c:tx>
+          <c:spPr>
+            <a:solidFill>
+              <a:schemeClr val="accent3"/>
+            </a:solidFill>
+            <a:ln>
+              <a:noFill/>
+            </a:ln>
+            <a:effectLst/>
+          </c:spPr>
+          <c:invertIfNegative val="0"/>
+          <c:cat>
+            <c:strRef>
+              <c:f>Sheet1!$K$32:$P$32</c:f>
+              <c:strCache>
+                <c:ptCount val="6"/>
+                <c:pt idx="0">
+                  <c:v>Avg EUI</c:v>
+                </c:pt>
+                <c:pt idx="1">
+                  <c:v>LandPrice</c:v>
+                </c:pt>
+                <c:pt idx="2">
+                  <c:v>age</c:v>
+                </c:pt>
+                <c:pt idx="3">
+                  <c:v>hoCnt</c:v>
+                </c:pt>
+                <c:pt idx="4">
+                  <c:v>priv/Ho</c:v>
+                </c:pt>
+                <c:pt idx="5">
+                  <c:v>Electricity Consumption</c:v>
+                </c:pt>
+              </c:strCache>
+            </c:strRef>
+          </c:cat>
+          <c:val>
+            <c:numRef>
+              <c:f>Sheet1!$K$35:$P$35</c:f>
+              <c:numCache>
+                <c:formatCode>General</c:formatCode>
+                <c:ptCount val="6"/>
+                <c:pt idx="0">
+                  <c:v>0.41638867587558459</c:v>
+                </c:pt>
+                <c:pt idx="1">
+                  <c:v>0.55364238288577017</c:v>
+                </c:pt>
+                <c:pt idx="2">
+                  <c:v>0.26183362304635566</c:v>
+                </c:pt>
+                <c:pt idx="3">
+                  <c:v>0.33644862625132455</c:v>
+                </c:pt>
+                <c:pt idx="4">
+                  <c:v>0.3232640351060867</c:v>
+                </c:pt>
+                <c:pt idx="5">
+                  <c:v>0.41638867587296441</c:v>
+                </c:pt>
+              </c:numCache>
+            </c:numRef>
+          </c:val>
+          <c:extLst>
+            <c:ext xmlns:c16="http://schemas.microsoft.com/office/drawing/2014/chart" uri="{C3380CC4-5D6E-409C-BE32-E72D297353CC}">
+              <c16:uniqueId val="{00000002-6106-4DB5-B9B1-65727328220C}"/>
+            </c:ext>
+          </c:extLst>
+        </c:ser>
+        <c:dLbls>
+          <c:showLegendKey val="0"/>
+          <c:showVal val="0"/>
+          <c:showCatName val="0"/>
+          <c:showSerName val="0"/>
+          <c:showPercent val="0"/>
+          <c:showBubbleSize val="0"/>
+        </c:dLbls>
+        <c:gapWidth val="219"/>
+        <c:overlap val="-27"/>
+        <c:axId val="511886543"/>
+        <c:axId val="511891951"/>
+      </c:barChart>
+      <c:catAx>
+        <c:axId val="511886543"/>
+        <c:scaling>
+          <c:orientation val="minMax"/>
+        </c:scaling>
+        <c:delete val="0"/>
+        <c:axPos val="b"/>
+        <c:numFmt formatCode="General" sourceLinked="1"/>
+        <c:majorTickMark val="none"/>
+        <c:minorTickMark val="none"/>
+        <c:tickLblPos val="nextTo"/>
+        <c:spPr>
+          <a:noFill/>
+          <a:ln w="9525" cap="flat" cmpd="sng" algn="ctr">
+            <a:solidFill>
+              <a:schemeClr val="tx1">
+                <a:lumMod val="15000"/>
+                <a:lumOff val="85000"/>
+              </a:schemeClr>
+            </a:solidFill>
+            <a:round/>
+          </a:ln>
+          <a:effectLst/>
+        </c:spPr>
+        <c:txPr>
+          <a:bodyPr rot="-60000000" spcFirstLastPara="1" vertOverflow="ellipsis" vert="horz" wrap="square" anchor="ctr" anchorCtr="1"/>
+          <a:lstStyle/>
+          <a:p>
+            <a:pPr>
+              <a:defRPr sz="900" b="0" i="0" u="none" strike="noStrike" kern="1200" baseline="0">
+                <a:solidFill>
+                  <a:schemeClr val="tx1">
+                    <a:lumMod val="65000"/>
+                    <a:lumOff val="35000"/>
+                  </a:schemeClr>
+                </a:solidFill>
+                <a:latin typeface="+mn-lt"/>
+                <a:ea typeface="+mn-ea"/>
+                <a:cs typeface="+mn-cs"/>
+              </a:defRPr>
+            </a:pPr>
+            <a:endParaRPr lang="ko-KR"/>
+          </a:p>
+        </c:txPr>
+        <c:crossAx val="511891951"/>
+        <c:crosses val="autoZero"/>
+        <c:auto val="1"/>
+        <c:lblAlgn val="ctr"/>
+        <c:lblOffset val="100"/>
+        <c:noMultiLvlLbl val="0"/>
+      </c:catAx>
+      <c:valAx>
+        <c:axId val="511891951"/>
+        <c:scaling>
+          <c:orientation val="minMax"/>
+        </c:scaling>
+        <c:delete val="0"/>
+        <c:axPos val="l"/>
+        <c:majorGridlines>
+          <c:spPr>
+            <a:ln w="9525" cap="flat" cmpd="sng" algn="ctr">
+              <a:solidFill>
+                <a:schemeClr val="tx1">
+                  <a:lumMod val="15000"/>
+                  <a:lumOff val="85000"/>
+                </a:schemeClr>
+              </a:solidFill>
+              <a:round/>
+            </a:ln>
+            <a:effectLst/>
+          </c:spPr>
+        </c:majorGridlines>
+        <c:numFmt formatCode="General" sourceLinked="1"/>
+        <c:majorTickMark val="none"/>
+        <c:minorTickMark val="none"/>
+        <c:tickLblPos val="nextTo"/>
+        <c:spPr>
+          <a:noFill/>
+          <a:ln>
+            <a:noFill/>
+          </a:ln>
+          <a:effectLst/>
+        </c:spPr>
+        <c:txPr>
+          <a:bodyPr rot="-60000000" spcFirstLastPara="1" vertOverflow="ellipsis" vert="horz" wrap="square" anchor="ctr" anchorCtr="1"/>
+          <a:lstStyle/>
+          <a:p>
+            <a:pPr>
+              <a:defRPr sz="900" b="0" i="0" u="none" strike="noStrike" kern="1200" baseline="0">
+                <a:solidFill>
+                  <a:schemeClr val="tx1">
+                    <a:lumMod val="65000"/>
+                    <a:lumOff val="35000"/>
+                  </a:schemeClr>
+                </a:solidFill>
+                <a:latin typeface="+mn-lt"/>
+                <a:ea typeface="+mn-ea"/>
+                <a:cs typeface="+mn-cs"/>
+              </a:defRPr>
+            </a:pPr>
+            <a:endParaRPr lang="ko-KR"/>
+          </a:p>
+        </c:txPr>
+        <c:crossAx val="511886543"/>
+        <c:crosses val="autoZero"/>
+        <c:crossBetween val="between"/>
+      </c:valAx>
+      <c:spPr>
+        <a:noFill/>
+        <a:ln>
+          <a:noFill/>
+        </a:ln>
+        <a:effectLst/>
+      </c:spPr>
+    </c:plotArea>
+    <c:legend>
+      <c:legendPos val="b"/>
+      <c:overlay val="0"/>
+      <c:spPr>
+        <a:noFill/>
+        <a:ln>
+          <a:noFill/>
+        </a:ln>
+        <a:effectLst/>
+      </c:spPr>
+      <c:txPr>
+        <a:bodyPr rot="0" spcFirstLastPara="1" vertOverflow="ellipsis" vert="horz" wrap="square" anchor="ctr" anchorCtr="1"/>
+        <a:lstStyle/>
+        <a:p>
+          <a:pPr>
+            <a:defRPr sz="900" b="0" i="0" u="none" strike="noStrike" kern="1200" baseline="0">
+              <a:solidFill>
+                <a:schemeClr val="tx1">
+                  <a:lumMod val="65000"/>
+                  <a:lumOff val="35000"/>
+                </a:schemeClr>
+              </a:solidFill>
+              <a:latin typeface="+mn-lt"/>
+              <a:ea typeface="+mn-ea"/>
+              <a:cs typeface="+mn-cs"/>
+            </a:defRPr>
+          </a:pPr>
+          <a:endParaRPr lang="ko-KR"/>
+        </a:p>
+      </c:txPr>
+    </c:legend>
+    <c:plotVisOnly val="1"/>
+    <c:dispBlanksAs val="gap"/>
+    <c:showDLblsOverMax val="0"/>
+  </c:chart>
+  <c:spPr>
+    <a:noFill/>
+    <a:ln>
+      <a:noFill/>
+    </a:ln>
+    <a:effectLst/>
+  </c:spPr>
+  <c:txPr>
+    <a:bodyPr/>
+    <a:lstStyle/>
+    <a:p>
+      <a:pPr>
+        <a:defRPr/>
+      </a:pPr>
+      <a:endParaRPr lang="ko-KR"/>
+    </a:p>
+  </c:txPr>
+  <c:externalData r:id="rId3">
+    <c:autoUpdate val="0"/>
+  </c:externalData>
+</c:chartSpace>
+</file>
+
+<file path=ppt/charts/chart2.xml><?xml version="1.0" encoding="utf-8"?>
+<c:chartSpace xmlns:c="http://schemas.openxmlformats.org/drawingml/2006/chart" xmlns:a="http://schemas.openxmlformats.org/drawingml/2006/main" xmlns:r="http://schemas.openxmlformats.org/officeDocument/2006/relationships" xmlns:c16r2="http://schemas.microsoft.com/office/drawing/2015/06/chart">
+  <c:date1904 val="0"/>
+  <c:lang val="ko-KR"/>
+  <c:roundedCorners val="0"/>
+  <mc:AlternateContent xmlns:mc="http://schemas.openxmlformats.org/markup-compatibility/2006">
+    <mc:Choice xmlns:c14="http://schemas.microsoft.com/office/drawing/2007/8/2/chart" Requires="c14">
+      <c14:style val="102"/>
+    </mc:Choice>
+    <mc:Fallback>
+      <c:style val="2"/>
+    </mc:Fallback>
+  </mc:AlternateContent>
+  <c:chart>
+    <c:title>
+      <c:tx>
+        <c:rich>
+          <a:bodyPr rot="0" spcFirstLastPara="1" vertOverflow="ellipsis" vert="horz" wrap="square" anchor="ctr" anchorCtr="1"/>
+          <a:lstStyle/>
+          <a:p>
+            <a:pPr>
+              <a:defRPr sz="1400" b="0" i="0" u="none" strike="noStrike" kern="1200" spc="0" baseline="0">
+                <a:solidFill>
+                  <a:schemeClr val="tx1">
+                    <a:lumMod val="65000"/>
+                    <a:lumOff val="35000"/>
+                  </a:schemeClr>
+                </a:solidFill>
+                <a:latin typeface="+mn-lt"/>
+                <a:ea typeface="+mn-ea"/>
+                <a:cs typeface="+mn-cs"/>
+              </a:defRPr>
+            </a:pPr>
+            <a:r>
+              <a:rPr lang="en-US" altLang="ko-KR" dirty="0"/>
+              <a:t>Attributes</a:t>
+            </a:r>
+            <a:r>
+              <a:rPr lang="en-US" altLang="ko-KR" baseline="0" dirty="0"/>
+              <a:t> for clusters in </a:t>
+            </a:r>
+            <a:r>
+              <a:rPr lang="en-US" altLang="ko-KR" baseline="0" dirty="0" err="1" smtClean="0"/>
+              <a:t>Aug_focused</a:t>
+            </a:r>
+            <a:r>
+              <a:rPr lang="en-US" altLang="ko-KR" baseline="0" dirty="0" smtClean="0"/>
+              <a:t> </a:t>
+            </a:r>
+            <a:r>
+              <a:rPr lang="en-US" altLang="ko-KR" baseline="0" dirty="0"/>
+              <a:t>type</a:t>
+            </a:r>
+            <a:endParaRPr lang="ko-KR" altLang="en-US" dirty="0"/>
+          </a:p>
+        </c:rich>
+      </c:tx>
+      <c:overlay val="0"/>
+      <c:spPr>
+        <a:noFill/>
+        <a:ln>
+          <a:noFill/>
+        </a:ln>
+        <a:effectLst/>
+      </c:spPr>
+      <c:txPr>
+        <a:bodyPr rot="0" spcFirstLastPara="1" vertOverflow="ellipsis" vert="horz" wrap="square" anchor="ctr" anchorCtr="1"/>
+        <a:lstStyle/>
+        <a:p>
+          <a:pPr>
+            <a:defRPr sz="1400" b="0" i="0" u="none" strike="noStrike" kern="1200" spc="0" baseline="0">
+              <a:solidFill>
+                <a:schemeClr val="tx1">
+                  <a:lumMod val="65000"/>
+                  <a:lumOff val="35000"/>
+                </a:schemeClr>
+              </a:solidFill>
+              <a:latin typeface="+mn-lt"/>
+              <a:ea typeface="+mn-ea"/>
+              <a:cs typeface="+mn-cs"/>
+            </a:defRPr>
+          </a:pPr>
+          <a:endParaRPr lang="ko-KR"/>
+        </a:p>
+      </c:txPr>
+    </c:title>
+    <c:autoTitleDeleted val="0"/>
+    <c:plotArea>
+      <c:layout/>
+      <c:barChart>
+        <c:barDir val="col"/>
+        <c:grouping val="clustered"/>
+        <c:varyColors val="0"/>
+        <c:ser>
+          <c:idx val="0"/>
+          <c:order val="0"/>
+          <c:tx>
+            <c:strRef>
+              <c:f>Sheet1!$J$29</c:f>
+              <c:strCache>
+                <c:ptCount val="1"/>
+                <c:pt idx="0">
+                  <c:v>1</c:v>
+                </c:pt>
+              </c:strCache>
+            </c:strRef>
+          </c:tx>
+          <c:spPr>
+            <a:solidFill>
+              <a:schemeClr val="accent1"/>
+            </a:solidFill>
+            <a:ln>
+              <a:noFill/>
+            </a:ln>
+            <a:effectLst/>
+          </c:spPr>
+          <c:invertIfNegative val="0"/>
+          <c:cat>
+            <c:strRef>
+              <c:f>Sheet1!$K$28:$P$28</c:f>
+              <c:strCache>
+                <c:ptCount val="6"/>
+                <c:pt idx="0">
+                  <c:v>Avg EUI</c:v>
+                </c:pt>
+                <c:pt idx="1">
+                  <c:v>LandPrice</c:v>
+                </c:pt>
+                <c:pt idx="2">
+                  <c:v>age</c:v>
+                </c:pt>
+                <c:pt idx="3">
+                  <c:v>hoCnt</c:v>
+                </c:pt>
+                <c:pt idx="4">
+                  <c:v>priv/Ho</c:v>
+                </c:pt>
+                <c:pt idx="5">
+                  <c:v>Electricity Consumption</c:v>
+                </c:pt>
+              </c:strCache>
+            </c:strRef>
+          </c:cat>
+          <c:val>
+            <c:numRef>
+              <c:f>Sheet1!$K$29:$P$29</c:f>
+              <c:numCache>
+                <c:formatCode>General</c:formatCode>
+                <c:ptCount val="6"/>
+                <c:pt idx="0">
+                  <c:v>0.32812810084563687</c:v>
+                </c:pt>
+                <c:pt idx="1">
+                  <c:v>0.26771388407853081</c:v>
+                </c:pt>
+                <c:pt idx="2">
+                  <c:v>0.25651830918221141</c:v>
+                </c:pt>
+                <c:pt idx="3">
+                  <c:v>0.37157397735655501</c:v>
+                </c:pt>
+                <c:pt idx="4">
+                  <c:v>0.43801795143325961</c:v>
+                </c:pt>
+                <c:pt idx="5">
+                  <c:v>0.32812810084597244</c:v>
+                </c:pt>
+              </c:numCache>
+            </c:numRef>
+          </c:val>
+          <c:extLst>
+            <c:ext xmlns:c16="http://schemas.microsoft.com/office/drawing/2014/chart" uri="{C3380CC4-5D6E-409C-BE32-E72D297353CC}">
+              <c16:uniqueId val="{00000000-71AF-40B6-BE22-76700EE5E74D}"/>
+            </c:ext>
+          </c:extLst>
+        </c:ser>
+        <c:ser>
+          <c:idx val="1"/>
+          <c:order val="1"/>
+          <c:tx>
+            <c:strRef>
+              <c:f>Sheet1!$J$30</c:f>
+              <c:strCache>
+                <c:ptCount val="1"/>
+                <c:pt idx="0">
+                  <c:v>6</c:v>
+                </c:pt>
+              </c:strCache>
+            </c:strRef>
+          </c:tx>
+          <c:spPr>
+            <a:solidFill>
+              <a:schemeClr val="accent2"/>
+            </a:solidFill>
+            <a:ln>
+              <a:noFill/>
+            </a:ln>
+            <a:effectLst/>
+          </c:spPr>
+          <c:invertIfNegative val="0"/>
+          <c:cat>
+            <c:strRef>
+              <c:f>Sheet1!$K$28:$P$28</c:f>
+              <c:strCache>
+                <c:ptCount val="6"/>
+                <c:pt idx="0">
+                  <c:v>Avg EUI</c:v>
+                </c:pt>
+                <c:pt idx="1">
+                  <c:v>LandPrice</c:v>
+                </c:pt>
+                <c:pt idx="2">
+                  <c:v>age</c:v>
+                </c:pt>
+                <c:pt idx="3">
+                  <c:v>hoCnt</c:v>
+                </c:pt>
+                <c:pt idx="4">
+                  <c:v>priv/Ho</c:v>
+                </c:pt>
+                <c:pt idx="5">
+                  <c:v>Electricity Consumption</c:v>
+                </c:pt>
+              </c:strCache>
+            </c:strRef>
+          </c:cat>
+          <c:val>
+            <c:numRef>
+              <c:f>Sheet1!$K$30:$P$30</c:f>
+              <c:numCache>
+                <c:formatCode>General</c:formatCode>
+                <c:ptCount val="6"/>
+                <c:pt idx="0">
+                  <c:v>0.27942493278491781</c:v>
+                </c:pt>
+                <c:pt idx="1">
+                  <c:v>0.22200249963322916</c:v>
+                </c:pt>
+                <c:pt idx="2">
+                  <c:v>0.42539171105940138</c:v>
+                </c:pt>
+                <c:pt idx="3">
+                  <c:v>0.30259016384489296</c:v>
+                </c:pt>
+                <c:pt idx="4">
+                  <c:v>0.28498478214792</c:v>
+                </c:pt>
+                <c:pt idx="5">
+                  <c:v>0.27942493278428743</c:v>
+                </c:pt>
+              </c:numCache>
+            </c:numRef>
+          </c:val>
+          <c:extLst>
+            <c:ext xmlns:c16="http://schemas.microsoft.com/office/drawing/2014/chart" uri="{C3380CC4-5D6E-409C-BE32-E72D297353CC}">
+              <c16:uniqueId val="{00000001-71AF-40B6-BE22-76700EE5E74D}"/>
+            </c:ext>
+          </c:extLst>
+        </c:ser>
+        <c:ser>
+          <c:idx val="2"/>
+          <c:order val="2"/>
+          <c:tx>
+            <c:strRef>
+              <c:f>Sheet1!$J$31</c:f>
+              <c:strCache>
+                <c:ptCount val="1"/>
+                <c:pt idx="0">
+                  <c:v>7</c:v>
+                </c:pt>
+              </c:strCache>
+            </c:strRef>
+          </c:tx>
+          <c:spPr>
+            <a:solidFill>
+              <a:schemeClr val="accent3"/>
+            </a:solidFill>
+            <a:ln>
+              <a:noFill/>
+            </a:ln>
+            <a:effectLst/>
+          </c:spPr>
+          <c:invertIfNegative val="0"/>
+          <c:cat>
+            <c:strRef>
+              <c:f>Sheet1!$K$28:$P$28</c:f>
+              <c:strCache>
+                <c:ptCount val="6"/>
+                <c:pt idx="0">
+                  <c:v>Avg EUI</c:v>
+                </c:pt>
+                <c:pt idx="1">
+                  <c:v>LandPrice</c:v>
+                </c:pt>
+                <c:pt idx="2">
+                  <c:v>age</c:v>
+                </c:pt>
+                <c:pt idx="3">
+                  <c:v>hoCnt</c:v>
+                </c:pt>
+                <c:pt idx="4">
+                  <c:v>priv/Ho</c:v>
+                </c:pt>
+                <c:pt idx="5">
+                  <c:v>Electricity Consumption</c:v>
+                </c:pt>
+              </c:strCache>
+            </c:strRef>
+          </c:cat>
+          <c:val>
+            <c:numRef>
+              <c:f>Sheet1!$K$31:$P$31</c:f>
+              <c:numCache>
+                <c:formatCode>General</c:formatCode>
+                <c:ptCount val="6"/>
+                <c:pt idx="0">
+                  <c:v>0.39244696636944532</c:v>
+                </c:pt>
+                <c:pt idx="1">
+                  <c:v>0.51028361628824015</c:v>
+                </c:pt>
+                <c:pt idx="2">
+                  <c:v>0.31808997975838715</c:v>
+                </c:pt>
+                <c:pt idx="3">
+                  <c:v>0.32583585879855204</c:v>
+                </c:pt>
+                <c:pt idx="4">
+                  <c:v>0.27699726641882033</c:v>
+                </c:pt>
+                <c:pt idx="5">
+                  <c:v>0.39244696636974008</c:v>
+                </c:pt>
+              </c:numCache>
+            </c:numRef>
+          </c:val>
+          <c:extLst>
+            <c:ext xmlns:c16="http://schemas.microsoft.com/office/drawing/2014/chart" uri="{C3380CC4-5D6E-409C-BE32-E72D297353CC}">
+              <c16:uniqueId val="{00000002-71AF-40B6-BE22-76700EE5E74D}"/>
+            </c:ext>
+          </c:extLst>
+        </c:ser>
+        <c:dLbls>
+          <c:showLegendKey val="0"/>
+          <c:showVal val="0"/>
+          <c:showCatName val="0"/>
+          <c:showSerName val="0"/>
+          <c:showPercent val="0"/>
+          <c:showBubbleSize val="0"/>
+        </c:dLbls>
+        <c:gapWidth val="219"/>
+        <c:overlap val="-27"/>
+        <c:axId val="511879583"/>
+        <c:axId val="511879999"/>
+      </c:barChart>
+      <c:catAx>
+        <c:axId val="511879583"/>
+        <c:scaling>
+          <c:orientation val="minMax"/>
+        </c:scaling>
+        <c:delete val="0"/>
+        <c:axPos val="b"/>
+        <c:numFmt formatCode="General" sourceLinked="1"/>
+        <c:majorTickMark val="none"/>
+        <c:minorTickMark val="none"/>
+        <c:tickLblPos val="nextTo"/>
+        <c:spPr>
+          <a:noFill/>
+          <a:ln w="9525" cap="flat" cmpd="sng" algn="ctr">
+            <a:solidFill>
+              <a:schemeClr val="tx1">
+                <a:lumMod val="15000"/>
+                <a:lumOff val="85000"/>
+              </a:schemeClr>
+            </a:solidFill>
+            <a:round/>
+          </a:ln>
+          <a:effectLst/>
+        </c:spPr>
+        <c:txPr>
+          <a:bodyPr rot="-60000000" spcFirstLastPara="1" vertOverflow="ellipsis" vert="horz" wrap="square" anchor="ctr" anchorCtr="1"/>
+          <a:lstStyle/>
+          <a:p>
+            <a:pPr>
+              <a:defRPr sz="900" b="0" i="0" u="none" strike="noStrike" kern="1200" baseline="0">
+                <a:solidFill>
+                  <a:schemeClr val="tx1">
+                    <a:lumMod val="65000"/>
+                    <a:lumOff val="35000"/>
+                  </a:schemeClr>
+                </a:solidFill>
+                <a:latin typeface="+mn-lt"/>
+                <a:ea typeface="+mn-ea"/>
+                <a:cs typeface="+mn-cs"/>
+              </a:defRPr>
+            </a:pPr>
+            <a:endParaRPr lang="ko-KR"/>
+          </a:p>
+        </c:txPr>
+        <c:crossAx val="511879999"/>
+        <c:crosses val="autoZero"/>
+        <c:auto val="1"/>
+        <c:lblAlgn val="ctr"/>
+        <c:lblOffset val="100"/>
+        <c:noMultiLvlLbl val="0"/>
+      </c:catAx>
+      <c:valAx>
+        <c:axId val="511879999"/>
+        <c:scaling>
+          <c:orientation val="minMax"/>
+        </c:scaling>
+        <c:delete val="0"/>
+        <c:axPos val="l"/>
+        <c:majorGridlines>
+          <c:spPr>
+            <a:ln w="9525" cap="flat" cmpd="sng" algn="ctr">
+              <a:solidFill>
+                <a:schemeClr val="tx1">
+                  <a:lumMod val="15000"/>
+                  <a:lumOff val="85000"/>
+                </a:schemeClr>
+              </a:solidFill>
+              <a:round/>
+            </a:ln>
+            <a:effectLst/>
+          </c:spPr>
+        </c:majorGridlines>
+        <c:numFmt formatCode="General" sourceLinked="1"/>
+        <c:majorTickMark val="none"/>
+        <c:minorTickMark val="none"/>
+        <c:tickLblPos val="nextTo"/>
+        <c:spPr>
+          <a:noFill/>
+          <a:ln>
+            <a:noFill/>
+          </a:ln>
+          <a:effectLst/>
+        </c:spPr>
+        <c:txPr>
+          <a:bodyPr rot="-60000000" spcFirstLastPara="1" vertOverflow="ellipsis" vert="horz" wrap="square" anchor="ctr" anchorCtr="1"/>
+          <a:lstStyle/>
+          <a:p>
+            <a:pPr>
+              <a:defRPr sz="900" b="0" i="0" u="none" strike="noStrike" kern="1200" baseline="0">
+                <a:solidFill>
+                  <a:schemeClr val="tx1">
+                    <a:lumMod val="65000"/>
+                    <a:lumOff val="35000"/>
+                  </a:schemeClr>
+                </a:solidFill>
+                <a:latin typeface="+mn-lt"/>
+                <a:ea typeface="+mn-ea"/>
+                <a:cs typeface="+mn-cs"/>
+              </a:defRPr>
+            </a:pPr>
+            <a:endParaRPr lang="ko-KR"/>
+          </a:p>
+        </c:txPr>
+        <c:crossAx val="511879583"/>
+        <c:crosses val="autoZero"/>
+        <c:crossBetween val="between"/>
+      </c:valAx>
+      <c:spPr>
+        <a:noFill/>
+        <a:ln>
+          <a:noFill/>
+        </a:ln>
+        <a:effectLst/>
+      </c:spPr>
+    </c:plotArea>
+    <c:legend>
+      <c:legendPos val="b"/>
+      <c:overlay val="0"/>
+      <c:spPr>
+        <a:noFill/>
+        <a:ln>
+          <a:noFill/>
+        </a:ln>
+        <a:effectLst/>
+      </c:spPr>
+      <c:txPr>
+        <a:bodyPr rot="0" spcFirstLastPara="1" vertOverflow="ellipsis" vert="horz" wrap="square" anchor="ctr" anchorCtr="1"/>
+        <a:lstStyle/>
+        <a:p>
+          <a:pPr>
+            <a:defRPr sz="900" b="0" i="0" u="none" strike="noStrike" kern="1200" baseline="0">
+              <a:solidFill>
+                <a:schemeClr val="tx1">
+                  <a:lumMod val="65000"/>
+                  <a:lumOff val="35000"/>
+                </a:schemeClr>
+              </a:solidFill>
+              <a:latin typeface="+mn-lt"/>
+              <a:ea typeface="+mn-ea"/>
+              <a:cs typeface="+mn-cs"/>
+            </a:defRPr>
+          </a:pPr>
+          <a:endParaRPr lang="ko-KR"/>
+        </a:p>
+      </c:txPr>
+    </c:legend>
+    <c:plotVisOnly val="1"/>
+    <c:dispBlanksAs val="gap"/>
+    <c:showDLblsOverMax val="0"/>
+  </c:chart>
+  <c:spPr>
+    <a:noFill/>
+    <a:ln>
+      <a:noFill/>
+    </a:ln>
+    <a:effectLst/>
+  </c:spPr>
+  <c:txPr>
+    <a:bodyPr/>
+    <a:lstStyle/>
+    <a:p>
+      <a:pPr>
+        <a:defRPr/>
+      </a:pPr>
+      <a:endParaRPr lang="ko-KR"/>
+    </a:p>
+  </c:txPr>
+  <c:externalData r:id="rId3">
+    <c:autoUpdate val="0"/>
+  </c:externalData>
+</c:chartSpace>
+</file>
+
+<file path=ppt/charts/chart3.xml><?xml version="1.0" encoding="utf-8"?>
+<c:chartSpace xmlns:c="http://schemas.openxmlformats.org/drawingml/2006/chart" xmlns:a="http://schemas.openxmlformats.org/drawingml/2006/main" xmlns:r="http://schemas.openxmlformats.org/officeDocument/2006/relationships" xmlns:c16r2="http://schemas.microsoft.com/office/drawing/2015/06/chart">
+  <c:date1904 val="0"/>
+  <c:lang val="ko-KR"/>
+  <c:roundedCorners val="0"/>
+  <mc:AlternateContent xmlns:mc="http://schemas.openxmlformats.org/markup-compatibility/2006">
+    <mc:Choice xmlns:c14="http://schemas.microsoft.com/office/drawing/2007/8/2/chart" Requires="c14">
+      <c14:style val="102"/>
+    </mc:Choice>
+    <mc:Fallback>
+      <c:style val="2"/>
+    </mc:Fallback>
+  </mc:AlternateContent>
+  <c:chart>
+    <c:title>
+      <c:tx>
+        <c:rich>
+          <a:bodyPr rot="0" spcFirstLastPara="1" vertOverflow="ellipsis" vert="horz" wrap="square" anchor="ctr" anchorCtr="1"/>
+          <a:lstStyle/>
+          <a:p>
+            <a:pPr>
+              <a:defRPr sz="1400" b="0" i="0" u="none" strike="noStrike" kern="1200" spc="0" baseline="0">
+                <a:solidFill>
+                  <a:schemeClr val="tx1">
+                    <a:lumMod val="65000"/>
+                    <a:lumOff val="35000"/>
+                  </a:schemeClr>
+                </a:solidFill>
+                <a:latin typeface="+mn-lt"/>
+                <a:ea typeface="+mn-ea"/>
+                <a:cs typeface="+mn-cs"/>
+              </a:defRPr>
+            </a:pPr>
+            <a:r>
+              <a:rPr lang="en-US" altLang="ko-KR"/>
+              <a:t>Attributes for clusters in Equally_distributed type</a:t>
+            </a:r>
+            <a:endParaRPr lang="ko-KR" altLang="en-US"/>
+          </a:p>
+        </c:rich>
+      </c:tx>
+      <c:overlay val="0"/>
+      <c:spPr>
+        <a:noFill/>
+        <a:ln>
+          <a:noFill/>
+        </a:ln>
+        <a:effectLst/>
+      </c:spPr>
+      <c:txPr>
+        <a:bodyPr rot="0" spcFirstLastPara="1" vertOverflow="ellipsis" vert="horz" wrap="square" anchor="ctr" anchorCtr="1"/>
+        <a:lstStyle/>
+        <a:p>
+          <a:pPr>
+            <a:defRPr sz="1400" b="0" i="0" u="none" strike="noStrike" kern="1200" spc="0" baseline="0">
+              <a:solidFill>
+                <a:schemeClr val="tx1">
+                  <a:lumMod val="65000"/>
+                  <a:lumOff val="35000"/>
+                </a:schemeClr>
+              </a:solidFill>
+              <a:latin typeface="+mn-lt"/>
+              <a:ea typeface="+mn-ea"/>
+              <a:cs typeface="+mn-cs"/>
+            </a:defRPr>
+          </a:pPr>
+          <a:endParaRPr lang="ko-KR"/>
+        </a:p>
+      </c:txPr>
+    </c:title>
+    <c:autoTitleDeleted val="0"/>
+    <c:plotArea>
+      <c:layout/>
+      <c:barChart>
+        <c:barDir val="col"/>
+        <c:grouping val="clustered"/>
+        <c:varyColors val="0"/>
+        <c:ser>
+          <c:idx val="0"/>
+          <c:order val="0"/>
+          <c:tx>
+            <c:strRef>
+              <c:f>Sheet1!$J$37</c:f>
+              <c:strCache>
+                <c:ptCount val="1"/>
+                <c:pt idx="0">
+                  <c:v>3</c:v>
+                </c:pt>
+              </c:strCache>
+            </c:strRef>
+          </c:tx>
+          <c:spPr>
+            <a:solidFill>
+              <a:schemeClr val="accent1"/>
+            </a:solidFill>
+            <a:ln>
+              <a:noFill/>
+            </a:ln>
+            <a:effectLst/>
+          </c:spPr>
+          <c:invertIfNegative val="0"/>
+          <c:cat>
+            <c:strRef>
+              <c:f>Sheet1!$K$36:$P$36</c:f>
+              <c:strCache>
+                <c:ptCount val="6"/>
+                <c:pt idx="0">
+                  <c:v>Avg EUI</c:v>
+                </c:pt>
+                <c:pt idx="1">
+                  <c:v>LandPrice</c:v>
+                </c:pt>
+                <c:pt idx="2">
+                  <c:v>age</c:v>
+                </c:pt>
+                <c:pt idx="3">
+                  <c:v>hoCnt</c:v>
+                </c:pt>
+                <c:pt idx="4">
+                  <c:v>priv/Ho</c:v>
+                </c:pt>
+                <c:pt idx="5">
+                  <c:v>Electricity Consumption</c:v>
+                </c:pt>
+              </c:strCache>
+            </c:strRef>
+          </c:cat>
+          <c:val>
+            <c:numRef>
+              <c:f>Sheet1!$K$37:$P$37</c:f>
+              <c:numCache>
+                <c:formatCode>General</c:formatCode>
+                <c:ptCount val="6"/>
+                <c:pt idx="0">
+                  <c:v>0.58169673988169524</c:v>
+                </c:pt>
+                <c:pt idx="1">
+                  <c:v>0.60363059469616276</c:v>
+                </c:pt>
+                <c:pt idx="2">
+                  <c:v>0.49948753985060057</c:v>
+                </c:pt>
+                <c:pt idx="3">
+                  <c:v>0.50755668535763998</c:v>
+                </c:pt>
+                <c:pt idx="4">
+                  <c:v>0.48737011911310579</c:v>
+                </c:pt>
+                <c:pt idx="5">
+                  <c:v>0.58169673988106307</c:v>
+                </c:pt>
+              </c:numCache>
+            </c:numRef>
+          </c:val>
+          <c:extLst>
+            <c:ext xmlns:c16="http://schemas.microsoft.com/office/drawing/2014/chart" uri="{C3380CC4-5D6E-409C-BE32-E72D297353CC}">
+              <c16:uniqueId val="{00000000-486E-453E-9A5C-E7EEAD6BF148}"/>
+            </c:ext>
+          </c:extLst>
+        </c:ser>
+        <c:ser>
+          <c:idx val="1"/>
+          <c:order val="1"/>
+          <c:tx>
+            <c:strRef>
+              <c:f>Sheet1!$J$38</c:f>
+              <c:strCache>
+                <c:ptCount val="1"/>
+                <c:pt idx="0">
+                  <c:v>4</c:v>
+                </c:pt>
+              </c:strCache>
+            </c:strRef>
+          </c:tx>
+          <c:spPr>
+            <a:solidFill>
+              <a:schemeClr val="accent2"/>
+            </a:solidFill>
+            <a:ln>
+              <a:noFill/>
+            </a:ln>
+            <a:effectLst/>
+          </c:spPr>
+          <c:invertIfNegative val="0"/>
+          <c:cat>
+            <c:strRef>
+              <c:f>Sheet1!$K$36:$P$36</c:f>
+              <c:strCache>
+                <c:ptCount val="6"/>
+                <c:pt idx="0">
+                  <c:v>Avg EUI</c:v>
+                </c:pt>
+                <c:pt idx="1">
+                  <c:v>LandPrice</c:v>
+                </c:pt>
+                <c:pt idx="2">
+                  <c:v>age</c:v>
+                </c:pt>
+                <c:pt idx="3">
+                  <c:v>hoCnt</c:v>
+                </c:pt>
+                <c:pt idx="4">
+                  <c:v>priv/Ho</c:v>
+                </c:pt>
+                <c:pt idx="5">
+                  <c:v>Electricity Consumption</c:v>
+                </c:pt>
+              </c:strCache>
+            </c:strRef>
+          </c:cat>
+          <c:val>
+            <c:numRef>
+              <c:f>Sheet1!$K$38:$P$38</c:f>
+              <c:numCache>
+                <c:formatCode>General</c:formatCode>
+                <c:ptCount val="6"/>
+                <c:pt idx="0">
+                  <c:v>0.41830326011830465</c:v>
+                </c:pt>
+                <c:pt idx="1">
+                  <c:v>0.39636940530383724</c:v>
+                </c:pt>
+                <c:pt idx="2">
+                  <c:v>0.50051246014939954</c:v>
+                </c:pt>
+                <c:pt idx="3">
+                  <c:v>0.49244331464236007</c:v>
+                </c:pt>
+                <c:pt idx="4">
+                  <c:v>0.51262988088689421</c:v>
+                </c:pt>
+                <c:pt idx="5">
+                  <c:v>0.41830326011893693</c:v>
+                </c:pt>
+              </c:numCache>
+            </c:numRef>
+          </c:val>
+          <c:extLst>
+            <c:ext xmlns:c16="http://schemas.microsoft.com/office/drawing/2014/chart" uri="{C3380CC4-5D6E-409C-BE32-E72D297353CC}">
+              <c16:uniqueId val="{00000001-486E-453E-9A5C-E7EEAD6BF148}"/>
+            </c:ext>
+          </c:extLst>
+        </c:ser>
+        <c:dLbls>
+          <c:showLegendKey val="0"/>
+          <c:showVal val="0"/>
+          <c:showCatName val="0"/>
+          <c:showSerName val="0"/>
+          <c:showPercent val="0"/>
+          <c:showBubbleSize val="0"/>
+        </c:dLbls>
+        <c:gapWidth val="219"/>
+        <c:overlap val="-27"/>
+        <c:axId val="745642959"/>
+        <c:axId val="745643375"/>
+      </c:barChart>
+      <c:catAx>
+        <c:axId val="745642959"/>
+        <c:scaling>
+          <c:orientation val="minMax"/>
+        </c:scaling>
+        <c:delete val="0"/>
+        <c:axPos val="b"/>
+        <c:numFmt formatCode="General" sourceLinked="1"/>
+        <c:majorTickMark val="none"/>
+        <c:minorTickMark val="none"/>
+        <c:tickLblPos val="nextTo"/>
+        <c:spPr>
+          <a:noFill/>
+          <a:ln w="9525" cap="flat" cmpd="sng" algn="ctr">
+            <a:solidFill>
+              <a:schemeClr val="tx1">
+                <a:lumMod val="15000"/>
+                <a:lumOff val="85000"/>
+              </a:schemeClr>
+            </a:solidFill>
+            <a:round/>
+          </a:ln>
+          <a:effectLst/>
+        </c:spPr>
+        <c:txPr>
+          <a:bodyPr rot="-60000000" spcFirstLastPara="1" vertOverflow="ellipsis" vert="horz" wrap="square" anchor="ctr" anchorCtr="1"/>
+          <a:lstStyle/>
+          <a:p>
+            <a:pPr>
+              <a:defRPr sz="900" b="0" i="0" u="none" strike="noStrike" kern="1200" baseline="0">
+                <a:solidFill>
+                  <a:schemeClr val="tx1">
+                    <a:lumMod val="65000"/>
+                    <a:lumOff val="35000"/>
+                  </a:schemeClr>
+                </a:solidFill>
+                <a:latin typeface="+mn-lt"/>
+                <a:ea typeface="+mn-ea"/>
+                <a:cs typeface="+mn-cs"/>
+              </a:defRPr>
+            </a:pPr>
+            <a:endParaRPr lang="ko-KR"/>
+          </a:p>
+        </c:txPr>
+        <c:crossAx val="745643375"/>
+        <c:crosses val="autoZero"/>
+        <c:auto val="1"/>
+        <c:lblAlgn val="ctr"/>
+        <c:lblOffset val="100"/>
+        <c:noMultiLvlLbl val="0"/>
+      </c:catAx>
+      <c:valAx>
+        <c:axId val="745643375"/>
+        <c:scaling>
+          <c:orientation val="minMax"/>
+        </c:scaling>
+        <c:delete val="0"/>
+        <c:axPos val="l"/>
+        <c:majorGridlines>
+          <c:spPr>
+            <a:ln w="9525" cap="flat" cmpd="sng" algn="ctr">
+              <a:solidFill>
+                <a:schemeClr val="tx1">
+                  <a:lumMod val="15000"/>
+                  <a:lumOff val="85000"/>
+                </a:schemeClr>
+              </a:solidFill>
+              <a:round/>
+            </a:ln>
+            <a:effectLst/>
+          </c:spPr>
+        </c:majorGridlines>
+        <c:numFmt formatCode="General" sourceLinked="1"/>
+        <c:majorTickMark val="none"/>
+        <c:minorTickMark val="none"/>
+        <c:tickLblPos val="nextTo"/>
+        <c:spPr>
+          <a:noFill/>
+          <a:ln>
+            <a:noFill/>
+          </a:ln>
+          <a:effectLst/>
+        </c:spPr>
+        <c:txPr>
+          <a:bodyPr rot="-60000000" spcFirstLastPara="1" vertOverflow="ellipsis" vert="horz" wrap="square" anchor="ctr" anchorCtr="1"/>
+          <a:lstStyle/>
+          <a:p>
+            <a:pPr>
+              <a:defRPr sz="900" b="0" i="0" u="none" strike="noStrike" kern="1200" baseline="0">
+                <a:solidFill>
+                  <a:schemeClr val="tx1">
+                    <a:lumMod val="65000"/>
+                    <a:lumOff val="35000"/>
+                  </a:schemeClr>
+                </a:solidFill>
+                <a:latin typeface="+mn-lt"/>
+                <a:ea typeface="+mn-ea"/>
+                <a:cs typeface="+mn-cs"/>
+              </a:defRPr>
+            </a:pPr>
+            <a:endParaRPr lang="ko-KR"/>
+          </a:p>
+        </c:txPr>
+        <c:crossAx val="745642959"/>
+        <c:crosses val="autoZero"/>
+        <c:crossBetween val="between"/>
+      </c:valAx>
+      <c:spPr>
+        <a:noFill/>
+        <a:ln>
+          <a:noFill/>
+        </a:ln>
+        <a:effectLst/>
+      </c:spPr>
+    </c:plotArea>
+    <c:legend>
+      <c:legendPos val="b"/>
+      <c:overlay val="0"/>
+      <c:spPr>
+        <a:noFill/>
+        <a:ln>
+          <a:noFill/>
+        </a:ln>
+        <a:effectLst/>
+      </c:spPr>
+      <c:txPr>
+        <a:bodyPr rot="0" spcFirstLastPara="1" vertOverflow="ellipsis" vert="horz" wrap="square" anchor="ctr" anchorCtr="1"/>
+        <a:lstStyle/>
+        <a:p>
+          <a:pPr>
+            <a:defRPr sz="900" b="0" i="0" u="none" strike="noStrike" kern="1200" baseline="0">
+              <a:solidFill>
+                <a:schemeClr val="tx1">
+                  <a:lumMod val="65000"/>
+                  <a:lumOff val="35000"/>
+                </a:schemeClr>
+              </a:solidFill>
+              <a:latin typeface="+mn-lt"/>
+              <a:ea typeface="+mn-ea"/>
+              <a:cs typeface="+mn-cs"/>
+            </a:defRPr>
+          </a:pPr>
+          <a:endParaRPr lang="ko-KR"/>
+        </a:p>
+      </c:txPr>
+    </c:legend>
+    <c:plotVisOnly val="1"/>
+    <c:dispBlanksAs val="gap"/>
+    <c:showDLblsOverMax val="0"/>
+  </c:chart>
+  <c:spPr>
+    <a:noFill/>
+    <a:ln>
+      <a:noFill/>
+    </a:ln>
+    <a:effectLst/>
+  </c:spPr>
+  <c:txPr>
+    <a:bodyPr/>
+    <a:lstStyle/>
+    <a:p>
+      <a:pPr>
+        <a:defRPr/>
+      </a:pPr>
+      <a:endParaRPr lang="ko-KR"/>
+    </a:p>
+  </c:txPr>
+  <c:externalData r:id="rId3">
+    <c:autoUpdate val="0"/>
+  </c:externalData>
+</c:chartSpace>
+</file>
+
+<file path=ppt/charts/chart4.xml><?xml version="1.0" encoding="utf-8"?>
+<c:chartSpace xmlns:c="http://schemas.openxmlformats.org/drawingml/2006/chart" xmlns:a="http://schemas.openxmlformats.org/drawingml/2006/main" xmlns:r="http://schemas.openxmlformats.org/officeDocument/2006/relationships" xmlns:c16r2="http://schemas.microsoft.com/office/drawing/2015/06/chart">
+  <c:date1904 val="0"/>
+  <c:lang val="ko-KR"/>
+  <c:roundedCorners val="0"/>
+  <mc:AlternateContent xmlns:mc="http://schemas.openxmlformats.org/markup-compatibility/2006">
+    <mc:Choice xmlns:c14="http://schemas.microsoft.com/office/drawing/2007/8/2/chart" Requires="c14">
+      <c14:style val="102"/>
+    </mc:Choice>
+    <mc:Fallback>
+      <c:style val="2"/>
+    </mc:Fallback>
+  </mc:AlternateContent>
+  <c:chart>
+    <c:title>
+      <c:tx>
+        <c:rich>
+          <a:bodyPr rot="0" spcFirstLastPara="1" vertOverflow="ellipsis" vert="horz" wrap="square" anchor="ctr" anchorCtr="1"/>
+          <a:lstStyle/>
+          <a:p>
+            <a:pPr>
+              <a:defRPr sz="1400" b="0" i="0" u="none" strike="noStrike" kern="1200" spc="0" baseline="0">
+                <a:solidFill>
+                  <a:schemeClr val="tx1">
+                    <a:lumMod val="65000"/>
+                    <a:lumOff val="35000"/>
+                  </a:schemeClr>
+                </a:solidFill>
+                <a:latin typeface="+mn-lt"/>
+                <a:ea typeface="+mn-ea"/>
+                <a:cs typeface="+mn-cs"/>
+              </a:defRPr>
+            </a:pPr>
+            <a:r>
+              <a:rPr lang="en-US" altLang="ko-KR"/>
+              <a:t>Hall</a:t>
+            </a:r>
+            <a:r>
+              <a:rPr lang="en-US" altLang="ko-KR" baseline="0"/>
+              <a:t> type for each cluster group</a:t>
+            </a:r>
+            <a:endParaRPr lang="ko-KR" altLang="en-US"/>
+          </a:p>
+        </c:rich>
+      </c:tx>
+      <c:overlay val="0"/>
+      <c:spPr>
+        <a:noFill/>
+        <a:ln>
+          <a:noFill/>
+        </a:ln>
+        <a:effectLst/>
+      </c:spPr>
+      <c:txPr>
+        <a:bodyPr rot="0" spcFirstLastPara="1" vertOverflow="ellipsis" vert="horz" wrap="square" anchor="ctr" anchorCtr="1"/>
+        <a:lstStyle/>
+        <a:p>
+          <a:pPr>
+            <a:defRPr sz="1400" b="0" i="0" u="none" strike="noStrike" kern="1200" spc="0" baseline="0">
+              <a:solidFill>
+                <a:schemeClr val="tx1">
+                  <a:lumMod val="65000"/>
+                  <a:lumOff val="35000"/>
+                </a:schemeClr>
+              </a:solidFill>
+              <a:latin typeface="+mn-lt"/>
+              <a:ea typeface="+mn-ea"/>
+              <a:cs typeface="+mn-cs"/>
+            </a:defRPr>
+          </a:pPr>
+          <a:endParaRPr lang="ko-KR"/>
+        </a:p>
+      </c:txPr>
+    </c:title>
+    <c:autoTitleDeleted val="0"/>
+    <c:plotArea>
+      <c:layout/>
+      <c:barChart>
+        <c:barDir val="col"/>
+        <c:grouping val="clustered"/>
+        <c:varyColors val="0"/>
+        <c:ser>
+          <c:idx val="0"/>
+          <c:order val="0"/>
+          <c:tx>
+            <c:strRef>
+              <c:f>Sheet1!$J$62</c:f>
+              <c:strCache>
+                <c:ptCount val="1"/>
+                <c:pt idx="0">
+                  <c:v>Rate_복도식</c:v>
+                </c:pt>
+              </c:strCache>
+            </c:strRef>
+          </c:tx>
+          <c:spPr>
+            <a:solidFill>
+              <a:schemeClr val="accent1"/>
+            </a:solidFill>
+            <a:ln>
+              <a:noFill/>
+            </a:ln>
+            <a:effectLst/>
+          </c:spPr>
+          <c:invertIfNegative val="0"/>
+          <c:cat>
+            <c:strRef>
+              <c:f>Sheet1!$K$61:$M$61</c:f>
+              <c:strCache>
+                <c:ptCount val="3"/>
+                <c:pt idx="0">
+                  <c:v>Aug_focused</c:v>
+                </c:pt>
+                <c:pt idx="1">
+                  <c:v>Sep_focused</c:v>
+                </c:pt>
+                <c:pt idx="2">
+                  <c:v>Eql_distributed</c:v>
+                </c:pt>
+              </c:strCache>
+            </c:strRef>
+          </c:cat>
+          <c:val>
+            <c:numRef>
+              <c:f>Sheet1!$K$62:$M$62</c:f>
+              <c:numCache>
+                <c:formatCode>General</c:formatCode>
+                <c:ptCount val="3"/>
+                <c:pt idx="0">
+                  <c:v>9.5105195362816655E-2</c:v>
+                </c:pt>
+                <c:pt idx="1">
+                  <c:v>0.20809092139088081</c:v>
+                </c:pt>
+                <c:pt idx="2">
+                  <c:v>0.23135755258126195</c:v>
+                </c:pt>
+              </c:numCache>
+            </c:numRef>
+          </c:val>
+          <c:extLst>
+            <c:ext xmlns:c16="http://schemas.microsoft.com/office/drawing/2014/chart" uri="{C3380CC4-5D6E-409C-BE32-E72D297353CC}">
+              <c16:uniqueId val="{00000000-EF73-46A6-8F41-28C322413C7E}"/>
+            </c:ext>
+          </c:extLst>
+        </c:ser>
+        <c:ser>
+          <c:idx val="1"/>
+          <c:order val="1"/>
+          <c:tx>
+            <c:strRef>
+              <c:f>Sheet1!$J$63</c:f>
+              <c:strCache>
+                <c:ptCount val="1"/>
+                <c:pt idx="0">
+                  <c:v>Rate_계단식</c:v>
+                </c:pt>
+              </c:strCache>
+            </c:strRef>
+          </c:tx>
+          <c:spPr>
+            <a:solidFill>
+              <a:schemeClr val="accent2"/>
+            </a:solidFill>
+            <a:ln>
+              <a:noFill/>
+            </a:ln>
+            <a:effectLst/>
+          </c:spPr>
+          <c:invertIfNegative val="0"/>
+          <c:cat>
+            <c:strRef>
+              <c:f>Sheet1!$K$61:$M$61</c:f>
+              <c:strCache>
+                <c:ptCount val="3"/>
+                <c:pt idx="0">
+                  <c:v>Aug_focused</c:v>
+                </c:pt>
+                <c:pt idx="1">
+                  <c:v>Sep_focused</c:v>
+                </c:pt>
+                <c:pt idx="2">
+                  <c:v>Eql_distributed</c:v>
+                </c:pt>
+              </c:strCache>
+            </c:strRef>
+          </c:cat>
+          <c:val>
+            <c:numRef>
+              <c:f>Sheet1!$K$63:$M$63</c:f>
+              <c:numCache>
+                <c:formatCode>General</c:formatCode>
+                <c:ptCount val="3"/>
+                <c:pt idx="0">
+                  <c:v>0.77737226277372262</c:v>
+                </c:pt>
+                <c:pt idx="1">
+                  <c:v>0.56041131105398456</c:v>
+                </c:pt>
+                <c:pt idx="2">
+                  <c:v>0.65583173996175903</c:v>
+                </c:pt>
+              </c:numCache>
+            </c:numRef>
+          </c:val>
+          <c:extLst>
+            <c:ext xmlns:c16="http://schemas.microsoft.com/office/drawing/2014/chart" uri="{C3380CC4-5D6E-409C-BE32-E72D297353CC}">
+              <c16:uniqueId val="{00000001-EF73-46A6-8F41-28C322413C7E}"/>
+            </c:ext>
+          </c:extLst>
+        </c:ser>
+        <c:ser>
+          <c:idx val="2"/>
+          <c:order val="2"/>
+          <c:tx>
+            <c:strRef>
+              <c:f>Sheet1!$J$64</c:f>
+              <c:strCache>
+                <c:ptCount val="1"/>
+                <c:pt idx="0">
+                  <c:v>Rate_혼합식</c:v>
+                </c:pt>
+              </c:strCache>
+            </c:strRef>
+          </c:tx>
+          <c:spPr>
+            <a:solidFill>
+              <a:schemeClr val="accent3"/>
+            </a:solidFill>
+            <a:ln>
+              <a:noFill/>
+            </a:ln>
+            <a:effectLst/>
+          </c:spPr>
+          <c:invertIfNegative val="0"/>
+          <c:cat>
+            <c:strRef>
+              <c:f>Sheet1!$K$61:$M$61</c:f>
+              <c:strCache>
+                <c:ptCount val="3"/>
+                <c:pt idx="0">
+                  <c:v>Aug_focused</c:v>
+                </c:pt>
+                <c:pt idx="1">
+                  <c:v>Sep_focused</c:v>
+                </c:pt>
+                <c:pt idx="2">
+                  <c:v>Eql_distributed</c:v>
+                </c:pt>
+              </c:strCache>
+            </c:strRef>
+          </c:cat>
+          <c:val>
+            <c:numRef>
+              <c:f>Sheet1!$K$64:$M$64</c:f>
+              <c:numCache>
+                <c:formatCode>General</c:formatCode>
+                <c:ptCount val="3"/>
+                <c:pt idx="0">
+                  <c:v>0.12752254186346071</c:v>
+                </c:pt>
+                <c:pt idx="1">
+                  <c:v>0.23149776755513463</c:v>
+                </c:pt>
+                <c:pt idx="2">
+                  <c:v>0.11281070745697896</c:v>
+                </c:pt>
+              </c:numCache>
+            </c:numRef>
+          </c:val>
+          <c:extLst>
+            <c:ext xmlns:c16="http://schemas.microsoft.com/office/drawing/2014/chart" uri="{C3380CC4-5D6E-409C-BE32-E72D297353CC}">
+              <c16:uniqueId val="{00000002-EF73-46A6-8F41-28C322413C7E}"/>
+            </c:ext>
+          </c:extLst>
+        </c:ser>
+        <c:dLbls>
+          <c:showLegendKey val="0"/>
+          <c:showVal val="0"/>
+          <c:showCatName val="0"/>
+          <c:showSerName val="0"/>
+          <c:showPercent val="0"/>
+          <c:showBubbleSize val="0"/>
+        </c:dLbls>
+        <c:gapWidth val="219"/>
+        <c:overlap val="-27"/>
+        <c:axId val="830676367"/>
+        <c:axId val="830675951"/>
+      </c:barChart>
+      <c:catAx>
+        <c:axId val="830676367"/>
+        <c:scaling>
+          <c:orientation val="minMax"/>
+        </c:scaling>
+        <c:delete val="0"/>
+        <c:axPos val="b"/>
+        <c:numFmt formatCode="General" sourceLinked="1"/>
+        <c:majorTickMark val="none"/>
+        <c:minorTickMark val="none"/>
+        <c:tickLblPos val="nextTo"/>
+        <c:spPr>
+          <a:noFill/>
+          <a:ln w="9525" cap="flat" cmpd="sng" algn="ctr">
+            <a:solidFill>
+              <a:schemeClr val="tx1">
+                <a:lumMod val="15000"/>
+                <a:lumOff val="85000"/>
+              </a:schemeClr>
+            </a:solidFill>
+            <a:round/>
+          </a:ln>
+          <a:effectLst/>
+        </c:spPr>
+        <c:txPr>
+          <a:bodyPr rot="-60000000" spcFirstLastPara="1" vertOverflow="ellipsis" vert="horz" wrap="square" anchor="ctr" anchorCtr="1"/>
+          <a:lstStyle/>
+          <a:p>
+            <a:pPr>
+              <a:defRPr sz="900" b="0" i="0" u="none" strike="noStrike" kern="1200" baseline="0">
+                <a:solidFill>
+                  <a:schemeClr val="tx1">
+                    <a:lumMod val="65000"/>
+                    <a:lumOff val="35000"/>
+                  </a:schemeClr>
+                </a:solidFill>
+                <a:latin typeface="+mn-lt"/>
+                <a:ea typeface="+mn-ea"/>
+                <a:cs typeface="+mn-cs"/>
+              </a:defRPr>
+            </a:pPr>
+            <a:endParaRPr lang="ko-KR"/>
+          </a:p>
+        </c:txPr>
+        <c:crossAx val="830675951"/>
+        <c:crosses val="autoZero"/>
+        <c:auto val="1"/>
+        <c:lblAlgn val="ctr"/>
+        <c:lblOffset val="100"/>
+        <c:noMultiLvlLbl val="0"/>
+      </c:catAx>
+      <c:valAx>
+        <c:axId val="830675951"/>
+        <c:scaling>
+          <c:orientation val="minMax"/>
+        </c:scaling>
+        <c:delete val="0"/>
+        <c:axPos val="l"/>
+        <c:majorGridlines>
+          <c:spPr>
+            <a:ln w="9525" cap="flat" cmpd="sng" algn="ctr">
+              <a:solidFill>
+                <a:schemeClr val="tx1">
+                  <a:lumMod val="15000"/>
+                  <a:lumOff val="85000"/>
+                </a:schemeClr>
+              </a:solidFill>
+              <a:round/>
+            </a:ln>
+            <a:effectLst/>
+          </c:spPr>
+        </c:majorGridlines>
+        <c:numFmt formatCode="General" sourceLinked="1"/>
+        <c:majorTickMark val="none"/>
+        <c:minorTickMark val="none"/>
+        <c:tickLblPos val="nextTo"/>
+        <c:spPr>
+          <a:noFill/>
+          <a:ln>
+            <a:noFill/>
+          </a:ln>
+          <a:effectLst/>
+        </c:spPr>
+        <c:txPr>
+          <a:bodyPr rot="-60000000" spcFirstLastPara="1" vertOverflow="ellipsis" vert="horz" wrap="square" anchor="ctr" anchorCtr="1"/>
+          <a:lstStyle/>
+          <a:p>
+            <a:pPr>
+              <a:defRPr sz="900" b="0" i="0" u="none" strike="noStrike" kern="1200" baseline="0">
+                <a:solidFill>
+                  <a:schemeClr val="tx1">
+                    <a:lumMod val="65000"/>
+                    <a:lumOff val="35000"/>
+                  </a:schemeClr>
+                </a:solidFill>
+                <a:latin typeface="+mn-lt"/>
+                <a:ea typeface="+mn-ea"/>
+                <a:cs typeface="+mn-cs"/>
+              </a:defRPr>
+            </a:pPr>
+            <a:endParaRPr lang="ko-KR"/>
+          </a:p>
+        </c:txPr>
+        <c:crossAx val="830676367"/>
+        <c:crosses val="autoZero"/>
+        <c:crossBetween val="between"/>
+      </c:valAx>
+      <c:spPr>
+        <a:noFill/>
+        <a:ln>
+          <a:noFill/>
+        </a:ln>
+        <a:effectLst/>
+      </c:spPr>
+    </c:plotArea>
+    <c:legend>
+      <c:legendPos val="b"/>
+      <c:overlay val="0"/>
+      <c:spPr>
+        <a:noFill/>
+        <a:ln>
+          <a:noFill/>
+        </a:ln>
+        <a:effectLst/>
+      </c:spPr>
+      <c:txPr>
+        <a:bodyPr rot="0" spcFirstLastPara="1" vertOverflow="ellipsis" vert="horz" wrap="square" anchor="ctr" anchorCtr="1"/>
+        <a:lstStyle/>
+        <a:p>
+          <a:pPr>
+            <a:defRPr sz="900" b="0" i="0" u="none" strike="noStrike" kern="1200" baseline="0">
+              <a:solidFill>
+                <a:schemeClr val="tx1">
+                  <a:lumMod val="65000"/>
+                  <a:lumOff val="35000"/>
+                </a:schemeClr>
+              </a:solidFill>
+              <a:latin typeface="+mn-lt"/>
+              <a:ea typeface="+mn-ea"/>
+              <a:cs typeface="+mn-cs"/>
+            </a:defRPr>
+          </a:pPr>
+          <a:endParaRPr lang="ko-KR"/>
+        </a:p>
+      </c:txPr>
+    </c:legend>
+    <c:plotVisOnly val="1"/>
+    <c:dispBlanksAs val="gap"/>
+    <c:showDLblsOverMax val="0"/>
+  </c:chart>
+  <c:spPr>
+    <a:noFill/>
+    <a:ln>
+      <a:noFill/>
+    </a:ln>
+    <a:effectLst/>
+  </c:spPr>
+  <c:txPr>
+    <a:bodyPr/>
+    <a:lstStyle/>
+    <a:p>
+      <a:pPr>
+        <a:defRPr/>
+      </a:pPr>
+      <a:endParaRPr lang="ko-KR"/>
+    </a:p>
+  </c:txPr>
+  <c:externalData r:id="rId3">
+    <c:autoUpdate val="0"/>
+  </c:externalData>
+</c:chartSpace>
+</file>
+
+<file path=ppt/charts/colors1.xml><?xml version="1.0" encoding="utf-8"?>
+<cs:colorStyle xmlns:cs="http://schemas.microsoft.com/office/drawing/2012/chartStyle" xmlns:a="http://schemas.openxmlformats.org/drawingml/2006/main" meth="cycle" id="10">
+  <a:schemeClr val="accent1"/>
+  <a:schemeClr val="accent2"/>
+  <a:schemeClr val="accent3"/>
+  <a:schemeClr val="accent4"/>
+  <a:schemeClr val="accent5"/>
+  <a:schemeClr val="accent6"/>
+  <cs:variation/>
+  <cs:variation>
+    <a:lumMod val="60000"/>
+  </cs:variation>
+  <cs:variation>
+    <a:lumMod val="80000"/>
+    <a:lumOff val="20000"/>
+  </cs:variation>
+  <cs:variation>
+    <a:lumMod val="80000"/>
+  </cs:variation>
+  <cs:variation>
+    <a:lumMod val="60000"/>
+    <a:lumOff val="40000"/>
+  </cs:variation>
+  <cs:variation>
+    <a:lumMod val="50000"/>
+  </cs:variation>
+  <cs:variation>
+    <a:lumMod val="70000"/>
+    <a:lumOff val="30000"/>
+  </cs:variation>
+  <cs:variation>
+    <a:lumMod val="70000"/>
+  </cs:variation>
+  <cs:variation>
+    <a:lumMod val="50000"/>
+    <a:lumOff val="50000"/>
+  </cs:variation>
+</cs:colorStyle>
+</file>
+
+<file path=ppt/charts/colors2.xml><?xml version="1.0" encoding="utf-8"?>
+<cs:colorStyle xmlns:cs="http://schemas.microsoft.com/office/drawing/2012/chartStyle" xmlns:a="http://schemas.openxmlformats.org/drawingml/2006/main" meth="cycle" id="10">
+  <a:schemeClr val="accent1"/>
+  <a:schemeClr val="accent2"/>
+  <a:schemeClr val="accent3"/>
+  <a:schemeClr val="accent4"/>
+  <a:schemeClr val="accent5"/>
+  <a:schemeClr val="accent6"/>
+  <cs:variation/>
+  <cs:variation>
+    <a:lumMod val="60000"/>
+  </cs:variation>
+  <cs:variation>
+    <a:lumMod val="80000"/>
+    <a:lumOff val="20000"/>
+  </cs:variation>
+  <cs:variation>
+    <a:lumMod val="80000"/>
+  </cs:variation>
+  <cs:variation>
+    <a:lumMod val="60000"/>
+    <a:lumOff val="40000"/>
+  </cs:variation>
+  <cs:variation>
+    <a:lumMod val="50000"/>
+  </cs:variation>
+  <cs:variation>
+    <a:lumMod val="70000"/>
+    <a:lumOff val="30000"/>
+  </cs:variation>
+  <cs:variation>
+    <a:lumMod val="70000"/>
+  </cs:variation>
+  <cs:variation>
+    <a:lumMod val="50000"/>
+    <a:lumOff val="50000"/>
+  </cs:variation>
+</cs:colorStyle>
+</file>
+
+<file path=ppt/charts/colors3.xml><?xml version="1.0" encoding="utf-8"?>
+<cs:colorStyle xmlns:cs="http://schemas.microsoft.com/office/drawing/2012/chartStyle" xmlns:a="http://schemas.openxmlformats.org/drawingml/2006/main" meth="cycle" id="10">
+  <a:schemeClr val="accent1"/>
+  <a:schemeClr val="accent2"/>
+  <a:schemeClr val="accent3"/>
+  <a:schemeClr val="accent4"/>
+  <a:schemeClr val="accent5"/>
+  <a:schemeClr val="accent6"/>
+  <cs:variation/>
+  <cs:variation>
+    <a:lumMod val="60000"/>
+  </cs:variation>
+  <cs:variation>
+    <a:lumMod val="80000"/>
+    <a:lumOff val="20000"/>
+  </cs:variation>
+  <cs:variation>
+    <a:lumMod val="80000"/>
+  </cs:variation>
+  <cs:variation>
+    <a:lumMod val="60000"/>
+    <a:lumOff val="40000"/>
+  </cs:variation>
+  <cs:variation>
+    <a:lumMod val="50000"/>
+  </cs:variation>
+  <cs:variation>
+    <a:lumMod val="70000"/>
+    <a:lumOff val="30000"/>
+  </cs:variation>
+  <cs:variation>
+    <a:lumMod val="70000"/>
+  </cs:variation>
+  <cs:variation>
+    <a:lumMod val="50000"/>
+    <a:lumOff val="50000"/>
+  </cs:variation>
+</cs:colorStyle>
+</file>
+
+<file path=ppt/charts/colors4.xml><?xml version="1.0" encoding="utf-8"?>
+<cs:colorStyle xmlns:cs="http://schemas.microsoft.com/office/drawing/2012/chartStyle" xmlns:a="http://schemas.openxmlformats.org/drawingml/2006/main" meth="cycle" id="10">
+  <a:schemeClr val="accent1"/>
+  <a:schemeClr val="accent2"/>
+  <a:schemeClr val="accent3"/>
+  <a:schemeClr val="accent4"/>
+  <a:schemeClr val="accent5"/>
+  <a:schemeClr val="accent6"/>
+  <cs:variation/>
+  <cs:variation>
+    <a:lumMod val="60000"/>
+  </cs:variation>
+  <cs:variation>
+    <a:lumMod val="80000"/>
+    <a:lumOff val="20000"/>
+  </cs:variation>
+  <cs:variation>
+    <a:lumMod val="80000"/>
+  </cs:variation>
+  <cs:variation>
+    <a:lumMod val="60000"/>
+    <a:lumOff val="40000"/>
+  </cs:variation>
+  <cs:variation>
+    <a:lumMod val="50000"/>
+  </cs:variation>
+  <cs:variation>
+    <a:lumMod val="70000"/>
+    <a:lumOff val="30000"/>
+  </cs:variation>
+  <cs:variation>
+    <a:lumMod val="70000"/>
+  </cs:variation>
+  <cs:variation>
+    <a:lumMod val="50000"/>
+    <a:lumOff val="50000"/>
+  </cs:variation>
+</cs:colorStyle>
+</file>
+
+<file path=ppt/charts/style1.xml><?xml version="1.0" encoding="utf-8"?>
+<cs:chartStyle xmlns:cs="http://schemas.microsoft.com/office/drawing/2012/chartStyle" xmlns:a="http://schemas.openxmlformats.org/drawingml/2006/main" id="201">
+  <cs:axisTitle>
+    <cs:lnRef idx="0"/>
+    <cs:fillRef idx="0"/>
+    <cs:effectRef idx="0"/>
+    <cs:fontRef idx="minor">
+      <a:schemeClr val="tx1">
+        <a:lumMod val="65000"/>
+        <a:lumOff val="35000"/>
+      </a:schemeClr>
+    </cs:fontRef>
+    <cs:defRPr sz="1000" kern="1200"/>
+  </cs:axisTitle>
+  <cs:categoryAxis>
+    <cs:lnRef idx="0"/>
+    <cs:fillRef idx="0"/>
+    <cs:effectRef idx="0"/>
+    <cs:fontRef idx="minor">
+      <a:schemeClr val="tx1">
+        <a:lumMod val="65000"/>
+        <a:lumOff val="35000"/>
+      </a:schemeClr>
+    </cs:fontRef>
+    <cs:spPr>
+      <a:ln w="9525" cap="flat" cmpd="sng" algn="ctr">
+        <a:solidFill>
+          <a:schemeClr val="tx1">
+            <a:lumMod val="15000"/>
+            <a:lumOff val="85000"/>
+          </a:schemeClr>
+        </a:solidFill>
+        <a:round/>
+      </a:ln>
+    </cs:spPr>
+    <cs:defRPr sz="900" kern="1200"/>
+  </cs:categoryAxis>
+  <cs:chartArea mods="allowNoFillOverride allowNoLineOverride">
+    <cs:lnRef idx="0"/>
+    <cs:fillRef idx="0"/>
+    <cs:effectRef idx="0"/>
+    <cs:fontRef idx="minor">
+      <a:schemeClr val="tx1"/>
+    </cs:fontRef>
+    <cs:spPr>
+      <a:solidFill>
+        <a:schemeClr val="bg1"/>
+      </a:solidFill>
+      <a:ln w="9525" cap="flat" cmpd="sng" algn="ctr">
+        <a:solidFill>
+          <a:schemeClr val="tx1">
+            <a:lumMod val="15000"/>
+            <a:lumOff val="85000"/>
+          </a:schemeClr>
+        </a:solidFill>
+        <a:round/>
+      </a:ln>
+    </cs:spPr>
+    <cs:defRPr sz="1000" kern="1200"/>
+  </cs:chartArea>
+  <cs:dataLabel>
+    <cs:lnRef idx="0"/>
+    <cs:fillRef idx="0"/>
+    <cs:effectRef idx="0"/>
+    <cs:fontRef idx="minor">
+      <a:schemeClr val="tx1">
+        <a:lumMod val="75000"/>
+        <a:lumOff val="25000"/>
+      </a:schemeClr>
+    </cs:fontRef>
+    <cs:defRPr sz="900" kern="1200"/>
+  </cs:dataLabel>
+  <cs:dataLabelCallout>
+    <cs:lnRef idx="0"/>
+    <cs:fillRef idx="0"/>
+    <cs:effectRef idx="0"/>
+    <cs:fontRef idx="minor">
+      <a:schemeClr val="dk1">
+        <a:lumMod val="65000"/>
+        <a:lumOff val="35000"/>
+      </a:schemeClr>
+    </cs:fontRef>
+    <cs:spPr>
+      <a:solidFill>
+        <a:schemeClr val="lt1"/>
+      </a:solidFill>
+      <a:ln>
+        <a:solidFill>
+          <a:schemeClr val="dk1">
+            <a:lumMod val="25000"/>
+            <a:lumOff val="75000"/>
+          </a:schemeClr>
+        </a:solidFill>
+      </a:ln>
+    </cs:spPr>
+    <cs:defRPr sz="900" kern="1200"/>
+    <cs:bodyPr rot="0" spcFirstLastPara="1" vertOverflow="clip" horzOverflow="clip" vert="horz" wrap="square" lIns="36576" tIns="18288" rIns="36576" bIns="18288" anchor="ctr" anchorCtr="1">
+      <a:spAutoFit/>
+    </cs:bodyPr>
+  </cs:dataLabelCallout>
+  <cs:dataPoint>
+    <cs:lnRef idx="0"/>
+    <cs:fillRef idx="1">
+      <cs:styleClr val="auto"/>
+    </cs:fillRef>
+    <cs:effectRef idx="0"/>
+    <cs:fontRef idx="minor">
+      <a:schemeClr val="tx1"/>
+    </cs:fontRef>
+  </cs:dataPoint>
+  <cs:dataPoint3D>
+    <cs:lnRef idx="0"/>
+    <cs:fillRef idx="1">
+      <cs:styleClr val="auto"/>
+    </cs:fillRef>
+    <cs:effectRef idx="0"/>
+    <cs:fontRef idx="minor">
+      <a:schemeClr val="tx1"/>
+    </cs:fontRef>
+  </cs:dataPoint3D>
+  <cs:dataPointLine>
+    <cs:lnRef idx="0">
+      <cs:styleClr val="auto"/>
+    </cs:lnRef>
+    <cs:fillRef idx="1"/>
+    <cs:effectRef idx="0"/>
+    <cs:fontRef idx="minor">
+      <a:schemeClr val="tx1"/>
+    </cs:fontRef>
+    <cs:spPr>
+      <a:ln w="28575" cap="rnd">
+        <a:solidFill>
+          <a:schemeClr val="phClr"/>
+        </a:solidFill>
+        <a:round/>
+      </a:ln>
+    </cs:spPr>
+  </cs:dataPointLine>
+  <cs:dataPointMarker>
+    <cs:lnRef idx="0">
+      <cs:styleClr val="auto"/>
+    </cs:lnRef>
+    <cs:fillRef idx="1">
+      <cs:styleClr val="auto"/>
+    </cs:fillRef>
+    <cs:effectRef idx="0"/>
+    <cs:fontRef idx="minor">
+      <a:schemeClr val="tx1"/>
+    </cs:fontRef>
+    <cs:spPr>
+      <a:ln w="9525">
+        <a:solidFill>
+          <a:schemeClr val="phClr"/>
+        </a:solidFill>
+      </a:ln>
+    </cs:spPr>
+  </cs:dataPointMarker>
+  <cs:dataPointMarkerLayout symbol="circle" size="5"/>
+  <cs:dataPointWireframe>
+    <cs:lnRef idx="0">
+      <cs:styleClr val="auto"/>
+    </cs:lnRef>
+    <cs:fillRef idx="1"/>
+    <cs:effectRef idx="0"/>
+    <cs:fontRef idx="minor">
+      <a:schemeClr val="tx1"/>
+    </cs:fontRef>
+    <cs:spPr>
+      <a:ln w="9525" cap="rnd">
+        <a:solidFill>
+          <a:schemeClr val="phClr"/>
+        </a:solidFill>
+        <a:round/>
+      </a:ln>
+    </cs:spPr>
+  </cs:dataPointWireframe>
+  <cs:dataTable>
+    <cs:lnRef idx="0"/>
+    <cs:fillRef idx="0"/>
+    <cs:effectRef idx="0"/>
+    <cs:fontRef idx="minor">
+      <a:schemeClr val="tx1">
+        <a:lumMod val="65000"/>
+        <a:lumOff val="35000"/>
+      </a:schemeClr>
+    </cs:fontRef>
+    <cs:spPr>
+      <a:noFill/>
+      <a:ln w="9525" cap="flat" cmpd="sng" algn="ctr">
+        <a:solidFill>
+          <a:schemeClr val="tx1">
+            <a:lumMod val="15000"/>
+            <a:lumOff val="85000"/>
+          </a:schemeClr>
+        </a:solidFill>
+        <a:round/>
+      </a:ln>
+    </cs:spPr>
+    <cs:defRPr sz="900" kern="1200"/>
+  </cs:dataTable>
+  <cs:downBar>
+    <cs:lnRef idx="0"/>
+    <cs:fillRef idx="0"/>
+    <cs:effectRef idx="0"/>
+    <cs:fontRef idx="minor">
+      <a:schemeClr val="dk1"/>
+    </cs:fontRef>
+    <cs:spPr>
+      <a:solidFill>
+        <a:schemeClr val="dk1">
+          <a:lumMod val="65000"/>
+          <a:lumOff val="35000"/>
+        </a:schemeClr>
+      </a:solidFill>
+      <a:ln w="9525">
+        <a:solidFill>
+          <a:schemeClr val="tx1">
+            <a:lumMod val="65000"/>
+            <a:lumOff val="35000"/>
+          </a:schemeClr>
+        </a:solidFill>
+      </a:ln>
+    </cs:spPr>
+  </cs:downBar>
+  <cs:dropLine>
+    <cs:lnRef idx="0"/>
+    <cs:fillRef idx="0"/>
+    <cs:effectRef idx="0"/>
+    <cs:fontRef idx="minor">
+      <a:schemeClr val="tx1"/>
+    </cs:fontRef>
+    <cs:spPr>
+      <a:ln w="9525" cap="flat" cmpd="sng" algn="ctr">
+        <a:solidFill>
+          <a:schemeClr val="tx1">
+            <a:lumMod val="35000"/>
+            <a:lumOff val="65000"/>
+          </a:schemeClr>
+        </a:solidFill>
+        <a:round/>
+      </a:ln>
+    </cs:spPr>
+  </cs:dropLine>
+  <cs:errorBar>
+    <cs:lnRef idx="0"/>
+    <cs:fillRef idx="0"/>
+    <cs:effectRef idx="0"/>
+    <cs:fontRef idx="minor">
+      <a:schemeClr val="tx1"/>
+    </cs:fontRef>
+    <cs:spPr>
+      <a:ln w="9525" cap="flat" cmpd="sng" algn="ctr">
+        <a:solidFill>
+          <a:schemeClr val="tx1">
+            <a:lumMod val="65000"/>
+            <a:lumOff val="35000"/>
+          </a:schemeClr>
+        </a:solidFill>
+        <a:round/>
+      </a:ln>
+    </cs:spPr>
+  </cs:errorBar>
+  <cs:floor>
+    <cs:lnRef idx="0"/>
+    <cs:fillRef idx="0"/>
+    <cs:effectRef idx="0"/>
+    <cs:fontRef idx="minor">
+      <a:schemeClr val="tx1"/>
+    </cs:fontRef>
+    <cs:spPr>
+      <a:noFill/>
+      <a:ln>
+        <a:noFill/>
+      </a:ln>
+    </cs:spPr>
+  </cs:floor>
+  <cs:gridlineMajor>
+    <cs:lnRef idx="0"/>
+    <cs:fillRef idx="0"/>
+    <cs:effectRef idx="0"/>
+    <cs:fontRef idx="minor">
+      <a:schemeClr val="tx1"/>
+    </cs:fontRef>
+    <cs:spPr>
+      <a:ln w="9525" cap="flat" cmpd="sng" algn="ctr">
+        <a:solidFill>
+          <a:schemeClr val="tx1">
+            <a:lumMod val="15000"/>
+            <a:lumOff val="85000"/>
+          </a:schemeClr>
+        </a:solidFill>
+        <a:round/>
+      </a:ln>
+    </cs:spPr>
+  </cs:gridlineMajor>
+  <cs:gridlineMinor>
+    <cs:lnRef idx="0"/>
+    <cs:fillRef idx="0"/>
+    <cs:effectRef idx="0"/>
+    <cs:fontRef idx="minor">
+      <a:schemeClr val="tx1"/>
+    </cs:fontRef>
+    <cs:spPr>
+      <a:ln w="9525" cap="flat" cmpd="sng" algn="ctr">
+        <a:solidFill>
+          <a:schemeClr val="tx1">
+            <a:lumMod val="5000"/>
+            <a:lumOff val="95000"/>
+          </a:schemeClr>
+        </a:solidFill>
+        <a:round/>
+      </a:ln>
+    </cs:spPr>
+  </cs:gridlineMinor>
+  <cs:hiLoLine>
+    <cs:lnRef idx="0"/>
+    <cs:fillRef idx="0"/>
+    <cs:effectRef idx="0"/>
+    <cs:fontRef idx="minor">
+      <a:schemeClr val="tx1"/>
+    </cs:fontRef>
+    <cs:spPr>
+      <a:ln w="9525" cap="flat" cmpd="sng" algn="ctr">
+        <a:solidFill>
+          <a:schemeClr val="tx1">
+            <a:lumMod val="75000"/>
+            <a:lumOff val="25000"/>
+          </a:schemeClr>
+        </a:solidFill>
+        <a:round/>
+      </a:ln>
+    </cs:spPr>
+  </cs:hiLoLine>
+  <cs:leaderLine>
+    <cs:lnRef idx="0"/>
+    <cs:fillRef idx="0"/>
+    <cs:effectRef idx="0"/>
+    <cs:fontRef idx="minor">
+      <a:schemeClr val="tx1"/>
+    </cs:fontRef>
+    <cs:spPr>
+      <a:ln w="9525" cap="flat" cmpd="sng" algn="ctr">
+        <a:solidFill>
+          <a:schemeClr val="tx1">
+            <a:lumMod val="35000"/>
+            <a:lumOff val="65000"/>
+          </a:schemeClr>
+        </a:solidFill>
+        <a:round/>
+      </a:ln>
+    </cs:spPr>
+  </cs:leaderLine>
+  <cs:legend>
+    <cs:lnRef idx="0"/>
+    <cs:fillRef idx="0"/>
+    <cs:effectRef idx="0"/>
+    <cs:fontRef idx="minor">
+      <a:schemeClr val="tx1">
+        <a:lumMod val="65000"/>
+        <a:lumOff val="35000"/>
+      </a:schemeClr>
+    </cs:fontRef>
+    <cs:defRPr sz="900" kern="1200"/>
+  </cs:legend>
+  <cs:plotArea mods="allowNoFillOverride allowNoLineOverride">
+    <cs:lnRef idx="0"/>
+    <cs:fillRef idx="0"/>
+    <cs:effectRef idx="0"/>
+    <cs:fontRef idx="minor">
+      <a:schemeClr val="tx1"/>
+    </cs:fontRef>
+  </cs:plotArea>
+  <cs:plotArea3D mods="allowNoFillOverride allowNoLineOverride">
+    <cs:lnRef idx="0"/>
+    <cs:fillRef idx="0"/>
+    <cs:effectRef idx="0"/>
+    <cs:fontRef idx="minor">
+      <a:schemeClr val="tx1"/>
+    </cs:fontRef>
+  </cs:plotArea3D>
+  <cs:seriesAxis>
+    <cs:lnRef idx="0"/>
+    <cs:fillRef idx="0"/>
+    <cs:effectRef idx="0"/>
+    <cs:fontRef idx="minor">
+      <a:schemeClr val="tx1">
+        <a:lumMod val="65000"/>
+        <a:lumOff val="35000"/>
+      </a:schemeClr>
+    </cs:fontRef>
+    <cs:defRPr sz="900" kern="1200"/>
+  </cs:seriesAxis>
+  <cs:seriesLine>
+    <cs:lnRef idx="0"/>
+    <cs:fillRef idx="0"/>
+    <cs:effectRef idx="0"/>
+    <cs:fontRef idx="minor">
+      <a:schemeClr val="tx1"/>
+    </cs:fontRef>
+    <cs:spPr>
+      <a:ln w="9525" cap="flat" cmpd="sng" algn="ctr">
+        <a:solidFill>
+          <a:schemeClr val="tx1">
+            <a:lumMod val="35000"/>
+            <a:lumOff val="65000"/>
+          </a:schemeClr>
+        </a:solidFill>
+        <a:round/>
+      </a:ln>
+    </cs:spPr>
+  </cs:seriesLine>
+  <cs:title>
+    <cs:lnRef idx="0"/>
+    <cs:fillRef idx="0"/>
+    <cs:effectRef idx="0"/>
+    <cs:fontRef idx="minor">
+      <a:schemeClr val="tx1">
+        <a:lumMod val="65000"/>
+        <a:lumOff val="35000"/>
+      </a:schemeClr>
+    </cs:fontRef>
+    <cs:defRPr sz="1400" b="0" kern="1200" spc="0" baseline="0"/>
+  </cs:title>
+  <cs:trendline>
+    <cs:lnRef idx="0">
+      <cs:styleClr val="auto"/>
+    </cs:lnRef>
+    <cs:fillRef idx="0"/>
+    <cs:effectRef idx="0"/>
+    <cs:fontRef idx="minor">
+      <a:schemeClr val="tx1"/>
+    </cs:fontRef>
+    <cs:spPr>
+      <a:ln w="19050" cap="rnd">
+        <a:solidFill>
+          <a:schemeClr val="phClr"/>
+        </a:solidFill>
+        <a:prstDash val="sysDot"/>
+      </a:ln>
+    </cs:spPr>
+  </cs:trendline>
+  <cs:trendlineLabel>
+    <cs:lnRef idx="0"/>
+    <cs:fillRef idx="0"/>
+    <cs:effectRef idx="0"/>
+    <cs:fontRef idx="minor">
+      <a:schemeClr val="tx1">
+        <a:lumMod val="65000"/>
+        <a:lumOff val="35000"/>
+      </a:schemeClr>
+    </cs:fontRef>
+    <cs:defRPr sz="900" kern="1200"/>
+  </cs:trendlineLabel>
+  <cs:upBar>
+    <cs:lnRef idx="0"/>
+    <cs:fillRef idx="0"/>
+    <cs:effectRef idx="0"/>
+    <cs:fontRef idx="minor">
+      <a:schemeClr val="dk1"/>
+    </cs:fontRef>
+    <cs:spPr>
+      <a:solidFill>
+        <a:schemeClr val="lt1"/>
+      </a:solidFill>
+      <a:ln w="9525">
+        <a:solidFill>
+          <a:schemeClr val="tx1">
+            <a:lumMod val="15000"/>
+            <a:lumOff val="85000"/>
+          </a:schemeClr>
+        </a:solidFill>
+      </a:ln>
+    </cs:spPr>
+  </cs:upBar>
+  <cs:valueAxis>
+    <cs:lnRef idx="0"/>
+    <cs:fillRef idx="0"/>
+    <cs:effectRef idx="0"/>
+    <cs:fontRef idx="minor">
+      <a:schemeClr val="tx1">
+        <a:lumMod val="65000"/>
+        <a:lumOff val="35000"/>
+      </a:schemeClr>
+    </cs:fontRef>
+    <cs:defRPr sz="900" kern="1200"/>
+  </cs:valueAxis>
+  <cs:wall>
+    <cs:lnRef idx="0"/>
+    <cs:fillRef idx="0"/>
+    <cs:effectRef idx="0"/>
+    <cs:fontRef idx="minor">
+      <a:schemeClr val="tx1"/>
+    </cs:fontRef>
+    <cs:spPr>
+      <a:noFill/>
+      <a:ln>
+        <a:noFill/>
+      </a:ln>
+    </cs:spPr>
+  </cs:wall>
+</cs:chartStyle>
+</file>
+
+<file path=ppt/charts/style2.xml><?xml version="1.0" encoding="utf-8"?>
+<cs:chartStyle xmlns:cs="http://schemas.microsoft.com/office/drawing/2012/chartStyle" xmlns:a="http://schemas.openxmlformats.org/drawingml/2006/main" id="201">
+  <cs:axisTitle>
+    <cs:lnRef idx="0"/>
+    <cs:fillRef idx="0"/>
+    <cs:effectRef idx="0"/>
+    <cs:fontRef idx="minor">
+      <a:schemeClr val="tx1">
+        <a:lumMod val="65000"/>
+        <a:lumOff val="35000"/>
+      </a:schemeClr>
+    </cs:fontRef>
+    <cs:defRPr sz="1000" kern="1200"/>
+  </cs:axisTitle>
+  <cs:categoryAxis>
+    <cs:lnRef idx="0"/>
+    <cs:fillRef idx="0"/>
+    <cs:effectRef idx="0"/>
+    <cs:fontRef idx="minor">
+      <a:schemeClr val="tx1">
+        <a:lumMod val="65000"/>
+        <a:lumOff val="35000"/>
+      </a:schemeClr>
+    </cs:fontRef>
+    <cs:spPr>
+      <a:ln w="9525" cap="flat" cmpd="sng" algn="ctr">
+        <a:solidFill>
+          <a:schemeClr val="tx1">
+            <a:lumMod val="15000"/>
+            <a:lumOff val="85000"/>
+          </a:schemeClr>
+        </a:solidFill>
+        <a:round/>
+      </a:ln>
+    </cs:spPr>
+    <cs:defRPr sz="900" kern="1200"/>
+  </cs:categoryAxis>
+  <cs:chartArea mods="allowNoFillOverride allowNoLineOverride">
+    <cs:lnRef idx="0"/>
+    <cs:fillRef idx="0"/>
+    <cs:effectRef idx="0"/>
+    <cs:fontRef idx="minor">
+      <a:schemeClr val="tx1"/>
+    </cs:fontRef>
+    <cs:spPr>
+      <a:solidFill>
+        <a:schemeClr val="bg1"/>
+      </a:solidFill>
+      <a:ln w="9525" cap="flat" cmpd="sng" algn="ctr">
+        <a:solidFill>
+          <a:schemeClr val="tx1">
+            <a:lumMod val="15000"/>
+            <a:lumOff val="85000"/>
+          </a:schemeClr>
+        </a:solidFill>
+        <a:round/>
+      </a:ln>
+    </cs:spPr>
+    <cs:defRPr sz="1000" kern="1200"/>
+  </cs:chartArea>
+  <cs:dataLabel>
+    <cs:lnRef idx="0"/>
+    <cs:fillRef idx="0"/>
+    <cs:effectRef idx="0"/>
+    <cs:fontRef idx="minor">
+      <a:schemeClr val="tx1">
+        <a:lumMod val="75000"/>
+        <a:lumOff val="25000"/>
+      </a:schemeClr>
+    </cs:fontRef>
+    <cs:defRPr sz="900" kern="1200"/>
+  </cs:dataLabel>
+  <cs:dataLabelCallout>
+    <cs:lnRef idx="0"/>
+    <cs:fillRef idx="0"/>
+    <cs:effectRef idx="0"/>
+    <cs:fontRef idx="minor">
+      <a:schemeClr val="dk1">
+        <a:lumMod val="65000"/>
+        <a:lumOff val="35000"/>
+      </a:schemeClr>
+    </cs:fontRef>
+    <cs:spPr>
+      <a:solidFill>
+        <a:schemeClr val="lt1"/>
+      </a:solidFill>
+      <a:ln>
+        <a:solidFill>
+          <a:schemeClr val="dk1">
+            <a:lumMod val="25000"/>
+            <a:lumOff val="75000"/>
+          </a:schemeClr>
+        </a:solidFill>
+      </a:ln>
+    </cs:spPr>
+    <cs:defRPr sz="900" kern="1200"/>
+    <cs:bodyPr rot="0" spcFirstLastPara="1" vertOverflow="clip" horzOverflow="clip" vert="horz" wrap="square" lIns="36576" tIns="18288" rIns="36576" bIns="18288" anchor="ctr" anchorCtr="1">
+      <a:spAutoFit/>
+    </cs:bodyPr>
+  </cs:dataLabelCallout>
+  <cs:dataPoint>
+    <cs:lnRef idx="0"/>
+    <cs:fillRef idx="1">
+      <cs:styleClr val="auto"/>
+    </cs:fillRef>
+    <cs:effectRef idx="0"/>
+    <cs:fontRef idx="minor">
+      <a:schemeClr val="tx1"/>
+    </cs:fontRef>
+  </cs:dataPoint>
+  <cs:dataPoint3D>
+    <cs:lnRef idx="0"/>
+    <cs:fillRef idx="1">
+      <cs:styleClr val="auto"/>
+    </cs:fillRef>
+    <cs:effectRef idx="0"/>
+    <cs:fontRef idx="minor">
+      <a:schemeClr val="tx1"/>
+    </cs:fontRef>
+  </cs:dataPoint3D>
+  <cs:dataPointLine>
+    <cs:lnRef idx="0">
+      <cs:styleClr val="auto"/>
+    </cs:lnRef>
+    <cs:fillRef idx="1"/>
+    <cs:effectRef idx="0"/>
+    <cs:fontRef idx="minor">
+      <a:schemeClr val="tx1"/>
+    </cs:fontRef>
+    <cs:spPr>
+      <a:ln w="28575" cap="rnd">
+        <a:solidFill>
+          <a:schemeClr val="phClr"/>
+        </a:solidFill>
+        <a:round/>
+      </a:ln>
+    </cs:spPr>
+  </cs:dataPointLine>
+  <cs:dataPointMarker>
+    <cs:lnRef idx="0">
+      <cs:styleClr val="auto"/>
+    </cs:lnRef>
+    <cs:fillRef idx="1">
+      <cs:styleClr val="auto"/>
+    </cs:fillRef>
+    <cs:effectRef idx="0"/>
+    <cs:fontRef idx="minor">
+      <a:schemeClr val="tx1"/>
+    </cs:fontRef>
+    <cs:spPr>
+      <a:ln w="9525">
+        <a:solidFill>
+          <a:schemeClr val="phClr"/>
+        </a:solidFill>
+      </a:ln>
+    </cs:spPr>
+  </cs:dataPointMarker>
+  <cs:dataPointMarkerLayout symbol="circle" size="5"/>
+  <cs:dataPointWireframe>
+    <cs:lnRef idx="0">
+      <cs:styleClr val="auto"/>
+    </cs:lnRef>
+    <cs:fillRef idx="1"/>
+    <cs:effectRef idx="0"/>
+    <cs:fontRef idx="minor">
+      <a:schemeClr val="tx1"/>
+    </cs:fontRef>
+    <cs:spPr>
+      <a:ln w="9525" cap="rnd">
+        <a:solidFill>
+          <a:schemeClr val="phClr"/>
+        </a:solidFill>
+        <a:round/>
+      </a:ln>
+    </cs:spPr>
+  </cs:dataPointWireframe>
+  <cs:dataTable>
+    <cs:lnRef idx="0"/>
+    <cs:fillRef idx="0"/>
+    <cs:effectRef idx="0"/>
+    <cs:fontRef idx="minor">
+      <a:schemeClr val="tx1">
+        <a:lumMod val="65000"/>
+        <a:lumOff val="35000"/>
+      </a:schemeClr>
+    </cs:fontRef>
+    <cs:spPr>
+      <a:noFill/>
+      <a:ln w="9525" cap="flat" cmpd="sng" algn="ctr">
+        <a:solidFill>
+          <a:schemeClr val="tx1">
+            <a:lumMod val="15000"/>
+            <a:lumOff val="85000"/>
+          </a:schemeClr>
+        </a:solidFill>
+        <a:round/>
+      </a:ln>
+    </cs:spPr>
+    <cs:defRPr sz="900" kern="1200"/>
+  </cs:dataTable>
+  <cs:downBar>
+    <cs:lnRef idx="0"/>
+    <cs:fillRef idx="0"/>
+    <cs:effectRef idx="0"/>
+    <cs:fontRef idx="minor">
+      <a:schemeClr val="dk1"/>
+    </cs:fontRef>
+    <cs:spPr>
+      <a:solidFill>
+        <a:schemeClr val="dk1">
+          <a:lumMod val="65000"/>
+          <a:lumOff val="35000"/>
+        </a:schemeClr>
+      </a:solidFill>
+      <a:ln w="9525">
+        <a:solidFill>
+          <a:schemeClr val="tx1">
+            <a:lumMod val="65000"/>
+            <a:lumOff val="35000"/>
+          </a:schemeClr>
+        </a:solidFill>
+      </a:ln>
+    </cs:spPr>
+  </cs:downBar>
+  <cs:dropLine>
+    <cs:lnRef idx="0"/>
+    <cs:fillRef idx="0"/>
+    <cs:effectRef idx="0"/>
+    <cs:fontRef idx="minor">
+      <a:schemeClr val="tx1"/>
+    </cs:fontRef>
+    <cs:spPr>
+      <a:ln w="9525" cap="flat" cmpd="sng" algn="ctr">
+        <a:solidFill>
+          <a:schemeClr val="tx1">
+            <a:lumMod val="35000"/>
+            <a:lumOff val="65000"/>
+          </a:schemeClr>
+        </a:solidFill>
+        <a:round/>
+      </a:ln>
+    </cs:spPr>
+  </cs:dropLine>
+  <cs:errorBar>
+    <cs:lnRef idx="0"/>
+    <cs:fillRef idx="0"/>
+    <cs:effectRef idx="0"/>
+    <cs:fontRef idx="minor">
+      <a:schemeClr val="tx1"/>
+    </cs:fontRef>
+    <cs:spPr>
+      <a:ln w="9525" cap="flat" cmpd="sng" algn="ctr">
+        <a:solidFill>
+          <a:schemeClr val="tx1">
+            <a:lumMod val="65000"/>
+            <a:lumOff val="35000"/>
+          </a:schemeClr>
+        </a:solidFill>
+        <a:round/>
+      </a:ln>
+    </cs:spPr>
+  </cs:errorBar>
+  <cs:floor>
+    <cs:lnRef idx="0"/>
+    <cs:fillRef idx="0"/>
+    <cs:effectRef idx="0"/>
+    <cs:fontRef idx="minor">
+      <a:schemeClr val="tx1"/>
+    </cs:fontRef>
+    <cs:spPr>
+      <a:noFill/>
+      <a:ln>
+        <a:noFill/>
+      </a:ln>
+    </cs:spPr>
+  </cs:floor>
+  <cs:gridlineMajor>
+    <cs:lnRef idx="0"/>
+    <cs:fillRef idx="0"/>
+    <cs:effectRef idx="0"/>
+    <cs:fontRef idx="minor">
+      <a:schemeClr val="tx1"/>
+    </cs:fontRef>
+    <cs:spPr>
+      <a:ln w="9525" cap="flat" cmpd="sng" algn="ctr">
+        <a:solidFill>
+          <a:schemeClr val="tx1">
+            <a:lumMod val="15000"/>
+            <a:lumOff val="85000"/>
+          </a:schemeClr>
+        </a:solidFill>
+        <a:round/>
+      </a:ln>
+    </cs:spPr>
+  </cs:gridlineMajor>
+  <cs:gridlineMinor>
+    <cs:lnRef idx="0"/>
+    <cs:fillRef idx="0"/>
+    <cs:effectRef idx="0"/>
+    <cs:fontRef idx="minor">
+      <a:schemeClr val="tx1"/>
+    </cs:fontRef>
+    <cs:spPr>
+      <a:ln w="9525" cap="flat" cmpd="sng" algn="ctr">
+        <a:solidFill>
+          <a:schemeClr val="tx1">
+            <a:lumMod val="5000"/>
+            <a:lumOff val="95000"/>
+          </a:schemeClr>
+        </a:solidFill>
+        <a:round/>
+      </a:ln>
+    </cs:spPr>
+  </cs:gridlineMinor>
+  <cs:hiLoLine>
+    <cs:lnRef idx="0"/>
+    <cs:fillRef idx="0"/>
+    <cs:effectRef idx="0"/>
+    <cs:fontRef idx="minor">
+      <a:schemeClr val="tx1"/>
+    </cs:fontRef>
+    <cs:spPr>
+      <a:ln w="9525" cap="flat" cmpd="sng" algn="ctr">
+        <a:solidFill>
+          <a:schemeClr val="tx1">
+            <a:lumMod val="75000"/>
+            <a:lumOff val="25000"/>
+          </a:schemeClr>
+        </a:solidFill>
+        <a:round/>
+      </a:ln>
+    </cs:spPr>
+  </cs:hiLoLine>
+  <cs:leaderLine>
+    <cs:lnRef idx="0"/>
+    <cs:fillRef idx="0"/>
+    <cs:effectRef idx="0"/>
+    <cs:fontRef idx="minor">
+      <a:schemeClr val="tx1"/>
+    </cs:fontRef>
+    <cs:spPr>
+      <a:ln w="9525" cap="flat" cmpd="sng" algn="ctr">
+        <a:solidFill>
+          <a:schemeClr val="tx1">
+            <a:lumMod val="35000"/>
+            <a:lumOff val="65000"/>
+          </a:schemeClr>
+        </a:solidFill>
+        <a:round/>
+      </a:ln>
+    </cs:spPr>
+  </cs:leaderLine>
+  <cs:legend>
+    <cs:lnRef idx="0"/>
+    <cs:fillRef idx="0"/>
+    <cs:effectRef idx="0"/>
+    <cs:fontRef idx="minor">
+      <a:schemeClr val="tx1">
+        <a:lumMod val="65000"/>
+        <a:lumOff val="35000"/>
+      </a:schemeClr>
+    </cs:fontRef>
+    <cs:defRPr sz="900" kern="1200"/>
+  </cs:legend>
+  <cs:plotArea mods="allowNoFillOverride allowNoLineOverride">
+    <cs:lnRef idx="0"/>
+    <cs:fillRef idx="0"/>
+    <cs:effectRef idx="0"/>
+    <cs:fontRef idx="minor">
+      <a:schemeClr val="tx1"/>
+    </cs:fontRef>
+  </cs:plotArea>
+  <cs:plotArea3D mods="allowNoFillOverride allowNoLineOverride">
+    <cs:lnRef idx="0"/>
+    <cs:fillRef idx="0"/>
+    <cs:effectRef idx="0"/>
+    <cs:fontRef idx="minor">
+      <a:schemeClr val="tx1"/>
+    </cs:fontRef>
+  </cs:plotArea3D>
+  <cs:seriesAxis>
+    <cs:lnRef idx="0"/>
+    <cs:fillRef idx="0"/>
+    <cs:effectRef idx="0"/>
+    <cs:fontRef idx="minor">
+      <a:schemeClr val="tx1">
+        <a:lumMod val="65000"/>
+        <a:lumOff val="35000"/>
+      </a:schemeClr>
+    </cs:fontRef>
+    <cs:defRPr sz="900" kern="1200"/>
+  </cs:seriesAxis>
+  <cs:seriesLine>
+    <cs:lnRef idx="0"/>
+    <cs:fillRef idx="0"/>
+    <cs:effectRef idx="0"/>
+    <cs:fontRef idx="minor">
+      <a:schemeClr val="tx1"/>
+    </cs:fontRef>
+    <cs:spPr>
+      <a:ln w="9525" cap="flat" cmpd="sng" algn="ctr">
+        <a:solidFill>
+          <a:schemeClr val="tx1">
+            <a:lumMod val="35000"/>
+            <a:lumOff val="65000"/>
+          </a:schemeClr>
+        </a:solidFill>
+        <a:round/>
+      </a:ln>
+    </cs:spPr>
+  </cs:seriesLine>
+  <cs:title>
+    <cs:lnRef idx="0"/>
+    <cs:fillRef idx="0"/>
+    <cs:effectRef idx="0"/>
+    <cs:fontRef idx="minor">
+      <a:schemeClr val="tx1">
+        <a:lumMod val="65000"/>
+        <a:lumOff val="35000"/>
+      </a:schemeClr>
+    </cs:fontRef>
+    <cs:defRPr sz="1400" b="0" kern="1200" spc="0" baseline="0"/>
+  </cs:title>
+  <cs:trendline>
+    <cs:lnRef idx="0">
+      <cs:styleClr val="auto"/>
+    </cs:lnRef>
+    <cs:fillRef idx="0"/>
+    <cs:effectRef idx="0"/>
+    <cs:fontRef idx="minor">
+      <a:schemeClr val="tx1"/>
+    </cs:fontRef>
+    <cs:spPr>
+      <a:ln w="19050" cap="rnd">
+        <a:solidFill>
+          <a:schemeClr val="phClr"/>
+        </a:solidFill>
+        <a:prstDash val="sysDot"/>
+      </a:ln>
+    </cs:spPr>
+  </cs:trendline>
+  <cs:trendlineLabel>
+    <cs:lnRef idx="0"/>
+    <cs:fillRef idx="0"/>
+    <cs:effectRef idx="0"/>
+    <cs:fontRef idx="minor">
+      <a:schemeClr val="tx1">
+        <a:lumMod val="65000"/>
+        <a:lumOff val="35000"/>
+      </a:schemeClr>
+    </cs:fontRef>
+    <cs:defRPr sz="900" kern="1200"/>
+  </cs:trendlineLabel>
+  <cs:upBar>
+    <cs:lnRef idx="0"/>
+    <cs:fillRef idx="0"/>
+    <cs:effectRef idx="0"/>
+    <cs:fontRef idx="minor">
+      <a:schemeClr val="dk1"/>
+    </cs:fontRef>
+    <cs:spPr>
+      <a:solidFill>
+        <a:schemeClr val="lt1"/>
+      </a:solidFill>
+      <a:ln w="9525">
+        <a:solidFill>
+          <a:schemeClr val="tx1">
+            <a:lumMod val="15000"/>
+            <a:lumOff val="85000"/>
+          </a:schemeClr>
+        </a:solidFill>
+      </a:ln>
+    </cs:spPr>
+  </cs:upBar>
+  <cs:valueAxis>
+    <cs:lnRef idx="0"/>
+    <cs:fillRef idx="0"/>
+    <cs:effectRef idx="0"/>
+    <cs:fontRef idx="minor">
+      <a:schemeClr val="tx1">
+        <a:lumMod val="65000"/>
+        <a:lumOff val="35000"/>
+      </a:schemeClr>
+    </cs:fontRef>
+    <cs:defRPr sz="900" kern="1200"/>
+  </cs:valueAxis>
+  <cs:wall>
+    <cs:lnRef idx="0"/>
+    <cs:fillRef idx="0"/>
+    <cs:effectRef idx="0"/>
+    <cs:fontRef idx="minor">
+      <a:schemeClr val="tx1"/>
+    </cs:fontRef>
+    <cs:spPr>
+      <a:noFill/>
+      <a:ln>
+        <a:noFill/>
+      </a:ln>
+    </cs:spPr>
+  </cs:wall>
+</cs:chartStyle>
+</file>
+
+<file path=ppt/charts/style3.xml><?xml version="1.0" encoding="utf-8"?>
+<cs:chartStyle xmlns:cs="http://schemas.microsoft.com/office/drawing/2012/chartStyle" xmlns:a="http://schemas.openxmlformats.org/drawingml/2006/main" id="201">
+  <cs:axisTitle>
+    <cs:lnRef idx="0"/>
+    <cs:fillRef idx="0"/>
+    <cs:effectRef idx="0"/>
+    <cs:fontRef idx="minor">
+      <a:schemeClr val="tx1">
+        <a:lumMod val="65000"/>
+        <a:lumOff val="35000"/>
+      </a:schemeClr>
+    </cs:fontRef>
+    <cs:defRPr sz="1000" kern="1200"/>
+  </cs:axisTitle>
+  <cs:categoryAxis>
+    <cs:lnRef idx="0"/>
+    <cs:fillRef idx="0"/>
+    <cs:effectRef idx="0"/>
+    <cs:fontRef idx="minor">
+      <a:schemeClr val="tx1">
+        <a:lumMod val="65000"/>
+        <a:lumOff val="35000"/>
+      </a:schemeClr>
+    </cs:fontRef>
+    <cs:spPr>
+      <a:ln w="9525" cap="flat" cmpd="sng" algn="ctr">
+        <a:solidFill>
+          <a:schemeClr val="tx1">
+            <a:lumMod val="15000"/>
+            <a:lumOff val="85000"/>
+          </a:schemeClr>
+        </a:solidFill>
+        <a:round/>
+      </a:ln>
+    </cs:spPr>
+    <cs:defRPr sz="900" kern="1200"/>
+  </cs:categoryAxis>
+  <cs:chartArea mods="allowNoFillOverride allowNoLineOverride">
+    <cs:lnRef idx="0"/>
+    <cs:fillRef idx="0"/>
+    <cs:effectRef idx="0"/>
+    <cs:fontRef idx="minor">
+      <a:schemeClr val="tx1"/>
+    </cs:fontRef>
+    <cs:spPr>
+      <a:solidFill>
+        <a:schemeClr val="bg1"/>
+      </a:solidFill>
+      <a:ln w="9525" cap="flat" cmpd="sng" algn="ctr">
+        <a:solidFill>
+          <a:schemeClr val="tx1">
+            <a:lumMod val="15000"/>
+            <a:lumOff val="85000"/>
+          </a:schemeClr>
+        </a:solidFill>
+        <a:round/>
+      </a:ln>
+    </cs:spPr>
+    <cs:defRPr sz="1000" kern="1200"/>
+  </cs:chartArea>
+  <cs:dataLabel>
+    <cs:lnRef idx="0"/>
+    <cs:fillRef idx="0"/>
+    <cs:effectRef idx="0"/>
+    <cs:fontRef idx="minor">
+      <a:schemeClr val="tx1">
+        <a:lumMod val="75000"/>
+        <a:lumOff val="25000"/>
+      </a:schemeClr>
+    </cs:fontRef>
+    <cs:defRPr sz="900" kern="1200"/>
+  </cs:dataLabel>
+  <cs:dataLabelCallout>
+    <cs:lnRef idx="0"/>
+    <cs:fillRef idx="0"/>
+    <cs:effectRef idx="0"/>
+    <cs:fontRef idx="minor">
+      <a:schemeClr val="dk1">
+        <a:lumMod val="65000"/>
+        <a:lumOff val="35000"/>
+      </a:schemeClr>
+    </cs:fontRef>
+    <cs:spPr>
+      <a:solidFill>
+        <a:schemeClr val="lt1"/>
+      </a:solidFill>
+      <a:ln>
+        <a:solidFill>
+          <a:schemeClr val="dk1">
+            <a:lumMod val="25000"/>
+            <a:lumOff val="75000"/>
+          </a:schemeClr>
+        </a:solidFill>
+      </a:ln>
+    </cs:spPr>
+    <cs:defRPr sz="900" kern="1200"/>
+    <cs:bodyPr rot="0" spcFirstLastPara="1" vertOverflow="clip" horzOverflow="clip" vert="horz" wrap="square" lIns="36576" tIns="18288" rIns="36576" bIns="18288" anchor="ctr" anchorCtr="1">
+      <a:spAutoFit/>
+    </cs:bodyPr>
+  </cs:dataLabelCallout>
+  <cs:dataPoint>
+    <cs:lnRef idx="0"/>
+    <cs:fillRef idx="1">
+      <cs:styleClr val="auto"/>
+    </cs:fillRef>
+    <cs:effectRef idx="0"/>
+    <cs:fontRef idx="minor">
+      <a:schemeClr val="tx1"/>
+    </cs:fontRef>
+  </cs:dataPoint>
+  <cs:dataPoint3D>
+    <cs:lnRef idx="0"/>
+    <cs:fillRef idx="1">
+      <cs:styleClr val="auto"/>
+    </cs:fillRef>
+    <cs:effectRef idx="0"/>
+    <cs:fontRef idx="minor">
+      <a:schemeClr val="tx1"/>
+    </cs:fontRef>
+  </cs:dataPoint3D>
+  <cs:dataPointLine>
+    <cs:lnRef idx="0">
+      <cs:styleClr val="auto"/>
+    </cs:lnRef>
+    <cs:fillRef idx="1"/>
+    <cs:effectRef idx="0"/>
+    <cs:fontRef idx="minor">
+      <a:schemeClr val="tx1"/>
+    </cs:fontRef>
+    <cs:spPr>
+      <a:ln w="28575" cap="rnd">
+        <a:solidFill>
+          <a:schemeClr val="phClr"/>
+        </a:solidFill>
+        <a:round/>
+      </a:ln>
+    </cs:spPr>
+  </cs:dataPointLine>
+  <cs:dataPointMarker>
+    <cs:lnRef idx="0">
+      <cs:styleClr val="auto"/>
+    </cs:lnRef>
+    <cs:fillRef idx="1">
+      <cs:styleClr val="auto"/>
+    </cs:fillRef>
+    <cs:effectRef idx="0"/>
+    <cs:fontRef idx="minor">
+      <a:schemeClr val="tx1"/>
+    </cs:fontRef>
+    <cs:spPr>
+      <a:ln w="9525">
+        <a:solidFill>
+          <a:schemeClr val="phClr"/>
+        </a:solidFill>
+      </a:ln>
+    </cs:spPr>
+  </cs:dataPointMarker>
+  <cs:dataPointMarkerLayout symbol="circle" size="5"/>
+  <cs:dataPointWireframe>
+    <cs:lnRef idx="0">
+      <cs:styleClr val="auto"/>
+    </cs:lnRef>
+    <cs:fillRef idx="1"/>
+    <cs:effectRef idx="0"/>
+    <cs:fontRef idx="minor">
+      <a:schemeClr val="tx1"/>
+    </cs:fontRef>
+    <cs:spPr>
+      <a:ln w="9525" cap="rnd">
+        <a:solidFill>
+          <a:schemeClr val="phClr"/>
+        </a:solidFill>
+        <a:round/>
+      </a:ln>
+    </cs:spPr>
+  </cs:dataPointWireframe>
+  <cs:dataTable>
+    <cs:lnRef idx="0"/>
+    <cs:fillRef idx="0"/>
+    <cs:effectRef idx="0"/>
+    <cs:fontRef idx="minor">
+      <a:schemeClr val="tx1">
+        <a:lumMod val="65000"/>
+        <a:lumOff val="35000"/>
+      </a:schemeClr>
+    </cs:fontRef>
+    <cs:spPr>
+      <a:noFill/>
+      <a:ln w="9525" cap="flat" cmpd="sng" algn="ctr">
+        <a:solidFill>
+          <a:schemeClr val="tx1">
+            <a:lumMod val="15000"/>
+            <a:lumOff val="85000"/>
+          </a:schemeClr>
+        </a:solidFill>
+        <a:round/>
+      </a:ln>
+    </cs:spPr>
+    <cs:defRPr sz="900" kern="1200"/>
+  </cs:dataTable>
+  <cs:downBar>
+    <cs:lnRef idx="0"/>
+    <cs:fillRef idx="0"/>
+    <cs:effectRef idx="0"/>
+    <cs:fontRef idx="minor">
+      <a:schemeClr val="dk1"/>
+    </cs:fontRef>
+    <cs:spPr>
+      <a:solidFill>
+        <a:schemeClr val="dk1">
+          <a:lumMod val="65000"/>
+          <a:lumOff val="35000"/>
+        </a:schemeClr>
+      </a:solidFill>
+      <a:ln w="9525">
+        <a:solidFill>
+          <a:schemeClr val="tx1">
+            <a:lumMod val="65000"/>
+            <a:lumOff val="35000"/>
+          </a:schemeClr>
+        </a:solidFill>
+      </a:ln>
+    </cs:spPr>
+  </cs:downBar>
+  <cs:dropLine>
+    <cs:lnRef idx="0"/>
+    <cs:fillRef idx="0"/>
+    <cs:effectRef idx="0"/>
+    <cs:fontRef idx="minor">
+      <a:schemeClr val="tx1"/>
+    </cs:fontRef>
+    <cs:spPr>
+      <a:ln w="9525" cap="flat" cmpd="sng" algn="ctr">
+        <a:solidFill>
+          <a:schemeClr val="tx1">
+            <a:lumMod val="35000"/>
+            <a:lumOff val="65000"/>
+          </a:schemeClr>
+        </a:solidFill>
+        <a:round/>
+      </a:ln>
+    </cs:spPr>
+  </cs:dropLine>
+  <cs:errorBar>
+    <cs:lnRef idx="0"/>
+    <cs:fillRef idx="0"/>
+    <cs:effectRef idx="0"/>
+    <cs:fontRef idx="minor">
+      <a:schemeClr val="tx1"/>
+    </cs:fontRef>
+    <cs:spPr>
+      <a:ln w="9525" cap="flat" cmpd="sng" algn="ctr">
+        <a:solidFill>
+          <a:schemeClr val="tx1">
+            <a:lumMod val="65000"/>
+            <a:lumOff val="35000"/>
+          </a:schemeClr>
+        </a:solidFill>
+        <a:round/>
+      </a:ln>
+    </cs:spPr>
+  </cs:errorBar>
+  <cs:floor>
+    <cs:lnRef idx="0"/>
+    <cs:fillRef idx="0"/>
+    <cs:effectRef idx="0"/>
+    <cs:fontRef idx="minor">
+      <a:schemeClr val="tx1"/>
+    </cs:fontRef>
+    <cs:spPr>
+      <a:noFill/>
+      <a:ln>
+        <a:noFill/>
+      </a:ln>
+    </cs:spPr>
+  </cs:floor>
+  <cs:gridlineMajor>
+    <cs:lnRef idx="0"/>
+    <cs:fillRef idx="0"/>
+    <cs:effectRef idx="0"/>
+    <cs:fontRef idx="minor">
+      <a:schemeClr val="tx1"/>
+    </cs:fontRef>
+    <cs:spPr>
+      <a:ln w="9525" cap="flat" cmpd="sng" algn="ctr">
+        <a:solidFill>
+          <a:schemeClr val="tx1">
+            <a:lumMod val="15000"/>
+            <a:lumOff val="85000"/>
+          </a:schemeClr>
+        </a:solidFill>
+        <a:round/>
+      </a:ln>
+    </cs:spPr>
+  </cs:gridlineMajor>
+  <cs:gridlineMinor>
+    <cs:lnRef idx="0"/>
+    <cs:fillRef idx="0"/>
+    <cs:effectRef idx="0"/>
+    <cs:fontRef idx="minor">
+      <a:schemeClr val="tx1"/>
+    </cs:fontRef>
+    <cs:spPr>
+      <a:ln w="9525" cap="flat" cmpd="sng" algn="ctr">
+        <a:solidFill>
+          <a:schemeClr val="tx1">
+            <a:lumMod val="5000"/>
+            <a:lumOff val="95000"/>
+          </a:schemeClr>
+        </a:solidFill>
+        <a:round/>
+      </a:ln>
+    </cs:spPr>
+  </cs:gridlineMinor>
+  <cs:hiLoLine>
+    <cs:lnRef idx="0"/>
+    <cs:fillRef idx="0"/>
+    <cs:effectRef idx="0"/>
+    <cs:fontRef idx="minor">
+      <a:schemeClr val="tx1"/>
+    </cs:fontRef>
+    <cs:spPr>
+      <a:ln w="9525" cap="flat" cmpd="sng" algn="ctr">
+        <a:solidFill>
+          <a:schemeClr val="tx1">
+            <a:lumMod val="75000"/>
+            <a:lumOff val="25000"/>
+          </a:schemeClr>
+        </a:solidFill>
+        <a:round/>
+      </a:ln>
+    </cs:spPr>
+  </cs:hiLoLine>
+  <cs:leaderLine>
+    <cs:lnRef idx="0"/>
+    <cs:fillRef idx="0"/>
+    <cs:effectRef idx="0"/>
+    <cs:fontRef idx="minor">
+      <a:schemeClr val="tx1"/>
+    </cs:fontRef>
+    <cs:spPr>
+      <a:ln w="9525" cap="flat" cmpd="sng" algn="ctr">
+        <a:solidFill>
+          <a:schemeClr val="tx1">
+            <a:lumMod val="35000"/>
+            <a:lumOff val="65000"/>
+          </a:schemeClr>
+        </a:solidFill>
+        <a:round/>
+      </a:ln>
+    </cs:spPr>
+  </cs:leaderLine>
+  <cs:legend>
+    <cs:lnRef idx="0"/>
+    <cs:fillRef idx="0"/>
+    <cs:effectRef idx="0"/>
+    <cs:fontRef idx="minor">
+      <a:schemeClr val="tx1">
+        <a:lumMod val="65000"/>
+        <a:lumOff val="35000"/>
+      </a:schemeClr>
+    </cs:fontRef>
+    <cs:defRPr sz="900" kern="1200"/>
+  </cs:legend>
+  <cs:plotArea mods="allowNoFillOverride allowNoLineOverride">
+    <cs:lnRef idx="0"/>
+    <cs:fillRef idx="0"/>
+    <cs:effectRef idx="0"/>
+    <cs:fontRef idx="minor">
+      <a:schemeClr val="tx1"/>
+    </cs:fontRef>
+  </cs:plotArea>
+  <cs:plotArea3D mods="allowNoFillOverride allowNoLineOverride">
+    <cs:lnRef idx="0"/>
+    <cs:fillRef idx="0"/>
+    <cs:effectRef idx="0"/>
+    <cs:fontRef idx="minor">
+      <a:schemeClr val="tx1"/>
+    </cs:fontRef>
+  </cs:plotArea3D>
+  <cs:seriesAxis>
+    <cs:lnRef idx="0"/>
+    <cs:fillRef idx="0"/>
+    <cs:effectRef idx="0"/>
+    <cs:fontRef idx="minor">
+      <a:schemeClr val="tx1">
+        <a:lumMod val="65000"/>
+        <a:lumOff val="35000"/>
+      </a:schemeClr>
+    </cs:fontRef>
+    <cs:defRPr sz="900" kern="1200"/>
+  </cs:seriesAxis>
+  <cs:seriesLine>
+    <cs:lnRef idx="0"/>
+    <cs:fillRef idx="0"/>
+    <cs:effectRef idx="0"/>
+    <cs:fontRef idx="minor">
+      <a:schemeClr val="tx1"/>
+    </cs:fontRef>
+    <cs:spPr>
+      <a:ln w="9525" cap="flat" cmpd="sng" algn="ctr">
+        <a:solidFill>
+          <a:schemeClr val="tx1">
+            <a:lumMod val="35000"/>
+            <a:lumOff val="65000"/>
+          </a:schemeClr>
+        </a:solidFill>
+        <a:round/>
+      </a:ln>
+    </cs:spPr>
+  </cs:seriesLine>
+  <cs:title>
+    <cs:lnRef idx="0"/>
+    <cs:fillRef idx="0"/>
+    <cs:effectRef idx="0"/>
+    <cs:fontRef idx="minor">
+      <a:schemeClr val="tx1">
+        <a:lumMod val="65000"/>
+        <a:lumOff val="35000"/>
+      </a:schemeClr>
+    </cs:fontRef>
+    <cs:defRPr sz="1400" b="0" kern="1200" spc="0" baseline="0"/>
+  </cs:title>
+  <cs:trendline>
+    <cs:lnRef idx="0">
+      <cs:styleClr val="auto"/>
+    </cs:lnRef>
+    <cs:fillRef idx="0"/>
+    <cs:effectRef idx="0"/>
+    <cs:fontRef idx="minor">
+      <a:schemeClr val="tx1"/>
+    </cs:fontRef>
+    <cs:spPr>
+      <a:ln w="19050" cap="rnd">
+        <a:solidFill>
+          <a:schemeClr val="phClr"/>
+        </a:solidFill>
+        <a:prstDash val="sysDot"/>
+      </a:ln>
+    </cs:spPr>
+  </cs:trendline>
+  <cs:trendlineLabel>
+    <cs:lnRef idx="0"/>
+    <cs:fillRef idx="0"/>
+    <cs:effectRef idx="0"/>
+    <cs:fontRef idx="minor">
+      <a:schemeClr val="tx1">
+        <a:lumMod val="65000"/>
+        <a:lumOff val="35000"/>
+      </a:schemeClr>
+    </cs:fontRef>
+    <cs:defRPr sz="900" kern="1200"/>
+  </cs:trendlineLabel>
+  <cs:upBar>
+    <cs:lnRef idx="0"/>
+    <cs:fillRef idx="0"/>
+    <cs:effectRef idx="0"/>
+    <cs:fontRef idx="minor">
+      <a:schemeClr val="dk1"/>
+    </cs:fontRef>
+    <cs:spPr>
+      <a:solidFill>
+        <a:schemeClr val="lt1"/>
+      </a:solidFill>
+      <a:ln w="9525">
+        <a:solidFill>
+          <a:schemeClr val="tx1">
+            <a:lumMod val="15000"/>
+            <a:lumOff val="85000"/>
+          </a:schemeClr>
+        </a:solidFill>
+      </a:ln>
+    </cs:spPr>
+  </cs:upBar>
+  <cs:valueAxis>
+    <cs:lnRef idx="0"/>
+    <cs:fillRef idx="0"/>
+    <cs:effectRef idx="0"/>
+    <cs:fontRef idx="minor">
+      <a:schemeClr val="tx1">
+        <a:lumMod val="65000"/>
+        <a:lumOff val="35000"/>
+      </a:schemeClr>
+    </cs:fontRef>
+    <cs:defRPr sz="900" kern="1200"/>
+  </cs:valueAxis>
+  <cs:wall>
+    <cs:lnRef idx="0"/>
+    <cs:fillRef idx="0"/>
+    <cs:effectRef idx="0"/>
+    <cs:fontRef idx="minor">
+      <a:schemeClr val="tx1"/>
+    </cs:fontRef>
+    <cs:spPr>
+      <a:noFill/>
+      <a:ln>
+        <a:noFill/>
+      </a:ln>
+    </cs:spPr>
+  </cs:wall>
+</cs:chartStyle>
+</file>
+
+<file path=ppt/charts/style4.xml><?xml version="1.0" encoding="utf-8"?>
+<cs:chartStyle xmlns:cs="http://schemas.microsoft.com/office/drawing/2012/chartStyle" xmlns:a="http://schemas.openxmlformats.org/drawingml/2006/main" id="201">
+  <cs:axisTitle>
+    <cs:lnRef idx="0"/>
+    <cs:fillRef idx="0"/>
+    <cs:effectRef idx="0"/>
+    <cs:fontRef idx="minor">
+      <a:schemeClr val="tx1">
+        <a:lumMod val="65000"/>
+        <a:lumOff val="35000"/>
+      </a:schemeClr>
+    </cs:fontRef>
+    <cs:defRPr sz="1000" kern="1200"/>
+  </cs:axisTitle>
+  <cs:categoryAxis>
+    <cs:lnRef idx="0"/>
+    <cs:fillRef idx="0"/>
+    <cs:effectRef idx="0"/>
+    <cs:fontRef idx="minor">
+      <a:schemeClr val="tx1">
+        <a:lumMod val="65000"/>
+        <a:lumOff val="35000"/>
+      </a:schemeClr>
+    </cs:fontRef>
+    <cs:spPr>
+      <a:ln w="9525" cap="flat" cmpd="sng" algn="ctr">
+        <a:solidFill>
+          <a:schemeClr val="tx1">
+            <a:lumMod val="15000"/>
+            <a:lumOff val="85000"/>
+          </a:schemeClr>
+        </a:solidFill>
+        <a:round/>
+      </a:ln>
+    </cs:spPr>
+    <cs:defRPr sz="900" kern="1200"/>
+  </cs:categoryAxis>
+  <cs:chartArea mods="allowNoFillOverride allowNoLineOverride">
+    <cs:lnRef idx="0"/>
+    <cs:fillRef idx="0"/>
+    <cs:effectRef idx="0"/>
+    <cs:fontRef idx="minor">
+      <a:schemeClr val="tx1"/>
+    </cs:fontRef>
+    <cs:spPr>
+      <a:solidFill>
+        <a:schemeClr val="bg1"/>
+      </a:solidFill>
+      <a:ln w="9525" cap="flat" cmpd="sng" algn="ctr">
+        <a:solidFill>
+          <a:schemeClr val="tx1">
+            <a:lumMod val="15000"/>
+            <a:lumOff val="85000"/>
+          </a:schemeClr>
+        </a:solidFill>
+        <a:round/>
+      </a:ln>
+    </cs:spPr>
+    <cs:defRPr sz="1000" kern="1200"/>
+  </cs:chartArea>
+  <cs:dataLabel>
+    <cs:lnRef idx="0"/>
+    <cs:fillRef idx="0"/>
+    <cs:effectRef idx="0"/>
+    <cs:fontRef idx="minor">
+      <a:schemeClr val="tx1">
+        <a:lumMod val="75000"/>
+        <a:lumOff val="25000"/>
+      </a:schemeClr>
+    </cs:fontRef>
+    <cs:defRPr sz="900" kern="1200"/>
+  </cs:dataLabel>
+  <cs:dataLabelCallout>
+    <cs:lnRef idx="0"/>
+    <cs:fillRef idx="0"/>
+    <cs:effectRef idx="0"/>
+    <cs:fontRef idx="minor">
+      <a:schemeClr val="dk1">
+        <a:lumMod val="65000"/>
+        <a:lumOff val="35000"/>
+      </a:schemeClr>
+    </cs:fontRef>
+    <cs:spPr>
+      <a:solidFill>
+        <a:schemeClr val="lt1"/>
+      </a:solidFill>
+      <a:ln>
+        <a:solidFill>
+          <a:schemeClr val="dk1">
+            <a:lumMod val="25000"/>
+            <a:lumOff val="75000"/>
+          </a:schemeClr>
+        </a:solidFill>
+      </a:ln>
+    </cs:spPr>
+    <cs:defRPr sz="900" kern="1200"/>
+    <cs:bodyPr rot="0" spcFirstLastPara="1" vertOverflow="clip" horzOverflow="clip" vert="horz" wrap="square" lIns="36576" tIns="18288" rIns="36576" bIns="18288" anchor="ctr" anchorCtr="1">
+      <a:spAutoFit/>
+    </cs:bodyPr>
+  </cs:dataLabelCallout>
+  <cs:dataPoint>
+    <cs:lnRef idx="0"/>
+    <cs:fillRef idx="1">
+      <cs:styleClr val="auto"/>
+    </cs:fillRef>
+    <cs:effectRef idx="0"/>
+    <cs:fontRef idx="minor">
+      <a:schemeClr val="tx1"/>
+    </cs:fontRef>
+  </cs:dataPoint>
+  <cs:dataPoint3D>
+    <cs:lnRef idx="0"/>
+    <cs:fillRef idx="1">
+      <cs:styleClr val="auto"/>
+    </cs:fillRef>
+    <cs:effectRef idx="0"/>
+    <cs:fontRef idx="minor">
+      <a:schemeClr val="tx1"/>
+    </cs:fontRef>
+  </cs:dataPoint3D>
+  <cs:dataPointLine>
+    <cs:lnRef idx="0">
+      <cs:styleClr val="auto"/>
+    </cs:lnRef>
+    <cs:fillRef idx="1"/>
+    <cs:effectRef idx="0"/>
+    <cs:fontRef idx="minor">
+      <a:schemeClr val="tx1"/>
+    </cs:fontRef>
+    <cs:spPr>
+      <a:ln w="28575" cap="rnd">
+        <a:solidFill>
+          <a:schemeClr val="phClr"/>
+        </a:solidFill>
+        <a:round/>
+      </a:ln>
+    </cs:spPr>
+  </cs:dataPointLine>
+  <cs:dataPointMarker>
+    <cs:lnRef idx="0">
+      <cs:styleClr val="auto"/>
+    </cs:lnRef>
+    <cs:fillRef idx="1">
+      <cs:styleClr val="auto"/>
+    </cs:fillRef>
+    <cs:effectRef idx="0"/>
+    <cs:fontRef idx="minor">
+      <a:schemeClr val="tx1"/>
+    </cs:fontRef>
+    <cs:spPr>
+      <a:ln w="9525">
+        <a:solidFill>
+          <a:schemeClr val="phClr"/>
+        </a:solidFill>
+      </a:ln>
+    </cs:spPr>
+  </cs:dataPointMarker>
+  <cs:dataPointMarkerLayout symbol="circle" size="5"/>
+  <cs:dataPointWireframe>
+    <cs:lnRef idx="0">
+      <cs:styleClr val="auto"/>
+    </cs:lnRef>
+    <cs:fillRef idx="1"/>
+    <cs:effectRef idx="0"/>
+    <cs:fontRef idx="minor">
+      <a:schemeClr val="tx1"/>
+    </cs:fontRef>
+    <cs:spPr>
+      <a:ln w="9525" cap="rnd">
+        <a:solidFill>
+          <a:schemeClr val="phClr"/>
+        </a:solidFill>
+        <a:round/>
+      </a:ln>
+    </cs:spPr>
+  </cs:dataPointWireframe>
+  <cs:dataTable>
+    <cs:lnRef idx="0"/>
+    <cs:fillRef idx="0"/>
+    <cs:effectRef idx="0"/>
+    <cs:fontRef idx="minor">
+      <a:schemeClr val="tx1">
+        <a:lumMod val="65000"/>
+        <a:lumOff val="35000"/>
+      </a:schemeClr>
+    </cs:fontRef>
+    <cs:spPr>
+      <a:noFill/>
+      <a:ln w="9525" cap="flat" cmpd="sng" algn="ctr">
+        <a:solidFill>
+          <a:schemeClr val="tx1">
+            <a:lumMod val="15000"/>
+            <a:lumOff val="85000"/>
+          </a:schemeClr>
+        </a:solidFill>
+        <a:round/>
+      </a:ln>
+    </cs:spPr>
+    <cs:defRPr sz="900" kern="1200"/>
+  </cs:dataTable>
+  <cs:downBar>
+    <cs:lnRef idx="0"/>
+    <cs:fillRef idx="0"/>
+    <cs:effectRef idx="0"/>
+    <cs:fontRef idx="minor">
+      <a:schemeClr val="dk1"/>
+    </cs:fontRef>
+    <cs:spPr>
+      <a:solidFill>
+        <a:schemeClr val="dk1">
+          <a:lumMod val="65000"/>
+          <a:lumOff val="35000"/>
+        </a:schemeClr>
+      </a:solidFill>
+      <a:ln w="9525">
+        <a:solidFill>
+          <a:schemeClr val="tx1">
+            <a:lumMod val="65000"/>
+            <a:lumOff val="35000"/>
+          </a:schemeClr>
+        </a:solidFill>
+      </a:ln>
+    </cs:spPr>
+  </cs:downBar>
+  <cs:dropLine>
+    <cs:lnRef idx="0"/>
+    <cs:fillRef idx="0"/>
+    <cs:effectRef idx="0"/>
+    <cs:fontRef idx="minor">
+      <a:schemeClr val="tx1"/>
+    </cs:fontRef>
+    <cs:spPr>
+      <a:ln w="9525" cap="flat" cmpd="sng" algn="ctr">
+        <a:solidFill>
+          <a:schemeClr val="tx1">
+            <a:lumMod val="35000"/>
+            <a:lumOff val="65000"/>
+          </a:schemeClr>
+        </a:solidFill>
+        <a:round/>
+      </a:ln>
+    </cs:spPr>
+  </cs:dropLine>
+  <cs:errorBar>
+    <cs:lnRef idx="0"/>
+    <cs:fillRef idx="0"/>
+    <cs:effectRef idx="0"/>
+    <cs:fontRef idx="minor">
+      <a:schemeClr val="tx1"/>
+    </cs:fontRef>
+    <cs:spPr>
+      <a:ln w="9525" cap="flat" cmpd="sng" algn="ctr">
+        <a:solidFill>
+          <a:schemeClr val="tx1">
+            <a:lumMod val="65000"/>
+            <a:lumOff val="35000"/>
+          </a:schemeClr>
+        </a:solidFill>
+        <a:round/>
+      </a:ln>
+    </cs:spPr>
+  </cs:errorBar>
+  <cs:floor>
+    <cs:lnRef idx="0"/>
+    <cs:fillRef idx="0"/>
+    <cs:effectRef idx="0"/>
+    <cs:fontRef idx="minor">
+      <a:schemeClr val="tx1"/>
+    </cs:fontRef>
+    <cs:spPr>
+      <a:noFill/>
+      <a:ln>
+        <a:noFill/>
+      </a:ln>
+    </cs:spPr>
+  </cs:floor>
+  <cs:gridlineMajor>
+    <cs:lnRef idx="0"/>
+    <cs:fillRef idx="0"/>
+    <cs:effectRef idx="0"/>
+    <cs:fontRef idx="minor">
+      <a:schemeClr val="tx1"/>
+    </cs:fontRef>
+    <cs:spPr>
+      <a:ln w="9525" cap="flat" cmpd="sng" algn="ctr">
+        <a:solidFill>
+          <a:schemeClr val="tx1">
+            <a:lumMod val="15000"/>
+            <a:lumOff val="85000"/>
+          </a:schemeClr>
+        </a:solidFill>
+        <a:round/>
+      </a:ln>
+    </cs:spPr>
+  </cs:gridlineMajor>
+  <cs:gridlineMinor>
+    <cs:lnRef idx="0"/>
+    <cs:fillRef idx="0"/>
+    <cs:effectRef idx="0"/>
+    <cs:fontRef idx="minor">
+      <a:schemeClr val="tx1"/>
+    </cs:fontRef>
+    <cs:spPr>
+      <a:ln w="9525" cap="flat" cmpd="sng" algn="ctr">
+        <a:solidFill>
+          <a:schemeClr val="tx1">
+            <a:lumMod val="5000"/>
+            <a:lumOff val="95000"/>
+          </a:schemeClr>
+        </a:solidFill>
+        <a:round/>
+      </a:ln>
+    </cs:spPr>
+  </cs:gridlineMinor>
+  <cs:hiLoLine>
+    <cs:lnRef idx="0"/>
+    <cs:fillRef idx="0"/>
+    <cs:effectRef idx="0"/>
+    <cs:fontRef idx="minor">
+      <a:schemeClr val="tx1"/>
+    </cs:fontRef>
+    <cs:spPr>
+      <a:ln w="9525" cap="flat" cmpd="sng" algn="ctr">
+        <a:solidFill>
+          <a:schemeClr val="tx1">
+            <a:lumMod val="75000"/>
+            <a:lumOff val="25000"/>
+          </a:schemeClr>
+        </a:solidFill>
+        <a:round/>
+      </a:ln>
+    </cs:spPr>
+  </cs:hiLoLine>
+  <cs:leaderLine>
+    <cs:lnRef idx="0"/>
+    <cs:fillRef idx="0"/>
+    <cs:effectRef idx="0"/>
+    <cs:fontRef idx="minor">
+      <a:schemeClr val="tx1"/>
+    </cs:fontRef>
+    <cs:spPr>
+      <a:ln w="9525" cap="flat" cmpd="sng" algn="ctr">
+        <a:solidFill>
+          <a:schemeClr val="tx1">
+            <a:lumMod val="35000"/>
+            <a:lumOff val="65000"/>
+          </a:schemeClr>
+        </a:solidFill>
+        <a:round/>
+      </a:ln>
+    </cs:spPr>
+  </cs:leaderLine>
+  <cs:legend>
+    <cs:lnRef idx="0"/>
+    <cs:fillRef idx="0"/>
+    <cs:effectRef idx="0"/>
+    <cs:fontRef idx="minor">
+      <a:schemeClr val="tx1">
+        <a:lumMod val="65000"/>
+        <a:lumOff val="35000"/>
+      </a:schemeClr>
+    </cs:fontRef>
+    <cs:defRPr sz="900" kern="1200"/>
+  </cs:legend>
+  <cs:plotArea mods="allowNoFillOverride allowNoLineOverride">
+    <cs:lnRef idx="0"/>
+    <cs:fillRef idx="0"/>
+    <cs:effectRef idx="0"/>
+    <cs:fontRef idx="minor">
+      <a:schemeClr val="tx1"/>
+    </cs:fontRef>
+  </cs:plotArea>
+  <cs:plotArea3D mods="allowNoFillOverride allowNoLineOverride">
+    <cs:lnRef idx="0"/>
+    <cs:fillRef idx="0"/>
+    <cs:effectRef idx="0"/>
+    <cs:fontRef idx="minor">
+      <a:schemeClr val="tx1"/>
+    </cs:fontRef>
+  </cs:plotArea3D>
+  <cs:seriesAxis>
+    <cs:lnRef idx="0"/>
+    <cs:fillRef idx="0"/>
+    <cs:effectRef idx="0"/>
+    <cs:fontRef idx="minor">
+      <a:schemeClr val="tx1">
+        <a:lumMod val="65000"/>
+        <a:lumOff val="35000"/>
+      </a:schemeClr>
+    </cs:fontRef>
+    <cs:defRPr sz="900" kern="1200"/>
+  </cs:seriesAxis>
+  <cs:seriesLine>
+    <cs:lnRef idx="0"/>
+    <cs:fillRef idx="0"/>
+    <cs:effectRef idx="0"/>
+    <cs:fontRef idx="minor">
+      <a:schemeClr val="tx1"/>
+    </cs:fontRef>
+    <cs:spPr>
+      <a:ln w="9525" cap="flat" cmpd="sng" algn="ctr">
+        <a:solidFill>
+          <a:schemeClr val="tx1">
+            <a:lumMod val="35000"/>
+            <a:lumOff val="65000"/>
+          </a:schemeClr>
+        </a:solidFill>
+        <a:round/>
+      </a:ln>
+    </cs:spPr>
+  </cs:seriesLine>
+  <cs:title>
+    <cs:lnRef idx="0"/>
+    <cs:fillRef idx="0"/>
+    <cs:effectRef idx="0"/>
+    <cs:fontRef idx="minor">
+      <a:schemeClr val="tx1">
+        <a:lumMod val="65000"/>
+        <a:lumOff val="35000"/>
+      </a:schemeClr>
+    </cs:fontRef>
+    <cs:defRPr sz="1400" b="0" kern="1200" spc="0" baseline="0"/>
+  </cs:title>
+  <cs:trendline>
+    <cs:lnRef idx="0">
+      <cs:styleClr val="auto"/>
+    </cs:lnRef>
+    <cs:fillRef idx="0"/>
+    <cs:effectRef idx="0"/>
+    <cs:fontRef idx="minor">
+      <a:schemeClr val="tx1"/>
+    </cs:fontRef>
+    <cs:spPr>
+      <a:ln w="19050" cap="rnd">
+        <a:solidFill>
+          <a:schemeClr val="phClr"/>
+        </a:solidFill>
+        <a:prstDash val="sysDot"/>
+      </a:ln>
+    </cs:spPr>
+  </cs:trendline>
+  <cs:trendlineLabel>
+    <cs:lnRef idx="0"/>
+    <cs:fillRef idx="0"/>
+    <cs:effectRef idx="0"/>
+    <cs:fontRef idx="minor">
+      <a:schemeClr val="tx1">
+        <a:lumMod val="65000"/>
+        <a:lumOff val="35000"/>
+      </a:schemeClr>
+    </cs:fontRef>
+    <cs:defRPr sz="900" kern="1200"/>
+  </cs:trendlineLabel>
+  <cs:upBar>
+    <cs:lnRef idx="0"/>
+    <cs:fillRef idx="0"/>
+    <cs:effectRef idx="0"/>
+    <cs:fontRef idx="minor">
+      <a:schemeClr val="dk1"/>
+    </cs:fontRef>
+    <cs:spPr>
+      <a:solidFill>
+        <a:schemeClr val="lt1"/>
+      </a:solidFill>
+      <a:ln w="9525">
+        <a:solidFill>
+          <a:schemeClr val="tx1">
+            <a:lumMod val="15000"/>
+            <a:lumOff val="85000"/>
+          </a:schemeClr>
+        </a:solidFill>
+      </a:ln>
+    </cs:spPr>
+  </cs:upBar>
+  <cs:valueAxis>
+    <cs:lnRef idx="0"/>
+    <cs:fillRef idx="0"/>
+    <cs:effectRef idx="0"/>
+    <cs:fontRef idx="minor">
+      <a:schemeClr val="tx1">
+        <a:lumMod val="65000"/>
+        <a:lumOff val="35000"/>
+      </a:schemeClr>
+    </cs:fontRef>
+    <cs:defRPr sz="900" kern="1200"/>
+  </cs:valueAxis>
+  <cs:wall>
+    <cs:lnRef idx="0"/>
+    <cs:fillRef idx="0"/>
+    <cs:effectRef idx="0"/>
+    <cs:fontRef idx="minor">
+      <a:schemeClr val="tx1"/>
+    </cs:fontRef>
+    <cs:spPr>
+      <a:noFill/>
+      <a:ln>
+        <a:noFill/>
+      </a:ln>
+    </cs:spPr>
+  </cs:wall>
+</cs:chartStyle>
 </file>
 
 <file path=ppt/slideLayouts/slideLayout1.xml><?xml version="1.0" encoding="utf-8"?>
@@ -260,7 +4384,7 @@
           <a:p>
             <a:fld id="{0887400A-A0E3-4601-AD5B-63CBBDF35B0B}" type="datetimeFigureOut">
               <a:rPr lang="ko-KR" altLang="en-US" smtClean="0"/>
-              <a:t>2021-09-12</a:t>
+              <a:t>2021-10-07</a:t>
             </a:fld>
             <a:endParaRPr lang="ko-KR" altLang="en-US"/>
           </a:p>
@@ -458,7 +4582,7 @@
           <a:p>
             <a:fld id="{0887400A-A0E3-4601-AD5B-63CBBDF35B0B}" type="datetimeFigureOut">
               <a:rPr lang="ko-KR" altLang="en-US" smtClean="0"/>
-              <a:t>2021-09-12</a:t>
+              <a:t>2021-10-07</a:t>
             </a:fld>
             <a:endParaRPr lang="ko-KR" altLang="en-US"/>
           </a:p>
@@ -666,7 +4790,7 @@
           <a:p>
             <a:fld id="{0887400A-A0E3-4601-AD5B-63CBBDF35B0B}" type="datetimeFigureOut">
               <a:rPr lang="ko-KR" altLang="en-US" smtClean="0"/>
-              <a:t>2021-09-12</a:t>
+              <a:t>2021-10-07</a:t>
             </a:fld>
             <a:endParaRPr lang="ko-KR" altLang="en-US"/>
           </a:p>
@@ -864,7 +4988,7 @@
           <a:p>
             <a:fld id="{0887400A-A0E3-4601-AD5B-63CBBDF35B0B}" type="datetimeFigureOut">
               <a:rPr lang="ko-KR" altLang="en-US" smtClean="0"/>
-              <a:t>2021-09-12</a:t>
+              <a:t>2021-10-07</a:t>
             </a:fld>
             <a:endParaRPr lang="ko-KR" altLang="en-US"/>
           </a:p>
@@ -1139,7 +5263,7 @@
           <a:p>
             <a:fld id="{0887400A-A0E3-4601-AD5B-63CBBDF35B0B}" type="datetimeFigureOut">
               <a:rPr lang="ko-KR" altLang="en-US" smtClean="0"/>
-              <a:t>2021-09-12</a:t>
+              <a:t>2021-10-07</a:t>
             </a:fld>
             <a:endParaRPr lang="ko-KR" altLang="en-US"/>
           </a:p>
@@ -1404,7 +5528,7 @@
           <a:p>
             <a:fld id="{0887400A-A0E3-4601-AD5B-63CBBDF35B0B}" type="datetimeFigureOut">
               <a:rPr lang="ko-KR" altLang="en-US" smtClean="0"/>
-              <a:t>2021-09-12</a:t>
+              <a:t>2021-10-07</a:t>
             </a:fld>
             <a:endParaRPr lang="ko-KR" altLang="en-US"/>
           </a:p>
@@ -1816,7 +5940,7 @@
           <a:p>
             <a:fld id="{0887400A-A0E3-4601-AD5B-63CBBDF35B0B}" type="datetimeFigureOut">
               <a:rPr lang="ko-KR" altLang="en-US" smtClean="0"/>
-              <a:t>2021-09-12</a:t>
+              <a:t>2021-10-07</a:t>
             </a:fld>
             <a:endParaRPr lang="ko-KR" altLang="en-US"/>
           </a:p>
@@ -1957,7 +6081,7 @@
           <a:p>
             <a:fld id="{0887400A-A0E3-4601-AD5B-63CBBDF35B0B}" type="datetimeFigureOut">
               <a:rPr lang="ko-KR" altLang="en-US" smtClean="0"/>
-              <a:t>2021-09-12</a:t>
+              <a:t>2021-10-07</a:t>
             </a:fld>
             <a:endParaRPr lang="ko-KR" altLang="en-US"/>
           </a:p>
@@ -2070,7 +6194,7 @@
           <a:p>
             <a:fld id="{0887400A-A0E3-4601-AD5B-63CBBDF35B0B}" type="datetimeFigureOut">
               <a:rPr lang="ko-KR" altLang="en-US" smtClean="0"/>
-              <a:t>2021-09-12</a:t>
+              <a:t>2021-10-07</a:t>
             </a:fld>
             <a:endParaRPr lang="ko-KR" altLang="en-US"/>
           </a:p>
@@ -2381,7 +6505,7 @@
           <a:p>
             <a:fld id="{0887400A-A0E3-4601-AD5B-63CBBDF35B0B}" type="datetimeFigureOut">
               <a:rPr lang="ko-KR" altLang="en-US" smtClean="0"/>
-              <a:t>2021-09-12</a:t>
+              <a:t>2021-10-07</a:t>
             </a:fld>
             <a:endParaRPr lang="ko-KR" altLang="en-US"/>
           </a:p>
@@ -2669,7 +6793,7 @@
           <a:p>
             <a:fld id="{0887400A-A0E3-4601-AD5B-63CBBDF35B0B}" type="datetimeFigureOut">
               <a:rPr lang="ko-KR" altLang="en-US" smtClean="0"/>
-              <a:t>2021-09-12</a:t>
+              <a:t>2021-10-07</a:t>
             </a:fld>
             <a:endParaRPr lang="ko-KR" altLang="en-US"/>
           </a:p>
@@ -2910,7 +7034,7 @@
           <a:p>
             <a:fld id="{0887400A-A0E3-4601-AD5B-63CBBDF35B0B}" type="datetimeFigureOut">
               <a:rPr lang="ko-KR" altLang="en-US" smtClean="0"/>
-              <a:t>2021-09-12</a:t>
+              <a:t>2021-10-07</a:t>
             </a:fld>
             <a:endParaRPr lang="ko-KR" altLang="en-US"/>
           </a:p>
@@ -3772,6 +7896,1963 @@
 </p:sld>
 </file>
 
+<file path=ppt/slides/slide10.xml><?xml version="1.0" encoding="utf-8"?>
+<p:sld xmlns:a="http://schemas.openxmlformats.org/drawingml/2006/main" xmlns:r="http://schemas.openxmlformats.org/officeDocument/2006/relationships" xmlns:p="http://schemas.openxmlformats.org/presentationml/2006/main">
+  <p:cSld>
+    <p:spTree>
+      <p:nvGrpSpPr>
+        <p:cNvPr id="1" name=""/>
+        <p:cNvGrpSpPr/>
+        <p:nvPr/>
+      </p:nvGrpSpPr>
+      <p:grpSpPr>
+        <a:xfrm>
+          <a:off x="0" y="0"/>
+          <a:ext cx="0" cy="0"/>
+          <a:chOff x="0" y="0"/>
+          <a:chExt cx="0" cy="0"/>
+        </a:xfrm>
+      </p:grpSpPr>
+      <p:pic>
+        <p:nvPicPr>
+          <p:cNvPr id="4" name="그림 3"/>
+          <p:cNvPicPr>
+            <a:picLocks noChangeAspect="1"/>
+          </p:cNvPicPr>
+          <p:nvPr/>
+        </p:nvPicPr>
+        <p:blipFill>
+          <a:blip r:embed="rId2"/>
+          <a:stretch>
+            <a:fillRect/>
+          </a:stretch>
+        </p:blipFill>
+        <p:spPr>
+          <a:xfrm>
+            <a:off x="751523" y="3829248"/>
+            <a:ext cx="4648200" cy="2453640"/>
+          </a:xfrm>
+          <a:prstGeom prst="rect">
+            <a:avLst/>
+          </a:prstGeom>
+        </p:spPr>
+      </p:pic>
+      <p:pic>
+        <p:nvPicPr>
+          <p:cNvPr id="7" name="그림 6"/>
+          <p:cNvPicPr>
+            <a:picLocks noChangeAspect="1"/>
+          </p:cNvPicPr>
+          <p:nvPr/>
+        </p:nvPicPr>
+        <p:blipFill>
+          <a:blip r:embed="rId3"/>
+          <a:stretch>
+            <a:fillRect/>
+          </a:stretch>
+        </p:blipFill>
+        <p:spPr>
+          <a:xfrm>
+            <a:off x="751522" y="779139"/>
+            <a:ext cx="4648200" cy="2463369"/>
+          </a:xfrm>
+          <a:prstGeom prst="rect">
+            <a:avLst/>
+          </a:prstGeom>
+        </p:spPr>
+      </p:pic>
+      <p:pic>
+        <p:nvPicPr>
+          <p:cNvPr id="8" name="그림 7"/>
+          <p:cNvPicPr>
+            <a:picLocks noChangeAspect="1"/>
+          </p:cNvPicPr>
+          <p:nvPr/>
+        </p:nvPicPr>
+        <p:blipFill>
+          <a:blip r:embed="rId4"/>
+          <a:stretch>
+            <a:fillRect/>
+          </a:stretch>
+        </p:blipFill>
+        <p:spPr>
+          <a:xfrm>
+            <a:off x="6131242" y="3832039"/>
+            <a:ext cx="4648200" cy="2450849"/>
+          </a:xfrm>
+          <a:prstGeom prst="rect">
+            <a:avLst/>
+          </a:prstGeom>
+        </p:spPr>
+      </p:pic>
+      <p:pic>
+        <p:nvPicPr>
+          <p:cNvPr id="9" name="그림 8"/>
+          <p:cNvPicPr>
+            <a:picLocks noChangeAspect="1"/>
+          </p:cNvPicPr>
+          <p:nvPr/>
+        </p:nvPicPr>
+        <p:blipFill>
+          <a:blip r:embed="rId5"/>
+          <a:stretch>
+            <a:fillRect/>
+          </a:stretch>
+        </p:blipFill>
+        <p:spPr>
+          <a:xfrm>
+            <a:off x="6131243" y="779139"/>
+            <a:ext cx="4648199" cy="2466453"/>
+          </a:xfrm>
+          <a:prstGeom prst="rect">
+            <a:avLst/>
+          </a:prstGeom>
+        </p:spPr>
+      </p:pic>
+    </p:spTree>
+    <p:extLst>
+      <p:ext uri="{BB962C8B-B14F-4D97-AF65-F5344CB8AC3E}">
+        <p14:creationId xmlns:p14="http://schemas.microsoft.com/office/powerpoint/2010/main" val="3015802466"/>
+      </p:ext>
+    </p:extLst>
+  </p:cSld>
+  <p:clrMapOvr>
+    <a:masterClrMapping/>
+  </p:clrMapOvr>
+</p:sld>
+</file>
+
+<file path=ppt/slides/slide11.xml><?xml version="1.0" encoding="utf-8"?>
+<p:sld xmlns:a="http://schemas.openxmlformats.org/drawingml/2006/main" xmlns:r="http://schemas.openxmlformats.org/officeDocument/2006/relationships" xmlns:p="http://schemas.openxmlformats.org/presentationml/2006/main">
+  <p:cSld>
+    <p:spTree>
+      <p:nvGrpSpPr>
+        <p:cNvPr id="1" name=""/>
+        <p:cNvGrpSpPr/>
+        <p:nvPr/>
+      </p:nvGrpSpPr>
+      <p:grpSpPr>
+        <a:xfrm>
+          <a:off x="0" y="0"/>
+          <a:ext cx="0" cy="0"/>
+          <a:chOff x="0" y="0"/>
+          <a:chExt cx="0" cy="0"/>
+        </a:xfrm>
+      </p:grpSpPr>
+      <p:sp>
+        <p:nvSpPr>
+          <p:cNvPr id="51" name="모서리가 둥근 직사각형 50"/>
+          <p:cNvSpPr/>
+          <p:nvPr/>
+        </p:nvSpPr>
+        <p:spPr>
+          <a:xfrm>
+            <a:off x="6221146" y="1665327"/>
+            <a:ext cx="3932181" cy="2226003"/>
+          </a:xfrm>
+          <a:prstGeom prst="roundRect">
+            <a:avLst>
+              <a:gd name="adj" fmla="val 2996"/>
+            </a:avLst>
+          </a:prstGeom>
+          <a:noFill/>
+          <a:ln w="19050">
+            <a:solidFill>
+              <a:schemeClr val="tx1"/>
+            </a:solidFill>
+            <a:prstDash val="dash"/>
+          </a:ln>
+        </p:spPr>
+        <p:style>
+          <a:lnRef idx="2">
+            <a:schemeClr val="accent1">
+              <a:shade val="50000"/>
+            </a:schemeClr>
+          </a:lnRef>
+          <a:fillRef idx="1">
+            <a:schemeClr val="accent1"/>
+          </a:fillRef>
+          <a:effectRef idx="0">
+            <a:schemeClr val="accent1"/>
+          </a:effectRef>
+          <a:fontRef idx="minor">
+            <a:schemeClr val="lt1"/>
+          </a:fontRef>
+        </p:style>
+        <p:txBody>
+          <a:bodyPr rtlCol="0" anchor="ctr"/>
+          <a:lstStyle/>
+          <a:p>
+            <a:pPr algn="ctr"/>
+            <a:endParaRPr lang="ko-KR" altLang="en-US" sz="1400" b="1" dirty="0">
+              <a:solidFill>
+                <a:schemeClr val="tx1"/>
+              </a:solidFill>
+            </a:endParaRPr>
+          </a:p>
+        </p:txBody>
+      </p:sp>
+      <p:sp>
+        <p:nvSpPr>
+          <p:cNvPr id="52" name="직사각형 51">
+            <a:extLst>
+              <a:ext uri="{FF2B5EF4-FFF2-40B4-BE49-F238E27FC236}">
+                <a16:creationId xmlns:a16="http://schemas.microsoft.com/office/drawing/2014/main" id="{CB468CF8-4446-4E21-89AB-0F903D714712}"/>
+              </a:ext>
+            </a:extLst>
+          </p:cNvPr>
+          <p:cNvSpPr/>
+          <p:nvPr/>
+        </p:nvSpPr>
+        <p:spPr>
+          <a:xfrm>
+            <a:off x="5827191" y="1390917"/>
+            <a:ext cx="2011618" cy="548820"/>
+          </a:xfrm>
+          <a:prstGeom prst="rect">
+            <a:avLst/>
+          </a:prstGeom>
+          <a:solidFill>
+            <a:schemeClr val="bg1">
+              <a:lumMod val="95000"/>
+            </a:schemeClr>
+          </a:solidFill>
+          <a:ln>
+            <a:solidFill>
+              <a:schemeClr val="bg1">
+                <a:lumMod val="50000"/>
+              </a:schemeClr>
+            </a:solidFill>
+          </a:ln>
+        </p:spPr>
+        <p:style>
+          <a:lnRef idx="2">
+            <a:schemeClr val="accent1">
+              <a:shade val="50000"/>
+            </a:schemeClr>
+          </a:lnRef>
+          <a:fillRef idx="1">
+            <a:schemeClr val="accent1"/>
+          </a:fillRef>
+          <a:effectRef idx="0">
+            <a:schemeClr val="accent1"/>
+          </a:effectRef>
+          <a:fontRef idx="minor">
+            <a:schemeClr val="lt1"/>
+          </a:fontRef>
+        </p:style>
+        <p:txBody>
+          <a:bodyPr rtlCol="0" anchor="ctr"/>
+          <a:lstStyle/>
+          <a:p>
+            <a:pPr algn="ctr"/>
+            <a:r>
+              <a:rPr lang="en-US" altLang="ko-KR" sz="1400" b="1" dirty="0" smtClean="0">
+                <a:solidFill>
+                  <a:schemeClr val="tx1"/>
+                </a:solidFill>
+              </a:rPr>
+              <a:t>K-APT </a:t>
+            </a:r>
+            <a:br>
+              <a:rPr lang="en-US" altLang="ko-KR" sz="1400" b="1" dirty="0" smtClean="0">
+                <a:solidFill>
+                  <a:schemeClr val="tx1"/>
+                </a:solidFill>
+              </a:rPr>
+            </a:br>
+            <a:r>
+              <a:rPr lang="en-US" altLang="ko-KR" sz="1400" b="1" dirty="0" smtClean="0">
+                <a:solidFill>
+                  <a:schemeClr val="tx1"/>
+                </a:solidFill>
+              </a:rPr>
+              <a:t>apartment list API</a:t>
+            </a:r>
+            <a:endParaRPr lang="en-US" altLang="ko-KR" sz="1400" b="1" dirty="0">
+              <a:solidFill>
+                <a:schemeClr val="tx1"/>
+              </a:solidFill>
+            </a:endParaRPr>
+          </a:p>
+        </p:txBody>
+      </p:sp>
+      <p:sp>
+        <p:nvSpPr>
+          <p:cNvPr id="53" name="직사각형 52">
+            <a:extLst>
+              <a:ext uri="{FF2B5EF4-FFF2-40B4-BE49-F238E27FC236}">
+                <a16:creationId xmlns:a16="http://schemas.microsoft.com/office/drawing/2014/main" id="{CB468CF8-4446-4E21-89AB-0F903D714712}"/>
+              </a:ext>
+            </a:extLst>
+          </p:cNvPr>
+          <p:cNvSpPr/>
+          <p:nvPr/>
+        </p:nvSpPr>
+        <p:spPr>
+          <a:xfrm>
+            <a:off x="883580" y="2870058"/>
+            <a:ext cx="2011618" cy="548820"/>
+          </a:xfrm>
+          <a:prstGeom prst="rect">
+            <a:avLst/>
+          </a:prstGeom>
+          <a:solidFill>
+            <a:schemeClr val="bg1">
+              <a:lumMod val="95000"/>
+            </a:schemeClr>
+          </a:solidFill>
+          <a:ln>
+            <a:solidFill>
+              <a:schemeClr val="bg1">
+                <a:lumMod val="50000"/>
+              </a:schemeClr>
+            </a:solidFill>
+          </a:ln>
+        </p:spPr>
+        <p:style>
+          <a:lnRef idx="2">
+            <a:schemeClr val="accent1">
+              <a:shade val="50000"/>
+            </a:schemeClr>
+          </a:lnRef>
+          <a:fillRef idx="1">
+            <a:schemeClr val="accent1"/>
+          </a:fillRef>
+          <a:effectRef idx="0">
+            <a:schemeClr val="accent1"/>
+          </a:effectRef>
+          <a:fontRef idx="minor">
+            <a:schemeClr val="lt1"/>
+          </a:fontRef>
+        </p:style>
+        <p:txBody>
+          <a:bodyPr rtlCol="0" anchor="ctr"/>
+          <a:lstStyle/>
+          <a:p>
+            <a:pPr algn="ctr"/>
+            <a:r>
+              <a:rPr lang="en-US" altLang="ko-KR" sz="1400" b="1" dirty="0" smtClean="0">
+                <a:solidFill>
+                  <a:schemeClr val="tx1"/>
+                </a:solidFill>
+              </a:rPr>
+              <a:t>Address searching API</a:t>
+            </a:r>
+            <a:endParaRPr lang="ko-KR" altLang="en-US" sz="1400" b="1" dirty="0">
+              <a:solidFill>
+                <a:schemeClr val="tx1"/>
+              </a:solidFill>
+            </a:endParaRPr>
+          </a:p>
+        </p:txBody>
+      </p:sp>
+      <p:cxnSp>
+        <p:nvCxnSpPr>
+          <p:cNvPr id="61" name="꺾인 연결선 60"/>
+          <p:cNvCxnSpPr>
+            <a:endCxn id="52" idx="1"/>
+          </p:cNvCxnSpPr>
+          <p:nvPr/>
+        </p:nvCxnSpPr>
+        <p:spPr>
+          <a:xfrm flipV="1">
+            <a:off x="5295900" y="1665327"/>
+            <a:ext cx="531291" cy="506821"/>
+          </a:xfrm>
+          <a:prstGeom prst="bentConnector3">
+            <a:avLst>
+              <a:gd name="adj1" fmla="val 50000"/>
+            </a:avLst>
+          </a:prstGeom>
+          <a:ln w="19050">
+            <a:solidFill>
+              <a:schemeClr val="tx1"/>
+            </a:solidFill>
+            <a:tailEnd type="triangle"/>
+          </a:ln>
+        </p:spPr>
+        <p:style>
+          <a:lnRef idx="1">
+            <a:schemeClr val="accent1"/>
+          </a:lnRef>
+          <a:fillRef idx="0">
+            <a:schemeClr val="accent1"/>
+          </a:fillRef>
+          <a:effectRef idx="0">
+            <a:schemeClr val="accent1"/>
+          </a:effectRef>
+          <a:fontRef idx="minor">
+            <a:schemeClr val="tx1"/>
+          </a:fontRef>
+        </p:style>
+      </p:cxnSp>
+      <p:cxnSp>
+        <p:nvCxnSpPr>
+          <p:cNvPr id="62" name="직선 화살표 연결선 61"/>
+          <p:cNvCxnSpPr>
+            <a:stCxn id="81" idx="3"/>
+          </p:cNvCxnSpPr>
+          <p:nvPr/>
+        </p:nvCxnSpPr>
+        <p:spPr>
+          <a:xfrm>
+            <a:off x="7838809" y="4349830"/>
+            <a:ext cx="302901" cy="0"/>
+          </a:xfrm>
+          <a:prstGeom prst="straightConnector1">
+            <a:avLst/>
+          </a:prstGeom>
+          <a:ln w="19050">
+            <a:solidFill>
+              <a:schemeClr val="tx1"/>
+            </a:solidFill>
+            <a:tailEnd type="triangle"/>
+          </a:ln>
+        </p:spPr>
+        <p:style>
+          <a:lnRef idx="1">
+            <a:schemeClr val="accent1"/>
+          </a:lnRef>
+          <a:fillRef idx="0">
+            <a:schemeClr val="accent1"/>
+          </a:fillRef>
+          <a:effectRef idx="0">
+            <a:schemeClr val="accent1"/>
+          </a:effectRef>
+          <a:fontRef idx="minor">
+            <a:schemeClr val="tx1"/>
+          </a:fontRef>
+        </p:style>
+      </p:cxnSp>
+      <p:cxnSp>
+        <p:nvCxnSpPr>
+          <p:cNvPr id="64" name="직선 화살표 연결선 63"/>
+          <p:cNvCxnSpPr>
+            <a:stCxn id="99" idx="2"/>
+            <a:endCxn id="53" idx="0"/>
+          </p:cNvCxnSpPr>
+          <p:nvPr/>
+        </p:nvCxnSpPr>
+        <p:spPr>
+          <a:xfrm flipH="1">
+            <a:off x="1889389" y="2211822"/>
+            <a:ext cx="6938" cy="658236"/>
+          </a:xfrm>
+          <a:prstGeom prst="straightConnector1">
+            <a:avLst/>
+          </a:prstGeom>
+          <a:ln w="19050">
+            <a:solidFill>
+              <a:schemeClr val="tx1"/>
+            </a:solidFill>
+            <a:tailEnd type="triangle"/>
+          </a:ln>
+        </p:spPr>
+        <p:style>
+          <a:lnRef idx="1">
+            <a:schemeClr val="accent1"/>
+          </a:lnRef>
+          <a:fillRef idx="0">
+            <a:schemeClr val="accent1"/>
+          </a:fillRef>
+          <a:effectRef idx="0">
+            <a:schemeClr val="accent1"/>
+          </a:effectRef>
+          <a:fontRef idx="minor">
+            <a:schemeClr val="tx1"/>
+          </a:fontRef>
+        </p:style>
+      </p:cxnSp>
+      <p:sp>
+        <p:nvSpPr>
+          <p:cNvPr id="67" name="모서리가 둥근 직사각형 66"/>
+          <p:cNvSpPr/>
+          <p:nvPr/>
+        </p:nvSpPr>
+        <p:spPr>
+          <a:xfrm>
+            <a:off x="6403045" y="2066543"/>
+            <a:ext cx="1613188" cy="274410"/>
+          </a:xfrm>
+          <a:prstGeom prst="roundRect">
+            <a:avLst/>
+          </a:prstGeom>
+          <a:noFill/>
+          <a:ln>
+            <a:solidFill>
+              <a:schemeClr val="tx1"/>
+            </a:solidFill>
+          </a:ln>
+        </p:spPr>
+        <p:style>
+          <a:lnRef idx="2">
+            <a:schemeClr val="accent1">
+              <a:shade val="50000"/>
+            </a:schemeClr>
+          </a:lnRef>
+          <a:fillRef idx="1">
+            <a:schemeClr val="accent1"/>
+          </a:fillRef>
+          <a:effectRef idx="0">
+            <a:schemeClr val="accent1"/>
+          </a:effectRef>
+          <a:fontRef idx="minor">
+            <a:schemeClr val="lt1"/>
+          </a:fontRef>
+        </p:style>
+        <p:txBody>
+          <a:bodyPr rtlCol="0" anchor="ctr"/>
+          <a:lstStyle/>
+          <a:p>
+            <a:pPr algn="ctr"/>
+            <a:r>
+              <a:rPr lang="en-US" altLang="ko-KR" sz="1400" b="1" dirty="0" smtClean="0">
+                <a:solidFill>
+                  <a:schemeClr val="tx1"/>
+                </a:solidFill>
+              </a:rPr>
+              <a:t>Apartment code</a:t>
+            </a:r>
+            <a:endParaRPr lang="ko-KR" altLang="en-US" sz="1400" b="1" dirty="0">
+              <a:solidFill>
+                <a:schemeClr val="tx1"/>
+              </a:solidFill>
+            </a:endParaRPr>
+          </a:p>
+        </p:txBody>
+      </p:sp>
+      <p:sp>
+        <p:nvSpPr>
+          <p:cNvPr id="68" name="모서리가 둥근 직사각형 67"/>
+          <p:cNvSpPr/>
+          <p:nvPr/>
+        </p:nvSpPr>
+        <p:spPr>
+          <a:xfrm>
+            <a:off x="6403045" y="2452365"/>
+            <a:ext cx="1613188" cy="274410"/>
+          </a:xfrm>
+          <a:prstGeom prst="roundRect">
+            <a:avLst/>
+          </a:prstGeom>
+          <a:noFill/>
+          <a:ln>
+            <a:solidFill>
+              <a:schemeClr val="tx1"/>
+            </a:solidFill>
+          </a:ln>
+        </p:spPr>
+        <p:style>
+          <a:lnRef idx="2">
+            <a:schemeClr val="accent1">
+              <a:shade val="50000"/>
+            </a:schemeClr>
+          </a:lnRef>
+          <a:fillRef idx="1">
+            <a:schemeClr val="accent1"/>
+          </a:fillRef>
+          <a:effectRef idx="0">
+            <a:schemeClr val="accent1"/>
+          </a:effectRef>
+          <a:fontRef idx="minor">
+            <a:schemeClr val="lt1"/>
+          </a:fontRef>
+        </p:style>
+        <p:txBody>
+          <a:bodyPr rtlCol="0" anchor="ctr"/>
+          <a:lstStyle/>
+          <a:p>
+            <a:pPr algn="ctr"/>
+            <a:r>
+              <a:rPr lang="en-US" altLang="ko-KR" sz="1400" b="1" dirty="0" smtClean="0">
+                <a:solidFill>
+                  <a:schemeClr val="tx1"/>
+                </a:solidFill>
+              </a:rPr>
+              <a:t>Apartment code</a:t>
+            </a:r>
+            <a:endParaRPr lang="ko-KR" altLang="en-US" sz="1400" b="1" dirty="0">
+              <a:solidFill>
+                <a:schemeClr val="tx1"/>
+              </a:solidFill>
+            </a:endParaRPr>
+          </a:p>
+        </p:txBody>
+      </p:sp>
+      <p:sp>
+        <p:nvSpPr>
+          <p:cNvPr id="69" name="모서리가 둥근 직사각형 68"/>
+          <p:cNvSpPr/>
+          <p:nvPr/>
+        </p:nvSpPr>
+        <p:spPr>
+          <a:xfrm>
+            <a:off x="6403045" y="2838187"/>
+            <a:ext cx="1613188" cy="274410"/>
+          </a:xfrm>
+          <a:prstGeom prst="roundRect">
+            <a:avLst/>
+          </a:prstGeom>
+          <a:noFill/>
+          <a:ln>
+            <a:solidFill>
+              <a:schemeClr val="tx1"/>
+            </a:solidFill>
+          </a:ln>
+        </p:spPr>
+        <p:style>
+          <a:lnRef idx="2">
+            <a:schemeClr val="accent1">
+              <a:shade val="50000"/>
+            </a:schemeClr>
+          </a:lnRef>
+          <a:fillRef idx="1">
+            <a:schemeClr val="accent1"/>
+          </a:fillRef>
+          <a:effectRef idx="0">
+            <a:schemeClr val="accent1"/>
+          </a:effectRef>
+          <a:fontRef idx="minor">
+            <a:schemeClr val="lt1"/>
+          </a:fontRef>
+        </p:style>
+        <p:txBody>
+          <a:bodyPr rtlCol="0" anchor="ctr"/>
+          <a:lstStyle/>
+          <a:p>
+            <a:pPr algn="ctr"/>
+            <a:r>
+              <a:rPr lang="en-US" altLang="ko-KR" sz="1400" b="1" dirty="0" smtClean="0">
+                <a:solidFill>
+                  <a:schemeClr val="tx1"/>
+                </a:solidFill>
+              </a:rPr>
+              <a:t>Apartment code</a:t>
+            </a:r>
+            <a:endParaRPr lang="ko-KR" altLang="en-US" sz="1400" b="1" dirty="0">
+              <a:solidFill>
+                <a:schemeClr val="tx1"/>
+              </a:solidFill>
+            </a:endParaRPr>
+          </a:p>
+        </p:txBody>
+      </p:sp>
+      <p:sp>
+        <p:nvSpPr>
+          <p:cNvPr id="70" name="모서리가 둥근 직사각형 69"/>
+          <p:cNvSpPr/>
+          <p:nvPr/>
+        </p:nvSpPr>
+        <p:spPr>
+          <a:xfrm>
+            <a:off x="6403045" y="3224009"/>
+            <a:ext cx="1613188" cy="274410"/>
+          </a:xfrm>
+          <a:prstGeom prst="roundRect">
+            <a:avLst/>
+          </a:prstGeom>
+          <a:noFill/>
+          <a:ln>
+            <a:solidFill>
+              <a:schemeClr val="tx1"/>
+            </a:solidFill>
+          </a:ln>
+        </p:spPr>
+        <p:style>
+          <a:lnRef idx="2">
+            <a:schemeClr val="accent1">
+              <a:shade val="50000"/>
+            </a:schemeClr>
+          </a:lnRef>
+          <a:fillRef idx="1">
+            <a:schemeClr val="accent1"/>
+          </a:fillRef>
+          <a:effectRef idx="0">
+            <a:schemeClr val="accent1"/>
+          </a:effectRef>
+          <a:fontRef idx="minor">
+            <a:schemeClr val="lt1"/>
+          </a:fontRef>
+        </p:style>
+        <p:txBody>
+          <a:bodyPr rtlCol="0" anchor="ctr"/>
+          <a:lstStyle/>
+          <a:p>
+            <a:pPr algn="ctr"/>
+            <a:r>
+              <a:rPr lang="en-US" altLang="ko-KR" sz="1400" b="1" dirty="0" smtClean="0">
+                <a:solidFill>
+                  <a:schemeClr val="tx1"/>
+                </a:solidFill>
+              </a:rPr>
+              <a:t>Apartment code</a:t>
+            </a:r>
+            <a:endParaRPr lang="ko-KR" altLang="en-US" sz="1400" b="1" dirty="0">
+              <a:solidFill>
+                <a:schemeClr val="tx1"/>
+              </a:solidFill>
+            </a:endParaRPr>
+          </a:p>
+        </p:txBody>
+      </p:sp>
+      <p:sp>
+        <p:nvSpPr>
+          <p:cNvPr id="71" name="모서리가 둥근 직사각형 70"/>
+          <p:cNvSpPr/>
+          <p:nvPr/>
+        </p:nvSpPr>
+        <p:spPr>
+          <a:xfrm>
+            <a:off x="8298519" y="2066543"/>
+            <a:ext cx="1613188" cy="274410"/>
+          </a:xfrm>
+          <a:prstGeom prst="roundRect">
+            <a:avLst/>
+          </a:prstGeom>
+          <a:noFill/>
+          <a:ln>
+            <a:solidFill>
+              <a:schemeClr val="tx1"/>
+            </a:solidFill>
+          </a:ln>
+        </p:spPr>
+        <p:style>
+          <a:lnRef idx="2">
+            <a:schemeClr val="accent1">
+              <a:shade val="50000"/>
+            </a:schemeClr>
+          </a:lnRef>
+          <a:fillRef idx="1">
+            <a:schemeClr val="accent1"/>
+          </a:fillRef>
+          <a:effectRef idx="0">
+            <a:schemeClr val="accent1"/>
+          </a:effectRef>
+          <a:fontRef idx="minor">
+            <a:schemeClr val="lt1"/>
+          </a:fontRef>
+        </p:style>
+        <p:txBody>
+          <a:bodyPr rtlCol="0" anchor="ctr"/>
+          <a:lstStyle/>
+          <a:p>
+            <a:pPr algn="ctr"/>
+            <a:r>
+              <a:rPr lang="en-US" altLang="ko-KR" sz="1400" b="1" dirty="0" smtClean="0">
+                <a:solidFill>
+                  <a:schemeClr val="tx1"/>
+                </a:solidFill>
+              </a:rPr>
+              <a:t>Complex name</a:t>
+            </a:r>
+            <a:endParaRPr lang="ko-KR" altLang="en-US" sz="1400" b="1" dirty="0">
+              <a:solidFill>
+                <a:schemeClr val="tx1"/>
+              </a:solidFill>
+            </a:endParaRPr>
+          </a:p>
+        </p:txBody>
+      </p:sp>
+      <p:sp>
+        <p:nvSpPr>
+          <p:cNvPr id="72" name="모서리가 둥근 직사각형 71"/>
+          <p:cNvSpPr/>
+          <p:nvPr/>
+        </p:nvSpPr>
+        <p:spPr>
+          <a:xfrm>
+            <a:off x="8298519" y="2452365"/>
+            <a:ext cx="1613188" cy="274410"/>
+          </a:xfrm>
+          <a:prstGeom prst="roundRect">
+            <a:avLst/>
+          </a:prstGeom>
+          <a:noFill/>
+          <a:ln>
+            <a:solidFill>
+              <a:schemeClr val="tx1"/>
+            </a:solidFill>
+          </a:ln>
+        </p:spPr>
+        <p:style>
+          <a:lnRef idx="2">
+            <a:schemeClr val="accent1">
+              <a:shade val="50000"/>
+            </a:schemeClr>
+          </a:lnRef>
+          <a:fillRef idx="1">
+            <a:schemeClr val="accent1"/>
+          </a:fillRef>
+          <a:effectRef idx="0">
+            <a:schemeClr val="accent1"/>
+          </a:effectRef>
+          <a:fontRef idx="minor">
+            <a:schemeClr val="lt1"/>
+          </a:fontRef>
+        </p:style>
+        <p:txBody>
+          <a:bodyPr rtlCol="0" anchor="ctr"/>
+          <a:lstStyle/>
+          <a:p>
+            <a:pPr algn="ctr"/>
+            <a:r>
+              <a:rPr lang="en-US" altLang="ko-KR" sz="1400" b="1" dirty="0" smtClean="0">
+                <a:solidFill>
+                  <a:schemeClr val="tx1"/>
+                </a:solidFill>
+              </a:rPr>
+              <a:t>Complex name</a:t>
+            </a:r>
+            <a:endParaRPr lang="ko-KR" altLang="en-US" sz="1400" b="1" dirty="0">
+              <a:solidFill>
+                <a:schemeClr val="tx1"/>
+              </a:solidFill>
+            </a:endParaRPr>
+          </a:p>
+        </p:txBody>
+      </p:sp>
+      <p:sp>
+        <p:nvSpPr>
+          <p:cNvPr id="73" name="모서리가 둥근 직사각형 72"/>
+          <p:cNvSpPr/>
+          <p:nvPr/>
+        </p:nvSpPr>
+        <p:spPr>
+          <a:xfrm>
+            <a:off x="8298519" y="2838187"/>
+            <a:ext cx="1613188" cy="274410"/>
+          </a:xfrm>
+          <a:prstGeom prst="roundRect">
+            <a:avLst/>
+          </a:prstGeom>
+          <a:noFill/>
+          <a:ln>
+            <a:solidFill>
+              <a:schemeClr val="tx1"/>
+            </a:solidFill>
+          </a:ln>
+        </p:spPr>
+        <p:style>
+          <a:lnRef idx="2">
+            <a:schemeClr val="accent1">
+              <a:shade val="50000"/>
+            </a:schemeClr>
+          </a:lnRef>
+          <a:fillRef idx="1">
+            <a:schemeClr val="accent1"/>
+          </a:fillRef>
+          <a:effectRef idx="0">
+            <a:schemeClr val="accent1"/>
+          </a:effectRef>
+          <a:fontRef idx="minor">
+            <a:schemeClr val="lt1"/>
+          </a:fontRef>
+        </p:style>
+        <p:txBody>
+          <a:bodyPr rtlCol="0" anchor="ctr"/>
+          <a:lstStyle/>
+          <a:p>
+            <a:pPr algn="ctr"/>
+            <a:r>
+              <a:rPr lang="en-US" altLang="ko-KR" sz="1400" b="1" dirty="0" smtClean="0">
+                <a:solidFill>
+                  <a:schemeClr val="tx1"/>
+                </a:solidFill>
+              </a:rPr>
+              <a:t>Complex name</a:t>
+            </a:r>
+            <a:endParaRPr lang="ko-KR" altLang="en-US" sz="1400" b="1" dirty="0">
+              <a:solidFill>
+                <a:schemeClr val="tx1"/>
+              </a:solidFill>
+            </a:endParaRPr>
+          </a:p>
+        </p:txBody>
+      </p:sp>
+      <p:sp>
+        <p:nvSpPr>
+          <p:cNvPr id="74" name="모서리가 둥근 직사각형 73"/>
+          <p:cNvSpPr/>
+          <p:nvPr/>
+        </p:nvSpPr>
+        <p:spPr>
+          <a:xfrm>
+            <a:off x="8298519" y="3224009"/>
+            <a:ext cx="1613188" cy="274410"/>
+          </a:xfrm>
+          <a:prstGeom prst="roundRect">
+            <a:avLst/>
+          </a:prstGeom>
+          <a:noFill/>
+          <a:ln>
+            <a:solidFill>
+              <a:schemeClr val="tx1"/>
+            </a:solidFill>
+          </a:ln>
+        </p:spPr>
+        <p:style>
+          <a:lnRef idx="2">
+            <a:schemeClr val="accent1">
+              <a:shade val="50000"/>
+            </a:schemeClr>
+          </a:lnRef>
+          <a:fillRef idx="1">
+            <a:schemeClr val="accent1"/>
+          </a:fillRef>
+          <a:effectRef idx="0">
+            <a:schemeClr val="accent1"/>
+          </a:effectRef>
+          <a:fontRef idx="minor">
+            <a:schemeClr val="lt1"/>
+          </a:fontRef>
+        </p:style>
+        <p:txBody>
+          <a:bodyPr rtlCol="0" anchor="ctr"/>
+          <a:lstStyle/>
+          <a:p>
+            <a:pPr algn="ctr"/>
+            <a:r>
+              <a:rPr lang="en-US" altLang="ko-KR" sz="1400" b="1" dirty="0" smtClean="0">
+                <a:solidFill>
+                  <a:schemeClr val="tx1"/>
+                </a:solidFill>
+              </a:rPr>
+              <a:t>Complex name</a:t>
+            </a:r>
+            <a:endParaRPr lang="ko-KR" altLang="en-US" sz="1400" b="1" dirty="0">
+              <a:solidFill>
+                <a:schemeClr val="tx1"/>
+              </a:solidFill>
+            </a:endParaRPr>
+          </a:p>
+        </p:txBody>
+      </p:sp>
+      <p:cxnSp>
+        <p:nvCxnSpPr>
+          <p:cNvPr id="75" name="직선 연결선 74"/>
+          <p:cNvCxnSpPr>
+            <a:stCxn id="67" idx="3"/>
+            <a:endCxn id="71" idx="1"/>
+          </p:cNvCxnSpPr>
+          <p:nvPr/>
+        </p:nvCxnSpPr>
+        <p:spPr>
+          <a:xfrm>
+            <a:off x="8016233" y="2203748"/>
+            <a:ext cx="282286" cy="0"/>
+          </a:xfrm>
+          <a:prstGeom prst="line">
+            <a:avLst/>
+          </a:prstGeom>
+          <a:ln w="12700">
+            <a:solidFill>
+              <a:schemeClr val="tx1"/>
+            </a:solidFill>
+            <a:prstDash val="sysDot"/>
+          </a:ln>
+        </p:spPr>
+        <p:style>
+          <a:lnRef idx="1">
+            <a:schemeClr val="accent1"/>
+          </a:lnRef>
+          <a:fillRef idx="0">
+            <a:schemeClr val="accent1"/>
+          </a:fillRef>
+          <a:effectRef idx="0">
+            <a:schemeClr val="accent1"/>
+          </a:effectRef>
+          <a:fontRef idx="minor">
+            <a:schemeClr val="tx1"/>
+          </a:fontRef>
+        </p:style>
+      </p:cxnSp>
+      <p:cxnSp>
+        <p:nvCxnSpPr>
+          <p:cNvPr id="76" name="직선 연결선 75"/>
+          <p:cNvCxnSpPr>
+            <a:stCxn id="68" idx="3"/>
+            <a:endCxn id="72" idx="1"/>
+          </p:cNvCxnSpPr>
+          <p:nvPr/>
+        </p:nvCxnSpPr>
+        <p:spPr>
+          <a:xfrm>
+            <a:off x="8016233" y="2589570"/>
+            <a:ext cx="282286" cy="0"/>
+          </a:xfrm>
+          <a:prstGeom prst="line">
+            <a:avLst/>
+          </a:prstGeom>
+          <a:ln w="12700">
+            <a:solidFill>
+              <a:schemeClr val="tx1"/>
+            </a:solidFill>
+            <a:prstDash val="sysDot"/>
+          </a:ln>
+        </p:spPr>
+        <p:style>
+          <a:lnRef idx="1">
+            <a:schemeClr val="accent1"/>
+          </a:lnRef>
+          <a:fillRef idx="0">
+            <a:schemeClr val="accent1"/>
+          </a:fillRef>
+          <a:effectRef idx="0">
+            <a:schemeClr val="accent1"/>
+          </a:effectRef>
+          <a:fontRef idx="minor">
+            <a:schemeClr val="tx1"/>
+          </a:fontRef>
+        </p:style>
+      </p:cxnSp>
+      <p:cxnSp>
+        <p:nvCxnSpPr>
+          <p:cNvPr id="77" name="직선 연결선 76"/>
+          <p:cNvCxnSpPr>
+            <a:stCxn id="69" idx="3"/>
+            <a:endCxn id="73" idx="1"/>
+          </p:cNvCxnSpPr>
+          <p:nvPr/>
+        </p:nvCxnSpPr>
+        <p:spPr>
+          <a:xfrm>
+            <a:off x="8016233" y="2975392"/>
+            <a:ext cx="282286" cy="0"/>
+          </a:xfrm>
+          <a:prstGeom prst="line">
+            <a:avLst/>
+          </a:prstGeom>
+          <a:ln w="12700">
+            <a:solidFill>
+              <a:schemeClr val="tx1"/>
+            </a:solidFill>
+            <a:prstDash val="sysDot"/>
+          </a:ln>
+        </p:spPr>
+        <p:style>
+          <a:lnRef idx="1">
+            <a:schemeClr val="accent1"/>
+          </a:lnRef>
+          <a:fillRef idx="0">
+            <a:schemeClr val="accent1"/>
+          </a:fillRef>
+          <a:effectRef idx="0">
+            <a:schemeClr val="accent1"/>
+          </a:effectRef>
+          <a:fontRef idx="minor">
+            <a:schemeClr val="tx1"/>
+          </a:fontRef>
+        </p:style>
+      </p:cxnSp>
+      <p:cxnSp>
+        <p:nvCxnSpPr>
+          <p:cNvPr id="78" name="직선 연결선 77"/>
+          <p:cNvCxnSpPr>
+            <a:stCxn id="70" idx="3"/>
+            <a:endCxn id="74" idx="1"/>
+          </p:cNvCxnSpPr>
+          <p:nvPr/>
+        </p:nvCxnSpPr>
+        <p:spPr>
+          <a:xfrm>
+            <a:off x="8016233" y="3361214"/>
+            <a:ext cx="282286" cy="0"/>
+          </a:xfrm>
+          <a:prstGeom prst="line">
+            <a:avLst/>
+          </a:prstGeom>
+          <a:ln w="12700">
+            <a:solidFill>
+              <a:schemeClr val="tx1"/>
+            </a:solidFill>
+            <a:prstDash val="sysDot"/>
+          </a:ln>
+        </p:spPr>
+        <p:style>
+          <a:lnRef idx="1">
+            <a:schemeClr val="accent1"/>
+          </a:lnRef>
+          <a:fillRef idx="0">
+            <a:schemeClr val="accent1"/>
+          </a:fillRef>
+          <a:effectRef idx="0">
+            <a:schemeClr val="accent1"/>
+          </a:effectRef>
+          <a:fontRef idx="minor">
+            <a:schemeClr val="tx1"/>
+          </a:fontRef>
+        </p:style>
+      </p:cxnSp>
+      <p:cxnSp>
+        <p:nvCxnSpPr>
+          <p:cNvPr id="79" name="직선 연결선 78"/>
+          <p:cNvCxnSpPr/>
+          <p:nvPr/>
+        </p:nvCxnSpPr>
+        <p:spPr>
+          <a:xfrm flipV="1">
+            <a:off x="7212496" y="3571731"/>
+            <a:ext cx="0" cy="216966"/>
+          </a:xfrm>
+          <a:prstGeom prst="line">
+            <a:avLst/>
+          </a:prstGeom>
+          <a:ln w="38100">
+            <a:solidFill>
+              <a:schemeClr val="tx1"/>
+            </a:solidFill>
+            <a:prstDash val="sysDot"/>
+          </a:ln>
+        </p:spPr>
+        <p:style>
+          <a:lnRef idx="1">
+            <a:schemeClr val="accent1"/>
+          </a:lnRef>
+          <a:fillRef idx="0">
+            <a:schemeClr val="accent1"/>
+          </a:fillRef>
+          <a:effectRef idx="0">
+            <a:schemeClr val="accent1"/>
+          </a:effectRef>
+          <a:fontRef idx="minor">
+            <a:schemeClr val="tx1"/>
+          </a:fontRef>
+        </p:style>
+      </p:cxnSp>
+      <p:cxnSp>
+        <p:nvCxnSpPr>
+          <p:cNvPr id="80" name="직선 연결선 79"/>
+          <p:cNvCxnSpPr/>
+          <p:nvPr/>
+        </p:nvCxnSpPr>
+        <p:spPr>
+          <a:xfrm flipV="1">
+            <a:off x="9125116" y="3571731"/>
+            <a:ext cx="0" cy="216966"/>
+          </a:xfrm>
+          <a:prstGeom prst="line">
+            <a:avLst/>
+          </a:prstGeom>
+          <a:ln w="38100">
+            <a:solidFill>
+              <a:schemeClr val="tx1"/>
+            </a:solidFill>
+            <a:prstDash val="sysDot"/>
+          </a:ln>
+        </p:spPr>
+        <p:style>
+          <a:lnRef idx="1">
+            <a:schemeClr val="accent1"/>
+          </a:lnRef>
+          <a:fillRef idx="0">
+            <a:schemeClr val="accent1"/>
+          </a:fillRef>
+          <a:effectRef idx="0">
+            <a:schemeClr val="accent1"/>
+          </a:effectRef>
+          <a:fontRef idx="minor">
+            <a:schemeClr val="tx1"/>
+          </a:fontRef>
+        </p:style>
+      </p:cxnSp>
+      <p:sp>
+        <p:nvSpPr>
+          <p:cNvPr id="81" name="직사각형 80">
+            <a:extLst>
+              <a:ext uri="{FF2B5EF4-FFF2-40B4-BE49-F238E27FC236}">
+                <a16:creationId xmlns:a16="http://schemas.microsoft.com/office/drawing/2014/main" id="{CB468CF8-4446-4E21-89AB-0F903D714712}"/>
+              </a:ext>
+            </a:extLst>
+          </p:cNvPr>
+          <p:cNvSpPr/>
+          <p:nvPr/>
+        </p:nvSpPr>
+        <p:spPr>
+          <a:xfrm>
+            <a:off x="5827191" y="4075420"/>
+            <a:ext cx="2011618" cy="548820"/>
+          </a:xfrm>
+          <a:prstGeom prst="rect">
+            <a:avLst/>
+          </a:prstGeom>
+          <a:solidFill>
+            <a:schemeClr val="bg1">
+              <a:lumMod val="95000"/>
+            </a:schemeClr>
+          </a:solidFill>
+          <a:ln>
+            <a:solidFill>
+              <a:schemeClr val="bg1">
+                <a:lumMod val="50000"/>
+              </a:schemeClr>
+            </a:solidFill>
+          </a:ln>
+        </p:spPr>
+        <p:style>
+          <a:lnRef idx="2">
+            <a:schemeClr val="accent1">
+              <a:shade val="50000"/>
+            </a:schemeClr>
+          </a:lnRef>
+          <a:fillRef idx="1">
+            <a:schemeClr val="accent1"/>
+          </a:fillRef>
+          <a:effectRef idx="0">
+            <a:schemeClr val="accent1"/>
+          </a:effectRef>
+          <a:fontRef idx="minor">
+            <a:schemeClr val="lt1"/>
+          </a:fontRef>
+        </p:style>
+        <p:txBody>
+          <a:bodyPr rtlCol="0" anchor="ctr"/>
+          <a:lstStyle/>
+          <a:p>
+            <a:pPr algn="ctr"/>
+            <a:r>
+              <a:rPr lang="en-US" altLang="ko-KR" sz="1400" b="1" dirty="0">
+                <a:solidFill>
+                  <a:schemeClr val="tx1"/>
+                </a:solidFill>
+              </a:rPr>
+              <a:t>K-APT </a:t>
+            </a:r>
+            <a:r>
+              <a:rPr lang="en-US" altLang="ko-KR" sz="1400" b="1" dirty="0" smtClean="0">
+                <a:solidFill>
+                  <a:schemeClr val="tx1"/>
+                </a:solidFill>
+              </a:rPr>
+              <a:t/>
+            </a:r>
+            <a:br>
+              <a:rPr lang="en-US" altLang="ko-KR" sz="1400" b="1" dirty="0" smtClean="0">
+                <a:solidFill>
+                  <a:schemeClr val="tx1"/>
+                </a:solidFill>
+              </a:rPr>
+            </a:br>
+            <a:r>
+              <a:rPr lang="en-US" altLang="ko-KR" sz="1400" b="1" dirty="0" smtClean="0">
+                <a:solidFill>
+                  <a:schemeClr val="tx1"/>
+                </a:solidFill>
+              </a:rPr>
+              <a:t>general data </a:t>
+            </a:r>
+            <a:r>
+              <a:rPr lang="en-US" altLang="ko-KR" sz="1400" b="1" dirty="0">
+                <a:solidFill>
+                  <a:schemeClr val="tx1"/>
+                </a:solidFill>
+              </a:rPr>
+              <a:t>API</a:t>
+            </a:r>
+          </a:p>
+        </p:txBody>
+      </p:sp>
+      <p:cxnSp>
+        <p:nvCxnSpPr>
+          <p:cNvPr id="82" name="꺾인 연결선 81"/>
+          <p:cNvCxnSpPr>
+            <a:stCxn id="53" idx="3"/>
+            <a:endCxn id="92" idx="1"/>
+          </p:cNvCxnSpPr>
+          <p:nvPr/>
+        </p:nvCxnSpPr>
+        <p:spPr>
+          <a:xfrm>
+            <a:off x="2895198" y="3144468"/>
+            <a:ext cx="432941" cy="315"/>
+          </a:xfrm>
+          <a:prstGeom prst="bentConnector3">
+            <a:avLst>
+              <a:gd name="adj1" fmla="val 50000"/>
+            </a:avLst>
+          </a:prstGeom>
+          <a:ln w="19050">
+            <a:solidFill>
+              <a:schemeClr val="tx1"/>
+            </a:solidFill>
+            <a:tailEnd type="triangle"/>
+          </a:ln>
+        </p:spPr>
+        <p:style>
+          <a:lnRef idx="1">
+            <a:schemeClr val="accent1"/>
+          </a:lnRef>
+          <a:fillRef idx="0">
+            <a:schemeClr val="accent1"/>
+          </a:fillRef>
+          <a:effectRef idx="0">
+            <a:schemeClr val="accent1"/>
+          </a:effectRef>
+          <a:fontRef idx="minor">
+            <a:schemeClr val="tx1"/>
+          </a:fontRef>
+        </p:style>
+      </p:cxnSp>
+      <p:sp>
+        <p:nvSpPr>
+          <p:cNvPr id="83" name="모서리가 둥근 직사각형 82"/>
+          <p:cNvSpPr/>
+          <p:nvPr/>
+        </p:nvSpPr>
+        <p:spPr>
+          <a:xfrm>
+            <a:off x="6351470" y="2019658"/>
+            <a:ext cx="1724480" cy="1526563"/>
+          </a:xfrm>
+          <a:prstGeom prst="roundRect">
+            <a:avLst>
+              <a:gd name="adj" fmla="val 2996"/>
+            </a:avLst>
+          </a:prstGeom>
+          <a:noFill/>
+          <a:ln w="19050">
+            <a:solidFill>
+              <a:schemeClr val="accent2"/>
+            </a:solidFill>
+            <a:prstDash val="dash"/>
+          </a:ln>
+        </p:spPr>
+        <p:style>
+          <a:lnRef idx="2">
+            <a:schemeClr val="accent1">
+              <a:shade val="50000"/>
+            </a:schemeClr>
+          </a:lnRef>
+          <a:fillRef idx="1">
+            <a:schemeClr val="accent1"/>
+          </a:fillRef>
+          <a:effectRef idx="0">
+            <a:schemeClr val="accent1"/>
+          </a:effectRef>
+          <a:fontRef idx="minor">
+            <a:schemeClr val="lt1"/>
+          </a:fontRef>
+        </p:style>
+        <p:txBody>
+          <a:bodyPr rtlCol="0" anchor="ctr"/>
+          <a:lstStyle/>
+          <a:p>
+            <a:pPr algn="ctr"/>
+            <a:endParaRPr lang="ko-KR" altLang="en-US" sz="1400" b="1" dirty="0">
+              <a:solidFill>
+                <a:schemeClr val="tx1"/>
+              </a:solidFill>
+            </a:endParaRPr>
+          </a:p>
+        </p:txBody>
+      </p:sp>
+      <p:cxnSp>
+        <p:nvCxnSpPr>
+          <p:cNvPr id="84" name="직선 화살표 연결선 83"/>
+          <p:cNvCxnSpPr>
+            <a:endCxn id="81" idx="0"/>
+          </p:cNvCxnSpPr>
+          <p:nvPr/>
+        </p:nvCxnSpPr>
+        <p:spPr>
+          <a:xfrm>
+            <a:off x="6833000" y="3383180"/>
+            <a:ext cx="0" cy="692240"/>
+          </a:xfrm>
+          <a:prstGeom prst="straightConnector1">
+            <a:avLst/>
+          </a:prstGeom>
+          <a:ln w="19050">
+            <a:solidFill>
+              <a:schemeClr val="accent2"/>
+            </a:solidFill>
+            <a:tailEnd type="triangle"/>
+          </a:ln>
+        </p:spPr>
+        <p:style>
+          <a:lnRef idx="1">
+            <a:schemeClr val="accent1"/>
+          </a:lnRef>
+          <a:fillRef idx="0">
+            <a:schemeClr val="accent1"/>
+          </a:fillRef>
+          <a:effectRef idx="0">
+            <a:schemeClr val="accent1"/>
+          </a:effectRef>
+          <a:fontRef idx="minor">
+            <a:schemeClr val="tx1"/>
+          </a:fontRef>
+        </p:style>
+      </p:cxnSp>
+      <p:sp>
+        <p:nvSpPr>
+          <p:cNvPr id="86" name="모서리가 둥근 직사각형 85"/>
+          <p:cNvSpPr/>
+          <p:nvPr/>
+        </p:nvSpPr>
+        <p:spPr>
+          <a:xfrm>
+            <a:off x="3400425" y="2034943"/>
+            <a:ext cx="1895475" cy="274410"/>
+          </a:xfrm>
+          <a:prstGeom prst="roundRect">
+            <a:avLst/>
+          </a:prstGeom>
+          <a:noFill/>
+          <a:ln>
+            <a:solidFill>
+              <a:schemeClr val="tx1"/>
+            </a:solidFill>
+          </a:ln>
+        </p:spPr>
+        <p:style>
+          <a:lnRef idx="2">
+            <a:schemeClr val="accent1">
+              <a:shade val="50000"/>
+            </a:schemeClr>
+          </a:lnRef>
+          <a:fillRef idx="1">
+            <a:schemeClr val="accent1"/>
+          </a:fillRef>
+          <a:effectRef idx="0">
+            <a:schemeClr val="accent1"/>
+          </a:effectRef>
+          <a:fontRef idx="minor">
+            <a:schemeClr val="lt1"/>
+          </a:fontRef>
+        </p:style>
+        <p:txBody>
+          <a:bodyPr rtlCol="0" anchor="ctr"/>
+          <a:lstStyle/>
+          <a:p>
+            <a:pPr algn="ctr"/>
+            <a:r>
+              <a:rPr lang="en-US" altLang="ko-KR" sz="1400" b="1" dirty="0" err="1" smtClean="0">
+                <a:solidFill>
+                  <a:schemeClr val="tx1"/>
+                </a:solidFill>
+              </a:rPr>
+              <a:t>Sigungu</a:t>
+            </a:r>
+            <a:r>
+              <a:rPr lang="en-US" altLang="ko-KR" sz="1400" b="1" dirty="0" smtClean="0">
+                <a:solidFill>
+                  <a:schemeClr val="tx1"/>
+                </a:solidFill>
+              </a:rPr>
+              <a:t>* code</a:t>
+            </a:r>
+            <a:endParaRPr lang="ko-KR" altLang="en-US" sz="1400" b="1" dirty="0">
+              <a:solidFill>
+                <a:schemeClr val="tx1"/>
+              </a:solidFill>
+            </a:endParaRPr>
+          </a:p>
+        </p:txBody>
+      </p:sp>
+      <p:sp>
+        <p:nvSpPr>
+          <p:cNvPr id="87" name="모서리가 둥근 직사각형 86"/>
+          <p:cNvSpPr/>
+          <p:nvPr/>
+        </p:nvSpPr>
+        <p:spPr>
+          <a:xfrm>
+            <a:off x="3400425" y="2473947"/>
+            <a:ext cx="1895475" cy="274410"/>
+          </a:xfrm>
+          <a:prstGeom prst="roundRect">
+            <a:avLst/>
+          </a:prstGeom>
+          <a:noFill/>
+          <a:ln>
+            <a:solidFill>
+              <a:schemeClr val="tx1"/>
+            </a:solidFill>
+          </a:ln>
+        </p:spPr>
+        <p:style>
+          <a:lnRef idx="2">
+            <a:schemeClr val="accent1">
+              <a:shade val="50000"/>
+            </a:schemeClr>
+          </a:lnRef>
+          <a:fillRef idx="1">
+            <a:schemeClr val="accent1"/>
+          </a:fillRef>
+          <a:effectRef idx="0">
+            <a:schemeClr val="accent1"/>
+          </a:effectRef>
+          <a:fontRef idx="minor">
+            <a:schemeClr val="lt1"/>
+          </a:fontRef>
+        </p:style>
+        <p:txBody>
+          <a:bodyPr lIns="0" rIns="0" rtlCol="0" anchor="ctr"/>
+          <a:lstStyle/>
+          <a:p>
+            <a:pPr algn="ctr"/>
+            <a:r>
+              <a:rPr lang="en-US" altLang="ko-KR" sz="1300" b="1" dirty="0" err="1" smtClean="0">
+                <a:solidFill>
+                  <a:schemeClr val="tx1"/>
+                </a:solidFill>
+              </a:rPr>
+              <a:t>Beopjeongdong</a:t>
+            </a:r>
+            <a:r>
+              <a:rPr lang="en-US" altLang="ko-KR" sz="1300" b="1" dirty="0" smtClean="0">
+                <a:solidFill>
+                  <a:schemeClr val="tx1"/>
+                </a:solidFill>
+              </a:rPr>
+              <a:t>* Code</a:t>
+            </a:r>
+            <a:endParaRPr lang="ko-KR" altLang="en-US" sz="1300" b="1" dirty="0">
+              <a:solidFill>
+                <a:schemeClr val="tx1"/>
+              </a:solidFill>
+            </a:endParaRPr>
+          </a:p>
+        </p:txBody>
+      </p:sp>
+      <p:sp>
+        <p:nvSpPr>
+          <p:cNvPr id="88" name="모서리가 둥근 직사각형 87"/>
+          <p:cNvSpPr/>
+          <p:nvPr/>
+        </p:nvSpPr>
+        <p:spPr>
+          <a:xfrm>
+            <a:off x="3400425" y="2912951"/>
+            <a:ext cx="1895475" cy="274410"/>
+          </a:xfrm>
+          <a:prstGeom prst="roundRect">
+            <a:avLst/>
+          </a:prstGeom>
+          <a:noFill/>
+          <a:ln>
+            <a:solidFill>
+              <a:schemeClr val="tx1"/>
+            </a:solidFill>
+          </a:ln>
+        </p:spPr>
+        <p:style>
+          <a:lnRef idx="2">
+            <a:schemeClr val="accent1">
+              <a:shade val="50000"/>
+            </a:schemeClr>
+          </a:lnRef>
+          <a:fillRef idx="1">
+            <a:schemeClr val="accent1"/>
+          </a:fillRef>
+          <a:effectRef idx="0">
+            <a:schemeClr val="accent1"/>
+          </a:effectRef>
+          <a:fontRef idx="minor">
+            <a:schemeClr val="lt1"/>
+          </a:fontRef>
+        </p:style>
+        <p:txBody>
+          <a:bodyPr rtlCol="0" anchor="ctr"/>
+          <a:lstStyle/>
+          <a:p>
+            <a:pPr algn="ctr"/>
+            <a:r>
+              <a:rPr lang="en-US" altLang="ko-KR" sz="1400" b="1" dirty="0" smtClean="0">
+                <a:solidFill>
+                  <a:schemeClr val="tx1"/>
+                </a:solidFill>
+              </a:rPr>
+              <a:t>Lot No./bldg. No.</a:t>
+            </a:r>
+            <a:endParaRPr lang="ko-KR" altLang="en-US" sz="1400" b="1" dirty="0">
+              <a:solidFill>
+                <a:schemeClr val="tx1"/>
+              </a:solidFill>
+            </a:endParaRPr>
+          </a:p>
+        </p:txBody>
+      </p:sp>
+      <p:sp>
+        <p:nvSpPr>
+          <p:cNvPr id="89" name="모서리가 둥근 직사각형 88"/>
+          <p:cNvSpPr/>
+          <p:nvPr/>
+        </p:nvSpPr>
+        <p:spPr>
+          <a:xfrm>
+            <a:off x="3400424" y="3790959"/>
+            <a:ext cx="1895475" cy="274410"/>
+          </a:xfrm>
+          <a:prstGeom prst="roundRect">
+            <a:avLst/>
+          </a:prstGeom>
+          <a:noFill/>
+          <a:ln>
+            <a:solidFill>
+              <a:schemeClr val="tx1"/>
+            </a:solidFill>
+          </a:ln>
+        </p:spPr>
+        <p:style>
+          <a:lnRef idx="2">
+            <a:schemeClr val="accent1">
+              <a:shade val="50000"/>
+            </a:schemeClr>
+          </a:lnRef>
+          <a:fillRef idx="1">
+            <a:schemeClr val="accent1"/>
+          </a:fillRef>
+          <a:effectRef idx="0">
+            <a:schemeClr val="accent1"/>
+          </a:effectRef>
+          <a:fontRef idx="minor">
+            <a:schemeClr val="lt1"/>
+          </a:fontRef>
+        </p:style>
+        <p:txBody>
+          <a:bodyPr rtlCol="0" anchor="ctr"/>
+          <a:lstStyle/>
+          <a:p>
+            <a:pPr algn="ctr"/>
+            <a:r>
+              <a:rPr lang="en-US" altLang="ko-KR" sz="1400" b="1" dirty="0" smtClean="0">
+                <a:solidFill>
+                  <a:schemeClr val="tx1"/>
+                </a:solidFill>
+              </a:rPr>
+              <a:t>Building name</a:t>
+            </a:r>
+            <a:endParaRPr lang="ko-KR" altLang="en-US" sz="1400" b="1" dirty="0">
+              <a:solidFill>
+                <a:schemeClr val="tx1"/>
+              </a:solidFill>
+            </a:endParaRPr>
+          </a:p>
+        </p:txBody>
+      </p:sp>
+      <p:sp>
+        <p:nvSpPr>
+          <p:cNvPr id="90" name="모서리가 둥근 직사각형 89"/>
+          <p:cNvSpPr/>
+          <p:nvPr/>
+        </p:nvSpPr>
+        <p:spPr>
+          <a:xfrm>
+            <a:off x="3400425" y="3351955"/>
+            <a:ext cx="1895475" cy="274410"/>
+          </a:xfrm>
+          <a:prstGeom prst="roundRect">
+            <a:avLst/>
+          </a:prstGeom>
+          <a:noFill/>
+          <a:ln>
+            <a:solidFill>
+              <a:schemeClr val="tx1"/>
+            </a:solidFill>
+          </a:ln>
+        </p:spPr>
+        <p:style>
+          <a:lnRef idx="2">
+            <a:schemeClr val="accent1">
+              <a:shade val="50000"/>
+            </a:schemeClr>
+          </a:lnRef>
+          <a:fillRef idx="1">
+            <a:schemeClr val="accent1"/>
+          </a:fillRef>
+          <a:effectRef idx="0">
+            <a:schemeClr val="accent1"/>
+          </a:effectRef>
+          <a:fontRef idx="minor">
+            <a:schemeClr val="lt1"/>
+          </a:fontRef>
+        </p:style>
+        <p:txBody>
+          <a:bodyPr rtlCol="0" anchor="ctr"/>
+          <a:lstStyle/>
+          <a:p>
+            <a:pPr algn="ctr"/>
+            <a:r>
+              <a:rPr lang="en-US" altLang="ko-KR" sz="1400" b="1" dirty="0" smtClean="0">
+                <a:solidFill>
+                  <a:schemeClr val="tx1"/>
+                </a:solidFill>
+              </a:rPr>
+              <a:t>Mountain code</a:t>
+            </a:r>
+            <a:endParaRPr lang="ko-KR" altLang="en-US" sz="1400" b="1" dirty="0">
+              <a:solidFill>
+                <a:schemeClr val="tx1"/>
+              </a:solidFill>
+            </a:endParaRPr>
+          </a:p>
+        </p:txBody>
+      </p:sp>
+      <p:sp>
+        <p:nvSpPr>
+          <p:cNvPr id="91" name="모서리가 둥근 직사각형 90"/>
+          <p:cNvSpPr/>
+          <p:nvPr/>
+        </p:nvSpPr>
+        <p:spPr>
+          <a:xfrm>
+            <a:off x="3400424" y="4229963"/>
+            <a:ext cx="1895475" cy="274410"/>
+          </a:xfrm>
+          <a:prstGeom prst="roundRect">
+            <a:avLst/>
+          </a:prstGeom>
+          <a:noFill/>
+          <a:ln>
+            <a:solidFill>
+              <a:schemeClr val="tx1"/>
+            </a:solidFill>
+          </a:ln>
+        </p:spPr>
+        <p:style>
+          <a:lnRef idx="2">
+            <a:schemeClr val="accent1">
+              <a:shade val="50000"/>
+            </a:schemeClr>
+          </a:lnRef>
+          <a:fillRef idx="1">
+            <a:schemeClr val="accent1"/>
+          </a:fillRef>
+          <a:effectRef idx="0">
+            <a:schemeClr val="accent1"/>
+          </a:effectRef>
+          <a:fontRef idx="minor">
+            <a:schemeClr val="lt1"/>
+          </a:fontRef>
+        </p:style>
+        <p:txBody>
+          <a:bodyPr rtlCol="0" anchor="ctr"/>
+          <a:lstStyle/>
+          <a:p>
+            <a:pPr algn="ctr"/>
+            <a:r>
+              <a:rPr lang="en-US" altLang="ko-KR" sz="1400" b="1" dirty="0" smtClean="0">
+                <a:solidFill>
+                  <a:schemeClr val="tx1"/>
+                </a:solidFill>
+              </a:rPr>
+              <a:t>Road code</a:t>
+            </a:r>
+            <a:endParaRPr lang="ko-KR" altLang="en-US" sz="1400" b="1" dirty="0">
+              <a:solidFill>
+                <a:schemeClr val="tx1"/>
+              </a:solidFill>
+            </a:endParaRPr>
+          </a:p>
+        </p:txBody>
+      </p:sp>
+      <p:sp>
+        <p:nvSpPr>
+          <p:cNvPr id="92" name="모서리가 둥근 직사각형 91"/>
+          <p:cNvSpPr/>
+          <p:nvPr/>
+        </p:nvSpPr>
+        <p:spPr>
+          <a:xfrm>
+            <a:off x="3328139" y="1665326"/>
+            <a:ext cx="2032746" cy="2958914"/>
+          </a:xfrm>
+          <a:prstGeom prst="roundRect">
+            <a:avLst>
+              <a:gd name="adj" fmla="val 3172"/>
+            </a:avLst>
+          </a:prstGeom>
+          <a:noFill/>
+          <a:ln>
+            <a:solidFill>
+              <a:schemeClr val="tx1"/>
+            </a:solidFill>
+          </a:ln>
+        </p:spPr>
+        <p:style>
+          <a:lnRef idx="2">
+            <a:schemeClr val="accent1">
+              <a:shade val="50000"/>
+            </a:schemeClr>
+          </a:lnRef>
+          <a:fillRef idx="1">
+            <a:schemeClr val="accent1"/>
+          </a:fillRef>
+          <a:effectRef idx="0">
+            <a:schemeClr val="accent1"/>
+          </a:effectRef>
+          <a:fontRef idx="minor">
+            <a:schemeClr val="lt1"/>
+          </a:fontRef>
+        </p:style>
+        <p:txBody>
+          <a:bodyPr rtlCol="0" anchor="t"/>
+          <a:lstStyle/>
+          <a:p>
+            <a:pPr algn="ctr"/>
+            <a:r>
+              <a:rPr lang="en-US" altLang="ko-KR" sz="1400" b="1" dirty="0" smtClean="0">
+                <a:solidFill>
+                  <a:schemeClr val="tx1"/>
+                </a:solidFill>
+              </a:rPr>
+              <a:t>Address Data</a:t>
+            </a:r>
+            <a:endParaRPr lang="ko-KR" altLang="en-US" sz="1400" b="1" dirty="0">
+              <a:solidFill>
+                <a:schemeClr val="tx1"/>
+              </a:solidFill>
+            </a:endParaRPr>
+          </a:p>
+        </p:txBody>
+      </p:sp>
+      <p:sp>
+        <p:nvSpPr>
+          <p:cNvPr id="99" name="직사각형 98">
+            <a:extLst>
+              <a:ext uri="{FF2B5EF4-FFF2-40B4-BE49-F238E27FC236}">
+                <a16:creationId xmlns:a16="http://schemas.microsoft.com/office/drawing/2014/main" id="{CB468CF8-4446-4E21-89AB-0F903D714712}"/>
+              </a:ext>
+            </a:extLst>
+          </p:cNvPr>
+          <p:cNvSpPr/>
+          <p:nvPr/>
+        </p:nvSpPr>
+        <p:spPr>
+          <a:xfrm>
+            <a:off x="890518" y="1663002"/>
+            <a:ext cx="2011618" cy="548820"/>
+          </a:xfrm>
+          <a:prstGeom prst="rect">
+            <a:avLst/>
+          </a:prstGeom>
+          <a:noFill/>
+          <a:ln>
+            <a:solidFill>
+              <a:schemeClr val="bg1">
+                <a:lumMod val="50000"/>
+              </a:schemeClr>
+            </a:solidFill>
+          </a:ln>
+        </p:spPr>
+        <p:style>
+          <a:lnRef idx="2">
+            <a:schemeClr val="accent1">
+              <a:shade val="50000"/>
+            </a:schemeClr>
+          </a:lnRef>
+          <a:fillRef idx="1">
+            <a:schemeClr val="accent1"/>
+          </a:fillRef>
+          <a:effectRef idx="0">
+            <a:schemeClr val="accent1"/>
+          </a:effectRef>
+          <a:fontRef idx="minor">
+            <a:schemeClr val="lt1"/>
+          </a:fontRef>
+        </p:style>
+        <p:txBody>
+          <a:bodyPr rtlCol="0" anchor="ctr"/>
+          <a:lstStyle/>
+          <a:p>
+            <a:pPr algn="ctr"/>
+            <a:r>
+              <a:rPr lang="en-US" altLang="ko-KR" sz="1400" b="1" dirty="0" smtClean="0">
+                <a:solidFill>
+                  <a:schemeClr val="tx1"/>
+                </a:solidFill>
+              </a:rPr>
+              <a:t>Building Address</a:t>
+            </a:r>
+            <a:endParaRPr lang="ko-KR" altLang="en-US" sz="1400" b="1" dirty="0">
+              <a:solidFill>
+                <a:schemeClr val="tx1"/>
+              </a:solidFill>
+            </a:endParaRPr>
+          </a:p>
+        </p:txBody>
+      </p:sp>
+      <p:sp>
+        <p:nvSpPr>
+          <p:cNvPr id="100" name="직사각형 99">
+            <a:extLst>
+              <a:ext uri="{FF2B5EF4-FFF2-40B4-BE49-F238E27FC236}">
+                <a16:creationId xmlns:a16="http://schemas.microsoft.com/office/drawing/2014/main" id="{CB468CF8-4446-4E21-89AB-0F903D714712}"/>
+              </a:ext>
+            </a:extLst>
+          </p:cNvPr>
+          <p:cNvSpPr/>
+          <p:nvPr/>
+        </p:nvSpPr>
+        <p:spPr>
+          <a:xfrm>
+            <a:off x="8157376" y="4075420"/>
+            <a:ext cx="2011618" cy="548820"/>
+          </a:xfrm>
+          <a:prstGeom prst="rect">
+            <a:avLst/>
+          </a:prstGeom>
+          <a:noFill/>
+          <a:ln>
+            <a:solidFill>
+              <a:schemeClr val="bg1">
+                <a:lumMod val="50000"/>
+              </a:schemeClr>
+            </a:solidFill>
+          </a:ln>
+        </p:spPr>
+        <p:style>
+          <a:lnRef idx="2">
+            <a:schemeClr val="accent1">
+              <a:shade val="50000"/>
+            </a:schemeClr>
+          </a:lnRef>
+          <a:fillRef idx="1">
+            <a:schemeClr val="accent1"/>
+          </a:fillRef>
+          <a:effectRef idx="0">
+            <a:schemeClr val="accent1"/>
+          </a:effectRef>
+          <a:fontRef idx="minor">
+            <a:schemeClr val="lt1"/>
+          </a:fontRef>
+        </p:style>
+        <p:txBody>
+          <a:bodyPr rtlCol="0" anchor="ctr"/>
+          <a:lstStyle/>
+          <a:p>
+            <a:pPr algn="ctr"/>
+            <a:r>
+              <a:rPr lang="en-US" altLang="ko-KR" sz="1400" b="1" dirty="0" smtClean="0">
+                <a:solidFill>
+                  <a:schemeClr val="tx1"/>
+                </a:solidFill>
+              </a:rPr>
+              <a:t>Apartment Code</a:t>
+            </a:r>
+            <a:endParaRPr lang="ko-KR" altLang="en-US" sz="1400" b="1" dirty="0">
+              <a:solidFill>
+                <a:schemeClr val="tx1"/>
+              </a:solidFill>
+            </a:endParaRPr>
+          </a:p>
+        </p:txBody>
+      </p:sp>
+    </p:spTree>
+    <p:extLst>
+      <p:ext uri="{BB962C8B-B14F-4D97-AF65-F5344CB8AC3E}">
+        <p14:creationId xmlns:p14="http://schemas.microsoft.com/office/powerpoint/2010/main" val="2695613792"/>
+      </p:ext>
+    </p:extLst>
+  </p:cSld>
+  <p:clrMapOvr>
+    <a:masterClrMapping/>
+  </p:clrMapOvr>
+</p:sld>
+</file>
+
 <file path=ppt/slides/slide2.xml><?xml version="1.0" encoding="utf-8"?>
 <p:sld xmlns:a="http://schemas.openxmlformats.org/drawingml/2006/main" xmlns:r="http://schemas.openxmlformats.org/officeDocument/2006/relationships" xmlns:p="http://schemas.openxmlformats.org/presentationml/2006/main">
   <p:cSld>
@@ -5623,6 +11704,191 @@
       </p:grpSpPr>
       <p:pic>
         <p:nvPicPr>
+          <p:cNvPr id="4" name="그림 3"/>
+          <p:cNvPicPr>
+            <a:picLocks noChangeAspect="1"/>
+          </p:cNvPicPr>
+          <p:nvPr/>
+        </p:nvPicPr>
+        <p:blipFill rotWithShape="1">
+          <a:blip r:embed="rId2"/>
+          <a:srcRect l="951"/>
+          <a:stretch/>
+        </p:blipFill>
+        <p:spPr>
+          <a:xfrm>
+            <a:off x="2643447" y="1247775"/>
+            <a:ext cx="6972040" cy="4362450"/>
+          </a:xfrm>
+          <a:prstGeom prst="rect">
+            <a:avLst/>
+          </a:prstGeom>
+        </p:spPr>
+      </p:pic>
+      <p:pic>
+        <p:nvPicPr>
+          <p:cNvPr id="5" name="그림 4">
+            <a:extLst>
+              <a:ext uri="{FF2B5EF4-FFF2-40B4-BE49-F238E27FC236}">
+                <a16:creationId xmlns:a16="http://schemas.microsoft.com/office/drawing/2014/main" id="{5B92160B-FD1C-42B4-AECC-02BDB417F0F9}"/>
+              </a:ext>
+            </a:extLst>
+          </p:cNvPr>
+          <p:cNvPicPr>
+            <a:picLocks noChangeAspect="1"/>
+          </p:cNvPicPr>
+          <p:nvPr/>
+        </p:nvPicPr>
+        <p:blipFill>
+          <a:blip r:embed="rId3"/>
+          <a:stretch>
+            <a:fillRect/>
+          </a:stretch>
+        </p:blipFill>
+        <p:spPr>
+          <a:xfrm>
+            <a:off x="8562491" y="1247776"/>
+            <a:ext cx="1052996" cy="1694930"/>
+          </a:xfrm>
+          <a:prstGeom prst="rect">
+            <a:avLst/>
+          </a:prstGeom>
+        </p:spPr>
+      </p:pic>
+    </p:spTree>
+    <p:extLst>
+      <p:ext uri="{BB962C8B-B14F-4D97-AF65-F5344CB8AC3E}">
+        <p14:creationId xmlns:p14="http://schemas.microsoft.com/office/powerpoint/2010/main" val="2103648229"/>
+      </p:ext>
+    </p:extLst>
+  </p:cSld>
+  <p:clrMapOvr>
+    <a:masterClrMapping/>
+  </p:clrMapOvr>
+</p:sld>
+</file>
+
+<file path=ppt/slides/slide8.xml><?xml version="1.0" encoding="utf-8"?>
+<p:sld xmlns:a="http://schemas.openxmlformats.org/drawingml/2006/main" xmlns:r="http://schemas.openxmlformats.org/officeDocument/2006/relationships" xmlns:p="http://schemas.openxmlformats.org/presentationml/2006/main">
+  <p:cSld>
+    <p:spTree>
+      <p:nvGrpSpPr>
+        <p:cNvPr id="1" name=""/>
+        <p:cNvGrpSpPr/>
+        <p:nvPr/>
+      </p:nvGrpSpPr>
+      <p:grpSpPr>
+        <a:xfrm>
+          <a:off x="0" y="0"/>
+          <a:ext cx="0" cy="0"/>
+          <a:chOff x="0" y="0"/>
+          <a:chExt cx="0" cy="0"/>
+        </a:xfrm>
+      </p:grpSpPr>
+      <p:graphicFrame>
+        <p:nvGraphicFramePr>
+          <p:cNvPr id="4" name="차트 3"/>
+          <p:cNvGraphicFramePr>
+            <a:graphicFrameLocks/>
+          </p:cNvGraphicFramePr>
+          <p:nvPr>
+            <p:extLst>
+              <p:ext uri="{D42A27DB-BD31-4B8C-83A1-F6EECF244321}">
+                <p14:modId xmlns:p14="http://schemas.microsoft.com/office/powerpoint/2010/main" val="4172271043"/>
+              </p:ext>
+            </p:extLst>
+          </p:nvPr>
+        </p:nvGraphicFramePr>
+        <p:xfrm>
+          <a:off x="4430332" y="1238963"/>
+          <a:ext cx="3462074" cy="5303505"/>
+        </p:xfrm>
+        <a:graphic>
+          <a:graphicData uri="http://schemas.openxmlformats.org/drawingml/2006/chart">
+            <c:chart xmlns:c="http://schemas.openxmlformats.org/drawingml/2006/chart" xmlns:r="http://schemas.openxmlformats.org/officeDocument/2006/relationships" r:id="rId2"/>
+          </a:graphicData>
+        </a:graphic>
+      </p:graphicFrame>
+      <p:graphicFrame>
+        <p:nvGraphicFramePr>
+          <p:cNvPr id="5" name="차트 4"/>
+          <p:cNvGraphicFramePr>
+            <a:graphicFrameLocks/>
+          </p:cNvGraphicFramePr>
+          <p:nvPr>
+            <p:extLst>
+              <p:ext uri="{D42A27DB-BD31-4B8C-83A1-F6EECF244321}">
+                <p14:modId xmlns:p14="http://schemas.microsoft.com/office/powerpoint/2010/main" val="2645307350"/>
+              </p:ext>
+            </p:extLst>
+          </p:nvPr>
+        </p:nvGraphicFramePr>
+        <p:xfrm>
+          <a:off x="968259" y="1238963"/>
+          <a:ext cx="3462073" cy="5303505"/>
+        </p:xfrm>
+        <a:graphic>
+          <a:graphicData uri="http://schemas.openxmlformats.org/drawingml/2006/chart">
+            <c:chart xmlns:c="http://schemas.openxmlformats.org/drawingml/2006/chart" xmlns:r="http://schemas.openxmlformats.org/officeDocument/2006/relationships" r:id="rId3"/>
+          </a:graphicData>
+        </a:graphic>
+      </p:graphicFrame>
+      <p:graphicFrame>
+        <p:nvGraphicFramePr>
+          <p:cNvPr id="6" name="차트 5"/>
+          <p:cNvGraphicFramePr>
+            <a:graphicFrameLocks/>
+          </p:cNvGraphicFramePr>
+          <p:nvPr>
+            <p:extLst>
+              <p:ext uri="{D42A27DB-BD31-4B8C-83A1-F6EECF244321}">
+                <p14:modId xmlns:p14="http://schemas.microsoft.com/office/powerpoint/2010/main" val="4228780193"/>
+              </p:ext>
+            </p:extLst>
+          </p:nvPr>
+        </p:nvGraphicFramePr>
+        <p:xfrm>
+          <a:off x="7892406" y="1238962"/>
+          <a:ext cx="3462073" cy="5303505"/>
+        </p:xfrm>
+        <a:graphic>
+          <a:graphicData uri="http://schemas.openxmlformats.org/drawingml/2006/chart">
+            <c:chart xmlns:c="http://schemas.openxmlformats.org/drawingml/2006/chart" xmlns:r="http://schemas.openxmlformats.org/officeDocument/2006/relationships" r:id="rId4"/>
+          </a:graphicData>
+        </a:graphic>
+      </p:graphicFrame>
+    </p:spTree>
+    <p:extLst>
+      <p:ext uri="{BB962C8B-B14F-4D97-AF65-F5344CB8AC3E}">
+        <p14:creationId xmlns:p14="http://schemas.microsoft.com/office/powerpoint/2010/main" val="2070396600"/>
+      </p:ext>
+    </p:extLst>
+  </p:cSld>
+  <p:clrMapOvr>
+    <a:masterClrMapping/>
+  </p:clrMapOvr>
+</p:sld>
+</file>
+
+<file path=ppt/slides/slide9.xml><?xml version="1.0" encoding="utf-8"?>
+<p:sld xmlns:a="http://schemas.openxmlformats.org/drawingml/2006/main" xmlns:r="http://schemas.openxmlformats.org/officeDocument/2006/relationships" xmlns:p="http://schemas.openxmlformats.org/presentationml/2006/main">
+  <p:cSld>
+    <p:spTree>
+      <p:nvGrpSpPr>
+        <p:cNvPr id="1" name=""/>
+        <p:cNvGrpSpPr/>
+        <p:nvPr/>
+      </p:nvGrpSpPr>
+      <p:grpSpPr>
+        <a:xfrm>
+          <a:off x="0" y="0"/>
+          <a:ext cx="0" cy="0"/>
+          <a:chOff x="0" y="0"/>
+          <a:chExt cx="0" cy="0"/>
+        </a:xfrm>
+      </p:grpSpPr>
+      <p:pic>
+        <p:nvPicPr>
           <p:cNvPr id="5" name="그림 4">
             <a:extLst>
               <a:ext uri="{FF2B5EF4-FFF2-40B4-BE49-F238E27FC236}">
@@ -6249,6 +12515,30 @@
           </a:p>
         </p:txBody>
       </p:sp>
+      <p:graphicFrame>
+        <p:nvGraphicFramePr>
+          <p:cNvPr id="25" name="차트 24"/>
+          <p:cNvGraphicFramePr>
+            <a:graphicFrameLocks/>
+          </p:cNvGraphicFramePr>
+          <p:nvPr>
+            <p:extLst>
+              <p:ext uri="{D42A27DB-BD31-4B8C-83A1-F6EECF244321}">
+                <p14:modId xmlns:p14="http://schemas.microsoft.com/office/powerpoint/2010/main" val="3139608422"/>
+              </p:ext>
+            </p:extLst>
+          </p:nvPr>
+        </p:nvGraphicFramePr>
+        <p:xfrm>
+          <a:off x="4922240" y="2490171"/>
+          <a:ext cx="4572000" cy="2743200"/>
+        </p:xfrm>
+        <a:graphic>
+          <a:graphicData uri="http://schemas.openxmlformats.org/drawingml/2006/chart">
+            <c:chart xmlns:c="http://schemas.openxmlformats.org/drawingml/2006/chart" xmlns:r="http://schemas.openxmlformats.org/officeDocument/2006/relationships" r:id="rId3"/>
+          </a:graphicData>
+        </a:graphic>
+      </p:graphicFrame>
     </p:spTree>
     <p:extLst>
       <p:ext uri="{BB962C8B-B14F-4D97-AF65-F5344CB8AC3E}">
